--- a/flowchart.pptx
+++ b/flowchart.pptx
@@ -105,6 +105,11 @@
       </a:defRPr>
     </a:lvl9pPr>
   </p:defaultTextStyle>
+  <p:extLst>
+    <p:ext uri="{EFAFB233-063F-42B5-8137-9DF3F51BA10A}">
+      <p15:sldGuideLst xmlns:p15="http://schemas.microsoft.com/office/powerpoint/2012/main"/>
+    </p:ext>
+  </p:extLst>
 </p:presentation>
 </file>
 
@@ -255,7 +260,7 @@
           <a:p>
             <a:fld id="{A5F08B19-B713-B844-A98D-953EBEF88FDF}" type="datetimeFigureOut">
               <a:rPr lang="en-US" smtClean="0"/>
-              <a:t>10/31/24</a:t>
+              <a:t>11/7/24</a:t>
             </a:fld>
             <a:endParaRPr lang="en-US"/>
           </a:p>
@@ -453,7 +458,7 @@
           <a:p>
             <a:fld id="{A5F08B19-B713-B844-A98D-953EBEF88FDF}" type="datetimeFigureOut">
               <a:rPr lang="en-US" smtClean="0"/>
-              <a:t>10/31/24</a:t>
+              <a:t>11/7/24</a:t>
             </a:fld>
             <a:endParaRPr lang="en-US"/>
           </a:p>
@@ -661,7 +666,7 @@
           <a:p>
             <a:fld id="{A5F08B19-B713-B844-A98D-953EBEF88FDF}" type="datetimeFigureOut">
               <a:rPr lang="en-US" smtClean="0"/>
-              <a:t>10/31/24</a:t>
+              <a:t>11/7/24</a:t>
             </a:fld>
             <a:endParaRPr lang="en-US"/>
           </a:p>
@@ -859,7 +864,7 @@
           <a:p>
             <a:fld id="{A5F08B19-B713-B844-A98D-953EBEF88FDF}" type="datetimeFigureOut">
               <a:rPr lang="en-US" smtClean="0"/>
-              <a:t>10/31/24</a:t>
+              <a:t>11/7/24</a:t>
             </a:fld>
             <a:endParaRPr lang="en-US"/>
           </a:p>
@@ -1134,7 +1139,7 @@
           <a:p>
             <a:fld id="{A5F08B19-B713-B844-A98D-953EBEF88FDF}" type="datetimeFigureOut">
               <a:rPr lang="en-US" smtClean="0"/>
-              <a:t>10/31/24</a:t>
+              <a:t>11/7/24</a:t>
             </a:fld>
             <a:endParaRPr lang="en-US"/>
           </a:p>
@@ -1399,7 +1404,7 @@
           <a:p>
             <a:fld id="{A5F08B19-B713-B844-A98D-953EBEF88FDF}" type="datetimeFigureOut">
               <a:rPr lang="en-US" smtClean="0"/>
-              <a:t>10/31/24</a:t>
+              <a:t>11/7/24</a:t>
             </a:fld>
             <a:endParaRPr lang="en-US"/>
           </a:p>
@@ -1811,7 +1816,7 @@
           <a:p>
             <a:fld id="{A5F08B19-B713-B844-A98D-953EBEF88FDF}" type="datetimeFigureOut">
               <a:rPr lang="en-US" smtClean="0"/>
-              <a:t>10/31/24</a:t>
+              <a:t>11/7/24</a:t>
             </a:fld>
             <a:endParaRPr lang="en-US"/>
           </a:p>
@@ -1952,7 +1957,7 @@
           <a:p>
             <a:fld id="{A5F08B19-B713-B844-A98D-953EBEF88FDF}" type="datetimeFigureOut">
               <a:rPr lang="en-US" smtClean="0"/>
-              <a:t>10/31/24</a:t>
+              <a:t>11/7/24</a:t>
             </a:fld>
             <a:endParaRPr lang="en-US"/>
           </a:p>
@@ -2065,7 +2070,7 @@
           <a:p>
             <a:fld id="{A5F08B19-B713-B844-A98D-953EBEF88FDF}" type="datetimeFigureOut">
               <a:rPr lang="en-US" smtClean="0"/>
-              <a:t>10/31/24</a:t>
+              <a:t>11/7/24</a:t>
             </a:fld>
             <a:endParaRPr lang="en-US"/>
           </a:p>
@@ -2376,7 +2381,7 @@
           <a:p>
             <a:fld id="{A5F08B19-B713-B844-A98D-953EBEF88FDF}" type="datetimeFigureOut">
               <a:rPr lang="en-US" smtClean="0"/>
-              <a:t>10/31/24</a:t>
+              <a:t>11/7/24</a:t>
             </a:fld>
             <a:endParaRPr lang="en-US"/>
           </a:p>
@@ -2664,7 +2669,7 @@
           <a:p>
             <a:fld id="{A5F08B19-B713-B844-A98D-953EBEF88FDF}" type="datetimeFigureOut">
               <a:rPr lang="en-US" smtClean="0"/>
-              <a:t>10/31/24</a:t>
+              <a:t>11/7/24</a:t>
             </a:fld>
             <a:endParaRPr lang="en-US"/>
           </a:p>
@@ -2905,7 +2910,7 @@
           <a:p>
             <a:fld id="{A5F08B19-B713-B844-A98D-953EBEF88FDF}" type="datetimeFigureOut">
               <a:rPr lang="en-US" smtClean="0"/>
-              <a:t>10/31/24</a:t>
+              <a:t>11/7/24</a:t>
             </a:fld>
             <a:endParaRPr lang="en-US"/>
           </a:p>
@@ -3417,9 +3422,9 @@
         <p:grpSpPr>
           <a:xfrm>
             <a:off x="1528547" y="517080"/>
-            <a:ext cx="6014395" cy="6112976"/>
+            <a:ext cx="6014395" cy="5323877"/>
             <a:chOff x="1528547" y="517080"/>
-            <a:chExt cx="6014395" cy="6112976"/>
+            <a:chExt cx="6014395" cy="5323877"/>
           </a:xfrm>
         </p:grpSpPr>
         <p:sp>
@@ -3471,7 +3476,7 @@
                     <a:schemeClr val="tx1"/>
                   </a:solidFill>
                 </a:rPr>
-                <a:t>N original = 1,159</a:t>
+                <a:t>N total = 1,159</a:t>
               </a:r>
             </a:p>
           </p:txBody>
@@ -3783,60 +3788,6 @@
         </p:sp>
         <p:sp>
           <p:nvSpPr>
-            <p:cNvPr id="11" name="Rectangle 10">
-              <a:extLst>
-                <a:ext uri="{FF2B5EF4-FFF2-40B4-BE49-F238E27FC236}">
-                  <a16:creationId xmlns:a16="http://schemas.microsoft.com/office/drawing/2014/main" id="{934DC5AB-0497-E358-92E7-481BB3D68ADA}"/>
-                </a:ext>
-              </a:extLst>
-            </p:cNvPr>
-            <p:cNvSpPr/>
-            <p:nvPr/>
-          </p:nvSpPr>
-          <p:spPr>
-            <a:xfrm>
-              <a:off x="1528547" y="5303912"/>
-              <a:ext cx="3411940" cy="578273"/>
-            </a:xfrm>
-            <a:prstGeom prst="rect">
-              <a:avLst/>
-            </a:prstGeom>
-            <a:noFill/>
-          </p:spPr>
-          <p:style>
-            <a:lnRef idx="2">
-              <a:schemeClr val="accent1">
-                <a:shade val="15000"/>
-              </a:schemeClr>
-            </a:lnRef>
-            <a:fillRef idx="1">
-              <a:schemeClr val="accent1"/>
-            </a:fillRef>
-            <a:effectRef idx="0">
-              <a:schemeClr val="accent1"/>
-            </a:effectRef>
-            <a:fontRef idx="minor">
-              <a:schemeClr val="lt1"/>
-            </a:fontRef>
-          </p:style>
-          <p:txBody>
-            <a:bodyPr rtlCol="0" anchor="ctr"/>
-            <a:lstStyle/>
-            <a:p>
-              <a:pPr algn="ctr"/>
-              <a:r>
-                <a:rPr lang="en-US" dirty="0">
-                  <a:solidFill>
-                    <a:schemeClr val="tx1"/>
-                  </a:solidFill>
-                </a:rPr>
-                <a:t>N has “community” in text = 202 </a:t>
-              </a:r>
-            </a:p>
-          </p:txBody>
-        </p:sp>
-        <p:sp>
-          <p:nvSpPr>
             <p:cNvPr id="12" name="Rectangle 11">
               <a:extLst>
                 <a:ext uri="{FF2B5EF4-FFF2-40B4-BE49-F238E27FC236}">
@@ -3849,7 +3800,7 @@
           </p:nvSpPr>
           <p:spPr>
             <a:xfrm>
-              <a:off x="1528547" y="6051783"/>
+              <a:off x="1528547" y="5262684"/>
               <a:ext cx="3411940" cy="578273"/>
             </a:xfrm>
             <a:prstGeom prst="rect">
@@ -3904,7 +3855,7 @@
           <p:spPr>
             <a:xfrm>
               <a:off x="5201791" y="1304111"/>
-              <a:ext cx="368492" cy="4578074"/>
+              <a:ext cx="368492" cy="3762952"/>
             </a:xfrm>
             <a:prstGeom prst="rightBrace">
               <a:avLst/>
@@ -3947,7 +3898,7 @@
           </p:nvSpPr>
           <p:spPr>
             <a:xfrm>
-              <a:off x="5700495" y="3335303"/>
+              <a:off x="5700495" y="2775359"/>
               <a:ext cx="1842447" cy="923330"/>
             </a:xfrm>
             <a:prstGeom prst="rect">

--- a/flowchart.pptx
+++ b/flowchart.pptx
@@ -260,7 +260,7 @@
           <a:p>
             <a:fld id="{A5F08B19-B713-B844-A98D-953EBEF88FDF}" type="datetimeFigureOut">
               <a:rPr lang="en-US" smtClean="0"/>
-              <a:t>11/7/24</a:t>
+              <a:t>12/3/24</a:t>
             </a:fld>
             <a:endParaRPr lang="en-US"/>
           </a:p>
@@ -458,7 +458,7 @@
           <a:p>
             <a:fld id="{A5F08B19-B713-B844-A98D-953EBEF88FDF}" type="datetimeFigureOut">
               <a:rPr lang="en-US" smtClean="0"/>
-              <a:t>11/7/24</a:t>
+              <a:t>12/3/24</a:t>
             </a:fld>
             <a:endParaRPr lang="en-US"/>
           </a:p>
@@ -666,7 +666,7 @@
           <a:p>
             <a:fld id="{A5F08B19-B713-B844-A98D-953EBEF88FDF}" type="datetimeFigureOut">
               <a:rPr lang="en-US" smtClean="0"/>
-              <a:t>11/7/24</a:t>
+              <a:t>12/3/24</a:t>
             </a:fld>
             <a:endParaRPr lang="en-US"/>
           </a:p>
@@ -864,7 +864,7 @@
           <a:p>
             <a:fld id="{A5F08B19-B713-B844-A98D-953EBEF88FDF}" type="datetimeFigureOut">
               <a:rPr lang="en-US" smtClean="0"/>
-              <a:t>11/7/24</a:t>
+              <a:t>12/3/24</a:t>
             </a:fld>
             <a:endParaRPr lang="en-US"/>
           </a:p>
@@ -1139,7 +1139,7 @@
           <a:p>
             <a:fld id="{A5F08B19-B713-B844-A98D-953EBEF88FDF}" type="datetimeFigureOut">
               <a:rPr lang="en-US" smtClean="0"/>
-              <a:t>11/7/24</a:t>
+              <a:t>12/3/24</a:t>
             </a:fld>
             <a:endParaRPr lang="en-US"/>
           </a:p>
@@ -1404,7 +1404,7 @@
           <a:p>
             <a:fld id="{A5F08B19-B713-B844-A98D-953EBEF88FDF}" type="datetimeFigureOut">
               <a:rPr lang="en-US" smtClean="0"/>
-              <a:t>11/7/24</a:t>
+              <a:t>12/3/24</a:t>
             </a:fld>
             <a:endParaRPr lang="en-US"/>
           </a:p>
@@ -1816,7 +1816,7 @@
           <a:p>
             <a:fld id="{A5F08B19-B713-B844-A98D-953EBEF88FDF}" type="datetimeFigureOut">
               <a:rPr lang="en-US" smtClean="0"/>
-              <a:t>11/7/24</a:t>
+              <a:t>12/3/24</a:t>
             </a:fld>
             <a:endParaRPr lang="en-US"/>
           </a:p>
@@ -1957,7 +1957,7 @@
           <a:p>
             <a:fld id="{A5F08B19-B713-B844-A98D-953EBEF88FDF}" type="datetimeFigureOut">
               <a:rPr lang="en-US" smtClean="0"/>
-              <a:t>11/7/24</a:t>
+              <a:t>12/3/24</a:t>
             </a:fld>
             <a:endParaRPr lang="en-US"/>
           </a:p>
@@ -2070,7 +2070,7 @@
           <a:p>
             <a:fld id="{A5F08B19-B713-B844-A98D-953EBEF88FDF}" type="datetimeFigureOut">
               <a:rPr lang="en-US" smtClean="0"/>
-              <a:t>11/7/24</a:t>
+              <a:t>12/3/24</a:t>
             </a:fld>
             <a:endParaRPr lang="en-US"/>
           </a:p>
@@ -2381,7 +2381,7 @@
           <a:p>
             <a:fld id="{A5F08B19-B713-B844-A98D-953EBEF88FDF}" type="datetimeFigureOut">
               <a:rPr lang="en-US" smtClean="0"/>
-              <a:t>11/7/24</a:t>
+              <a:t>12/3/24</a:t>
             </a:fld>
             <a:endParaRPr lang="en-US"/>
           </a:p>
@@ -2669,7 +2669,7 @@
           <a:p>
             <a:fld id="{A5F08B19-B713-B844-A98D-953EBEF88FDF}" type="datetimeFigureOut">
               <a:rPr lang="en-US" smtClean="0"/>
-              <a:t>11/7/24</a:t>
+              <a:t>12/3/24</a:t>
             </a:fld>
             <a:endParaRPr lang="en-US"/>
           </a:p>
@@ -2910,7 +2910,7 @@
           <a:p>
             <a:fld id="{A5F08B19-B713-B844-A98D-953EBEF88FDF}" type="datetimeFigureOut">
               <a:rPr lang="en-US" smtClean="0"/>
-              <a:t>11/7/24</a:t>
+              <a:t>12/3/24</a:t>
             </a:fld>
             <a:endParaRPr lang="en-US"/>
           </a:p>
@@ -3476,7 +3476,7 @@
                     <a:schemeClr val="tx1"/>
                   </a:solidFill>
                 </a:rPr>
-                <a:t>N total = 1,159</a:t>
+                <a:t>N total = 1,636</a:t>
               </a:r>
             </a:p>
           </p:txBody>
@@ -3530,7 +3530,7 @@
                     <a:schemeClr val="tx1"/>
                   </a:solidFill>
                 </a:rPr>
-                <a:t>N not duplicated = 930</a:t>
+                <a:t>N not duplicated = 1,233</a:t>
               </a:r>
             </a:p>
           </p:txBody>
@@ -3584,7 +3584,7 @@
                     <a:schemeClr val="tx1"/>
                   </a:solidFill>
                 </a:rPr>
-                <a:t>N in Massachusetts = 338 </a:t>
+                <a:t>N in Massachusetts = 470 </a:t>
               </a:r>
             </a:p>
           </p:txBody>
@@ -3673,7 +3673,7 @@
                     <a:schemeClr val="tx1"/>
                   </a:solidFill>
                 </a:rPr>
-                <a:t>N is ACRES town = 235 </a:t>
+                <a:t>N in Boston Inner Core = 320 </a:t>
               </a:r>
             </a:p>
           </p:txBody>
@@ -3727,7 +3727,7 @@
                     <a:schemeClr val="tx1"/>
                   </a:solidFill>
                 </a:rPr>
-                <a:t>N has “climate” in text = 210 </a:t>
+                <a:t>N has “climate” in text = 284 </a:t>
               </a:r>
             </a:p>
           </p:txBody>
@@ -3781,7 +3781,7 @@
                     <a:schemeClr val="tx1"/>
                   </a:solidFill>
                 </a:rPr>
-                <a:t>N has “community” in text = 202 </a:t>
+                <a:t>N has “community” in text = 273 </a:t>
               </a:r>
             </a:p>
           </p:txBody>
@@ -3835,7 +3835,7 @@
                     <a:schemeClr val="tx1"/>
                   </a:solidFill>
                 </a:rPr>
-                <a:t>N pass manual checks = 94 </a:t>
+                <a:t>N pass manual checks = 111 </a:t>
               </a:r>
             </a:p>
           </p:txBody>

--- a/flowchart.pptx
+++ b/flowchart.pptx
@@ -260,7 +260,7 @@
           <a:p>
             <a:fld id="{A5F08B19-B713-B844-A98D-953EBEF88FDF}" type="datetimeFigureOut">
               <a:rPr lang="en-US" smtClean="0"/>
-              <a:t>12/3/24</a:t>
+              <a:t>12/19/24</a:t>
             </a:fld>
             <a:endParaRPr lang="en-US"/>
           </a:p>
@@ -458,7 +458,7 @@
           <a:p>
             <a:fld id="{A5F08B19-B713-B844-A98D-953EBEF88FDF}" type="datetimeFigureOut">
               <a:rPr lang="en-US" smtClean="0"/>
-              <a:t>12/3/24</a:t>
+              <a:t>12/19/24</a:t>
             </a:fld>
             <a:endParaRPr lang="en-US"/>
           </a:p>
@@ -666,7 +666,7 @@
           <a:p>
             <a:fld id="{A5F08B19-B713-B844-A98D-953EBEF88FDF}" type="datetimeFigureOut">
               <a:rPr lang="en-US" smtClean="0"/>
-              <a:t>12/3/24</a:t>
+              <a:t>12/19/24</a:t>
             </a:fld>
             <a:endParaRPr lang="en-US"/>
           </a:p>
@@ -864,7 +864,7 @@
           <a:p>
             <a:fld id="{A5F08B19-B713-B844-A98D-953EBEF88FDF}" type="datetimeFigureOut">
               <a:rPr lang="en-US" smtClean="0"/>
-              <a:t>12/3/24</a:t>
+              <a:t>12/19/24</a:t>
             </a:fld>
             <a:endParaRPr lang="en-US"/>
           </a:p>
@@ -1139,7 +1139,7 @@
           <a:p>
             <a:fld id="{A5F08B19-B713-B844-A98D-953EBEF88FDF}" type="datetimeFigureOut">
               <a:rPr lang="en-US" smtClean="0"/>
-              <a:t>12/3/24</a:t>
+              <a:t>12/19/24</a:t>
             </a:fld>
             <a:endParaRPr lang="en-US"/>
           </a:p>
@@ -1404,7 +1404,7 @@
           <a:p>
             <a:fld id="{A5F08B19-B713-B844-A98D-953EBEF88FDF}" type="datetimeFigureOut">
               <a:rPr lang="en-US" smtClean="0"/>
-              <a:t>12/3/24</a:t>
+              <a:t>12/19/24</a:t>
             </a:fld>
             <a:endParaRPr lang="en-US"/>
           </a:p>
@@ -1816,7 +1816,7 @@
           <a:p>
             <a:fld id="{A5F08B19-B713-B844-A98D-953EBEF88FDF}" type="datetimeFigureOut">
               <a:rPr lang="en-US" smtClean="0"/>
-              <a:t>12/3/24</a:t>
+              <a:t>12/19/24</a:t>
             </a:fld>
             <a:endParaRPr lang="en-US"/>
           </a:p>
@@ -1957,7 +1957,7 @@
           <a:p>
             <a:fld id="{A5F08B19-B713-B844-A98D-953EBEF88FDF}" type="datetimeFigureOut">
               <a:rPr lang="en-US" smtClean="0"/>
-              <a:t>12/3/24</a:t>
+              <a:t>12/19/24</a:t>
             </a:fld>
             <a:endParaRPr lang="en-US"/>
           </a:p>
@@ -2070,7 +2070,7 @@
           <a:p>
             <a:fld id="{A5F08B19-B713-B844-A98D-953EBEF88FDF}" type="datetimeFigureOut">
               <a:rPr lang="en-US" smtClean="0"/>
-              <a:t>12/3/24</a:t>
+              <a:t>12/19/24</a:t>
             </a:fld>
             <a:endParaRPr lang="en-US"/>
           </a:p>
@@ -2381,7 +2381,7 @@
           <a:p>
             <a:fld id="{A5F08B19-B713-B844-A98D-953EBEF88FDF}" type="datetimeFigureOut">
               <a:rPr lang="en-US" smtClean="0"/>
-              <a:t>12/3/24</a:t>
+              <a:t>12/19/24</a:t>
             </a:fld>
             <a:endParaRPr lang="en-US"/>
           </a:p>
@@ -2669,7 +2669,7 @@
           <a:p>
             <a:fld id="{A5F08B19-B713-B844-A98D-953EBEF88FDF}" type="datetimeFigureOut">
               <a:rPr lang="en-US" smtClean="0"/>
-              <a:t>12/3/24</a:t>
+              <a:t>12/19/24</a:t>
             </a:fld>
             <a:endParaRPr lang="en-US"/>
           </a:p>
@@ -2910,7 +2910,7 @@
           <a:p>
             <a:fld id="{A5F08B19-B713-B844-A98D-953EBEF88FDF}" type="datetimeFigureOut">
               <a:rPr lang="en-US" smtClean="0"/>
-              <a:t>12/3/24</a:t>
+              <a:t>12/19/24</a:t>
             </a:fld>
             <a:endParaRPr lang="en-US"/>
           </a:p>
@@ -3409,10 +3409,10 @@
       </p:grpSpPr>
       <p:grpSp>
         <p:nvGrpSpPr>
-          <p:cNvPr id="15" name="Group 14">
-            <a:extLst>
-              <a:ext uri="{FF2B5EF4-FFF2-40B4-BE49-F238E27FC236}">
-                <a16:creationId xmlns:a16="http://schemas.microsoft.com/office/drawing/2014/main" id="{BD3241F5-733F-6261-8FA3-71FAC1B61CFC}"/>
+          <p:cNvPr id="4" name="Group 3">
+            <a:extLst>
+              <a:ext uri="{FF2B5EF4-FFF2-40B4-BE49-F238E27FC236}">
+                <a16:creationId xmlns:a16="http://schemas.microsoft.com/office/drawing/2014/main" id="{ED5F9E67-53C3-1B1A-1C13-1354B9A970F1}"/>
               </a:ext>
             </a:extLst>
           </p:cNvPr>
@@ -3421,18 +3421,531 @@
         </p:nvGrpSpPr>
         <p:grpSpPr>
           <a:xfrm>
-            <a:off x="1528547" y="517080"/>
-            <a:ext cx="6014395" cy="5323877"/>
-            <a:chOff x="1528547" y="517080"/>
-            <a:chExt cx="6014395" cy="5323877"/>
+            <a:off x="374072" y="690594"/>
+            <a:ext cx="7346275" cy="5673863"/>
+            <a:chOff x="374072" y="690594"/>
+            <a:chExt cx="7346275" cy="5673863"/>
           </a:xfrm>
         </p:grpSpPr>
+        <p:grpSp>
+          <p:nvGrpSpPr>
+            <p:cNvPr id="15" name="Group 14">
+              <a:extLst>
+                <a:ext uri="{FF2B5EF4-FFF2-40B4-BE49-F238E27FC236}">
+                  <a16:creationId xmlns:a16="http://schemas.microsoft.com/office/drawing/2014/main" id="{BD3241F5-733F-6261-8FA3-71FAC1B61CFC}"/>
+                </a:ext>
+              </a:extLst>
+            </p:cNvPr>
+            <p:cNvGrpSpPr/>
+            <p:nvPr/>
+          </p:nvGrpSpPr>
+          <p:grpSpPr>
+            <a:xfrm>
+              <a:off x="1705952" y="690594"/>
+              <a:ext cx="6014395" cy="5673863"/>
+              <a:chOff x="1528547" y="167094"/>
+              <a:chExt cx="6014395" cy="5673863"/>
+            </a:xfrm>
+          </p:grpSpPr>
+          <p:sp>
+            <p:nvSpPr>
+              <p:cNvPr id="2" name="Rectangle 1">
+                <a:extLst>
+                  <a:ext uri="{FF2B5EF4-FFF2-40B4-BE49-F238E27FC236}">
+                    <a16:creationId xmlns:a16="http://schemas.microsoft.com/office/drawing/2014/main" id="{CE1297A3-588A-D78F-BDA5-17F30EABD5CE}"/>
+                  </a:ext>
+                </a:extLst>
+              </p:cNvPr>
+              <p:cNvSpPr/>
+              <p:nvPr/>
+            </p:nvSpPr>
+            <p:spPr>
+              <a:xfrm>
+                <a:off x="3551830" y="167094"/>
+                <a:ext cx="3411940" cy="578273"/>
+              </a:xfrm>
+              <a:prstGeom prst="rect">
+                <a:avLst/>
+              </a:prstGeom>
+              <a:noFill/>
+            </p:spPr>
+            <p:style>
+              <a:lnRef idx="2">
+                <a:schemeClr val="accent1">
+                  <a:shade val="15000"/>
+                </a:schemeClr>
+              </a:lnRef>
+              <a:fillRef idx="1">
+                <a:schemeClr val="accent1"/>
+              </a:fillRef>
+              <a:effectRef idx="0">
+                <a:schemeClr val="accent1"/>
+              </a:effectRef>
+              <a:fontRef idx="minor">
+                <a:schemeClr val="lt1"/>
+              </a:fontRef>
+            </p:style>
+            <p:txBody>
+              <a:bodyPr rtlCol="0" anchor="ctr"/>
+              <a:lstStyle/>
+              <a:p>
+                <a:pPr algn="ctr"/>
+                <a:r>
+                  <a:rPr lang="en-US" dirty="0">
+                    <a:solidFill>
+                      <a:schemeClr val="tx1"/>
+                    </a:solidFill>
+                  </a:rPr>
+                  <a:t>N automated = 1,636</a:t>
+                </a:r>
+              </a:p>
+            </p:txBody>
+          </p:sp>
+          <p:sp>
+            <p:nvSpPr>
+              <p:cNvPr id="5" name="Rectangle 4">
+                <a:extLst>
+                  <a:ext uri="{FF2B5EF4-FFF2-40B4-BE49-F238E27FC236}">
+                    <a16:creationId xmlns:a16="http://schemas.microsoft.com/office/drawing/2014/main" id="{F9ED10F8-4A02-A8D0-2B74-1011BD57BDE8}"/>
+                  </a:ext>
+                </a:extLst>
+              </p:cNvPr>
+              <p:cNvSpPr/>
+              <p:nvPr/>
+            </p:nvSpPr>
+            <p:spPr>
+              <a:xfrm>
+                <a:off x="1528549" y="1304111"/>
+                <a:ext cx="3411941" cy="578273"/>
+              </a:xfrm>
+              <a:prstGeom prst="rect">
+                <a:avLst/>
+              </a:prstGeom>
+              <a:noFill/>
+            </p:spPr>
+            <p:style>
+              <a:lnRef idx="2">
+                <a:schemeClr val="accent1">
+                  <a:shade val="15000"/>
+                </a:schemeClr>
+              </a:lnRef>
+              <a:fillRef idx="1">
+                <a:schemeClr val="accent1"/>
+              </a:fillRef>
+              <a:effectRef idx="0">
+                <a:schemeClr val="accent1"/>
+              </a:effectRef>
+              <a:fontRef idx="minor">
+                <a:schemeClr val="lt1"/>
+              </a:fontRef>
+            </p:style>
+            <p:txBody>
+              <a:bodyPr rtlCol="0" anchor="ctr"/>
+              <a:lstStyle/>
+              <a:p>
+                <a:pPr algn="ctr"/>
+                <a:r>
+                  <a:rPr lang="en-US" dirty="0">
+                    <a:solidFill>
+                      <a:schemeClr val="tx1"/>
+                    </a:solidFill>
+                  </a:rPr>
+                  <a:t>N not duplicated = 1,233</a:t>
+                </a:r>
+              </a:p>
+            </p:txBody>
+          </p:sp>
+          <p:sp>
+            <p:nvSpPr>
+              <p:cNvPr id="6" name="Rectangle 5">
+                <a:extLst>
+                  <a:ext uri="{FF2B5EF4-FFF2-40B4-BE49-F238E27FC236}">
+                    <a16:creationId xmlns:a16="http://schemas.microsoft.com/office/drawing/2014/main" id="{B24726C6-BE83-CB8B-6DE3-66F412631580}"/>
+                  </a:ext>
+                </a:extLst>
+              </p:cNvPr>
+              <p:cNvSpPr/>
+              <p:nvPr/>
+            </p:nvSpPr>
+            <p:spPr>
+              <a:xfrm>
+                <a:off x="1528547" y="2095193"/>
+                <a:ext cx="3411942" cy="578273"/>
+              </a:xfrm>
+              <a:prstGeom prst="rect">
+                <a:avLst/>
+              </a:prstGeom>
+              <a:noFill/>
+            </p:spPr>
+            <p:style>
+              <a:lnRef idx="2">
+                <a:schemeClr val="accent1">
+                  <a:shade val="15000"/>
+                </a:schemeClr>
+              </a:lnRef>
+              <a:fillRef idx="1">
+                <a:schemeClr val="accent1"/>
+              </a:fillRef>
+              <a:effectRef idx="0">
+                <a:schemeClr val="accent1"/>
+              </a:effectRef>
+              <a:fontRef idx="minor">
+                <a:schemeClr val="lt1"/>
+              </a:fontRef>
+            </p:style>
+            <p:txBody>
+              <a:bodyPr rtlCol="0" anchor="ctr"/>
+              <a:lstStyle/>
+              <a:p>
+                <a:pPr algn="ctr"/>
+                <a:r>
+                  <a:rPr lang="en-US" dirty="0">
+                    <a:solidFill>
+                      <a:schemeClr val="tx1"/>
+                    </a:solidFill>
+                  </a:rPr>
+                  <a:t>N in Massachusetts = 470 </a:t>
+                </a:r>
+              </a:p>
+            </p:txBody>
+          </p:sp>
+          <p:sp>
+            <p:nvSpPr>
+              <p:cNvPr id="7" name="TextBox 6">
+                <a:extLst>
+                  <a:ext uri="{FF2B5EF4-FFF2-40B4-BE49-F238E27FC236}">
+                    <a16:creationId xmlns:a16="http://schemas.microsoft.com/office/drawing/2014/main" id="{A9FEE83D-5072-915B-E9E8-AAE3E817B9E7}"/>
+                  </a:ext>
+                </a:extLst>
+              </p:cNvPr>
+              <p:cNvSpPr txBox="1"/>
+              <p:nvPr/>
+            </p:nvSpPr>
+            <p:spPr>
+              <a:xfrm>
+                <a:off x="4315522" y="1942165"/>
+                <a:ext cx="1884556" cy="369332"/>
+              </a:xfrm>
+              <a:prstGeom prst="rect">
+                <a:avLst/>
+              </a:prstGeom>
+              <a:noFill/>
+            </p:spPr>
+            <p:txBody>
+              <a:bodyPr wrap="square" rtlCol="0">
+                <a:spAutoFit/>
+              </a:bodyPr>
+              <a:lstStyle/>
+              <a:p>
+                <a:r>
+                  <a:rPr lang="en-US" dirty="0"/>
+                  <a:t> </a:t>
+                </a:r>
+              </a:p>
+            </p:txBody>
+          </p:sp>
+          <p:sp>
+            <p:nvSpPr>
+              <p:cNvPr id="8" name="Rectangle 7">
+                <a:extLst>
+                  <a:ext uri="{FF2B5EF4-FFF2-40B4-BE49-F238E27FC236}">
+                    <a16:creationId xmlns:a16="http://schemas.microsoft.com/office/drawing/2014/main" id="{16D982B3-E803-8629-732D-758F5C72B950}"/>
+                  </a:ext>
+                </a:extLst>
+              </p:cNvPr>
+              <p:cNvSpPr/>
+              <p:nvPr/>
+            </p:nvSpPr>
+            <p:spPr>
+              <a:xfrm>
+                <a:off x="1528549" y="2883567"/>
+                <a:ext cx="3411940" cy="578273"/>
+              </a:xfrm>
+              <a:prstGeom prst="rect">
+                <a:avLst/>
+              </a:prstGeom>
+              <a:noFill/>
+            </p:spPr>
+            <p:style>
+              <a:lnRef idx="2">
+                <a:schemeClr val="accent1">
+                  <a:shade val="15000"/>
+                </a:schemeClr>
+              </a:lnRef>
+              <a:fillRef idx="1">
+                <a:schemeClr val="accent1"/>
+              </a:fillRef>
+              <a:effectRef idx="0">
+                <a:schemeClr val="accent1"/>
+              </a:effectRef>
+              <a:fontRef idx="minor">
+                <a:schemeClr val="lt1"/>
+              </a:fontRef>
+            </p:style>
+            <p:txBody>
+              <a:bodyPr rtlCol="0" anchor="ctr"/>
+              <a:lstStyle/>
+              <a:p>
+                <a:pPr algn="ctr"/>
+                <a:r>
+                  <a:rPr lang="en-US" dirty="0">
+                    <a:solidFill>
+                      <a:schemeClr val="tx1"/>
+                    </a:solidFill>
+                  </a:rPr>
+                  <a:t>N in Boston Inner Core = 320 </a:t>
+                </a:r>
+              </a:p>
+            </p:txBody>
+          </p:sp>
+          <p:sp>
+            <p:nvSpPr>
+              <p:cNvPr id="9" name="Rectangle 8">
+                <a:extLst>
+                  <a:ext uri="{FF2B5EF4-FFF2-40B4-BE49-F238E27FC236}">
+                    <a16:creationId xmlns:a16="http://schemas.microsoft.com/office/drawing/2014/main" id="{FBD9E85D-B692-3145-19B8-7107819692FF}"/>
+                  </a:ext>
+                </a:extLst>
+              </p:cNvPr>
+              <p:cNvSpPr/>
+              <p:nvPr/>
+            </p:nvSpPr>
+            <p:spPr>
+              <a:xfrm>
+                <a:off x="1528549" y="3698689"/>
+                <a:ext cx="3411940" cy="578273"/>
+              </a:xfrm>
+              <a:prstGeom prst="rect">
+                <a:avLst/>
+              </a:prstGeom>
+              <a:noFill/>
+            </p:spPr>
+            <p:style>
+              <a:lnRef idx="2">
+                <a:schemeClr val="accent1">
+                  <a:shade val="15000"/>
+                </a:schemeClr>
+              </a:lnRef>
+              <a:fillRef idx="1">
+                <a:schemeClr val="accent1"/>
+              </a:fillRef>
+              <a:effectRef idx="0">
+                <a:schemeClr val="accent1"/>
+              </a:effectRef>
+              <a:fontRef idx="minor">
+                <a:schemeClr val="lt1"/>
+              </a:fontRef>
+            </p:style>
+            <p:txBody>
+              <a:bodyPr rtlCol="0" anchor="ctr"/>
+              <a:lstStyle/>
+              <a:p>
+                <a:pPr algn="ctr"/>
+                <a:r>
+                  <a:rPr lang="en-US" dirty="0">
+                    <a:solidFill>
+                      <a:schemeClr val="tx1"/>
+                    </a:solidFill>
+                  </a:rPr>
+                  <a:t>N has “climate” in text = 284 </a:t>
+                </a:r>
+              </a:p>
+            </p:txBody>
+          </p:sp>
+          <p:sp>
+            <p:nvSpPr>
+              <p:cNvPr id="10" name="Rectangle 9">
+                <a:extLst>
+                  <a:ext uri="{FF2B5EF4-FFF2-40B4-BE49-F238E27FC236}">
+                    <a16:creationId xmlns:a16="http://schemas.microsoft.com/office/drawing/2014/main" id="{AEC0370F-3B6E-29FE-D9D1-18A84FD5A4B1}"/>
+                  </a:ext>
+                </a:extLst>
+              </p:cNvPr>
+              <p:cNvSpPr/>
+              <p:nvPr/>
+            </p:nvSpPr>
+            <p:spPr>
+              <a:xfrm>
+                <a:off x="1528547" y="4488790"/>
+                <a:ext cx="3411940" cy="578273"/>
+              </a:xfrm>
+              <a:prstGeom prst="rect">
+                <a:avLst/>
+              </a:prstGeom>
+              <a:noFill/>
+            </p:spPr>
+            <p:style>
+              <a:lnRef idx="2">
+                <a:schemeClr val="accent1">
+                  <a:shade val="15000"/>
+                </a:schemeClr>
+              </a:lnRef>
+              <a:fillRef idx="1">
+                <a:schemeClr val="accent1"/>
+              </a:fillRef>
+              <a:effectRef idx="0">
+                <a:schemeClr val="accent1"/>
+              </a:effectRef>
+              <a:fontRef idx="minor">
+                <a:schemeClr val="lt1"/>
+              </a:fontRef>
+            </p:style>
+            <p:txBody>
+              <a:bodyPr rtlCol="0" anchor="ctr"/>
+              <a:lstStyle/>
+              <a:p>
+                <a:pPr algn="ctr"/>
+                <a:r>
+                  <a:rPr lang="en-US" dirty="0">
+                    <a:solidFill>
+                      <a:schemeClr val="tx1"/>
+                    </a:solidFill>
+                  </a:rPr>
+                  <a:t>N has “community” in text = 273 </a:t>
+                </a:r>
+              </a:p>
+            </p:txBody>
+          </p:sp>
+          <p:sp>
+            <p:nvSpPr>
+              <p:cNvPr id="12" name="Rectangle 11">
+                <a:extLst>
+                  <a:ext uri="{FF2B5EF4-FFF2-40B4-BE49-F238E27FC236}">
+                    <a16:creationId xmlns:a16="http://schemas.microsoft.com/office/drawing/2014/main" id="{75D3E5D0-8962-4908-012F-CED05A44B29B}"/>
+                  </a:ext>
+                </a:extLst>
+              </p:cNvPr>
+              <p:cNvSpPr/>
+              <p:nvPr/>
+            </p:nvSpPr>
+            <p:spPr>
+              <a:xfrm>
+                <a:off x="1528547" y="5262684"/>
+                <a:ext cx="3411940" cy="578273"/>
+              </a:xfrm>
+              <a:prstGeom prst="rect">
+                <a:avLst/>
+              </a:prstGeom>
+              <a:noFill/>
+            </p:spPr>
+            <p:style>
+              <a:lnRef idx="2">
+                <a:schemeClr val="accent1">
+                  <a:shade val="15000"/>
+                </a:schemeClr>
+              </a:lnRef>
+              <a:fillRef idx="1">
+                <a:schemeClr val="accent1"/>
+              </a:fillRef>
+              <a:effectRef idx="0">
+                <a:schemeClr val="accent1"/>
+              </a:effectRef>
+              <a:fontRef idx="minor">
+                <a:schemeClr val="lt1"/>
+              </a:fontRef>
+            </p:style>
+            <p:txBody>
+              <a:bodyPr rtlCol="0" anchor="ctr"/>
+              <a:lstStyle/>
+              <a:p>
+                <a:pPr algn="ctr"/>
+                <a:r>
+                  <a:rPr lang="en-US" dirty="0">
+                    <a:solidFill>
+                      <a:schemeClr val="tx1"/>
+                    </a:solidFill>
+                  </a:rPr>
+                  <a:t>N pass manual checks = 111 </a:t>
+                </a:r>
+              </a:p>
+            </p:txBody>
+          </p:sp>
+          <p:sp>
+            <p:nvSpPr>
+              <p:cNvPr id="13" name="Right Brace 12">
+                <a:extLst>
+                  <a:ext uri="{FF2B5EF4-FFF2-40B4-BE49-F238E27FC236}">
+                    <a16:creationId xmlns:a16="http://schemas.microsoft.com/office/drawing/2014/main" id="{60FA181B-7222-D8E2-DC73-512E60CA0840}"/>
+                  </a:ext>
+                </a:extLst>
+              </p:cNvPr>
+              <p:cNvSpPr/>
+              <p:nvPr/>
+            </p:nvSpPr>
+            <p:spPr>
+              <a:xfrm>
+                <a:off x="5201791" y="1304111"/>
+                <a:ext cx="368492" cy="3762952"/>
+              </a:xfrm>
+              <a:prstGeom prst="rightBrace">
+                <a:avLst/>
+              </a:prstGeom>
+            </p:spPr>
+            <p:style>
+              <a:lnRef idx="2">
+                <a:schemeClr val="accent1"/>
+              </a:lnRef>
+              <a:fillRef idx="0">
+                <a:schemeClr val="accent1"/>
+              </a:fillRef>
+              <a:effectRef idx="1">
+                <a:schemeClr val="accent1"/>
+              </a:effectRef>
+              <a:fontRef idx="minor">
+                <a:schemeClr val="tx1"/>
+              </a:fontRef>
+            </p:style>
+            <p:txBody>
+              <a:bodyPr rtlCol="0" anchor="ctr"/>
+              <a:lstStyle/>
+              <a:p>
+                <a:pPr algn="ctr"/>
+                <a:endParaRPr lang="en-US"/>
+              </a:p>
+            </p:txBody>
+          </p:sp>
+          <p:sp>
+            <p:nvSpPr>
+              <p:cNvPr id="14" name="TextBox 13">
+                <a:extLst>
+                  <a:ext uri="{FF2B5EF4-FFF2-40B4-BE49-F238E27FC236}">
+                    <a16:creationId xmlns:a16="http://schemas.microsoft.com/office/drawing/2014/main" id="{92E38310-6741-5A47-855D-C623BBD97524}"/>
+                  </a:ext>
+                </a:extLst>
+              </p:cNvPr>
+              <p:cNvSpPr txBox="1"/>
+              <p:nvPr/>
+            </p:nvSpPr>
+            <p:spPr>
+              <a:xfrm>
+                <a:off x="5700495" y="2775359"/>
+                <a:ext cx="1842447" cy="923330"/>
+              </a:xfrm>
+              <a:prstGeom prst="rect">
+                <a:avLst/>
+              </a:prstGeom>
+              <a:noFill/>
+            </p:spPr>
+            <p:txBody>
+              <a:bodyPr wrap="square" rtlCol="0">
+                <a:spAutoFit/>
+              </a:bodyPr>
+              <a:lstStyle/>
+              <a:p>
+                <a:r>
+                  <a:rPr lang="en-US" i="1" dirty="0"/>
+                  <a:t>Checked with automated text parsing</a:t>
+                </a:r>
+              </a:p>
+            </p:txBody>
+          </p:sp>
+        </p:grpSp>
         <p:sp>
           <p:nvSpPr>
-            <p:cNvPr id="2" name="Rectangle 1">
+            <p:cNvPr id="3" name="Rectangle 2">
               <a:extLst>
                 <a:ext uri="{FF2B5EF4-FFF2-40B4-BE49-F238E27FC236}">
-                  <a16:creationId xmlns:a16="http://schemas.microsoft.com/office/drawing/2014/main" id="{CE1297A3-588A-D78F-BDA5-17F30EABD5CE}"/>
+                  <a16:creationId xmlns:a16="http://schemas.microsoft.com/office/drawing/2014/main" id="{1790A42F-05FF-2657-02DD-486A5A6C8E7C}"/>
                 </a:ext>
               </a:extLst>
             </p:cNvPr>
@@ -3441,8 +3954,8 @@
           </p:nvSpPr>
           <p:spPr>
             <a:xfrm>
-              <a:off x="1528547" y="517080"/>
-              <a:ext cx="3411940" cy="578273"/>
+              <a:off x="374072" y="690594"/>
+              <a:ext cx="3037867" cy="578273"/>
             </a:xfrm>
             <a:prstGeom prst="rect">
               <a:avLst/>
@@ -3476,450 +3989,306 @@
                     <a:schemeClr val="tx1"/>
                   </a:solidFill>
                 </a:rPr>
-                <a:t>N total = 1,636</a:t>
-              </a:r>
-            </a:p>
-          </p:txBody>
-        </p:sp>
-        <p:sp>
-          <p:nvSpPr>
-            <p:cNvPr id="5" name="Rectangle 4">
-              <a:extLst>
-                <a:ext uri="{FF2B5EF4-FFF2-40B4-BE49-F238E27FC236}">
-                  <a16:creationId xmlns:a16="http://schemas.microsoft.com/office/drawing/2014/main" id="{F9ED10F8-4A02-A8D0-2B74-1011BD57BDE8}"/>
-                </a:ext>
-              </a:extLst>
-            </p:cNvPr>
-            <p:cNvSpPr/>
-            <p:nvPr/>
-          </p:nvSpPr>
-          <p:spPr>
-            <a:xfrm>
-              <a:off x="1528549" y="1304111"/>
-              <a:ext cx="3411941" cy="578273"/>
-            </a:xfrm>
-            <a:prstGeom prst="rect">
-              <a:avLst/>
-            </a:prstGeom>
-            <a:noFill/>
-          </p:spPr>
-          <p:style>
-            <a:lnRef idx="2">
-              <a:schemeClr val="accent1">
-                <a:shade val="15000"/>
-              </a:schemeClr>
-            </a:lnRef>
-            <a:fillRef idx="1">
-              <a:schemeClr val="accent1"/>
-            </a:fillRef>
-            <a:effectRef idx="0">
-              <a:schemeClr val="accent1"/>
-            </a:effectRef>
-            <a:fontRef idx="minor">
-              <a:schemeClr val="lt1"/>
-            </a:fontRef>
-          </p:style>
-          <p:txBody>
-            <a:bodyPr rtlCol="0" anchor="ctr"/>
-            <a:lstStyle/>
-            <a:p>
-              <a:pPr algn="ctr"/>
-              <a:r>
-                <a:rPr lang="en-US" dirty="0">
-                  <a:solidFill>
-                    <a:schemeClr val="tx1"/>
-                  </a:solidFill>
-                </a:rPr>
-                <a:t>N not duplicated = 1,233</a:t>
-              </a:r>
-            </a:p>
-          </p:txBody>
-        </p:sp>
-        <p:sp>
-          <p:nvSpPr>
-            <p:cNvPr id="6" name="Rectangle 5">
-              <a:extLst>
-                <a:ext uri="{FF2B5EF4-FFF2-40B4-BE49-F238E27FC236}">
-                  <a16:creationId xmlns:a16="http://schemas.microsoft.com/office/drawing/2014/main" id="{B24726C6-BE83-CB8B-6DE3-66F412631580}"/>
-                </a:ext>
-              </a:extLst>
-            </p:cNvPr>
-            <p:cNvSpPr/>
-            <p:nvPr/>
-          </p:nvSpPr>
-          <p:spPr>
-            <a:xfrm>
-              <a:off x="1528547" y="2095193"/>
-              <a:ext cx="3411942" cy="578273"/>
-            </a:xfrm>
-            <a:prstGeom prst="rect">
-              <a:avLst/>
-            </a:prstGeom>
-            <a:noFill/>
-          </p:spPr>
-          <p:style>
-            <a:lnRef idx="2">
-              <a:schemeClr val="accent1">
-                <a:shade val="15000"/>
-              </a:schemeClr>
-            </a:lnRef>
-            <a:fillRef idx="1">
-              <a:schemeClr val="accent1"/>
-            </a:fillRef>
-            <a:effectRef idx="0">
-              <a:schemeClr val="accent1"/>
-            </a:effectRef>
-            <a:fontRef idx="minor">
-              <a:schemeClr val="lt1"/>
-            </a:fontRef>
-          </p:style>
-          <p:txBody>
-            <a:bodyPr rtlCol="0" anchor="ctr"/>
-            <a:lstStyle/>
-            <a:p>
-              <a:pPr algn="ctr"/>
-              <a:r>
-                <a:rPr lang="en-US" dirty="0">
-                  <a:solidFill>
-                    <a:schemeClr val="tx1"/>
-                  </a:solidFill>
-                </a:rPr>
-                <a:t>N in Massachusetts = 470 </a:t>
-              </a:r>
-            </a:p>
-          </p:txBody>
-        </p:sp>
-        <p:sp>
-          <p:nvSpPr>
-            <p:cNvPr id="7" name="TextBox 6">
-              <a:extLst>
-                <a:ext uri="{FF2B5EF4-FFF2-40B4-BE49-F238E27FC236}">
-                  <a16:creationId xmlns:a16="http://schemas.microsoft.com/office/drawing/2014/main" id="{A9FEE83D-5072-915B-E9E8-AAE3E817B9E7}"/>
-                </a:ext>
-              </a:extLst>
-            </p:cNvPr>
-            <p:cNvSpPr txBox="1"/>
-            <p:nvPr/>
-          </p:nvSpPr>
-          <p:spPr>
-            <a:xfrm>
-              <a:off x="4315522" y="1942165"/>
-              <a:ext cx="1884556" cy="369332"/>
-            </a:xfrm>
-            <a:prstGeom prst="rect">
-              <a:avLst/>
-            </a:prstGeom>
-            <a:noFill/>
-          </p:spPr>
-          <p:txBody>
-            <a:bodyPr wrap="square" rtlCol="0">
-              <a:spAutoFit/>
-            </a:bodyPr>
-            <a:lstStyle/>
-            <a:p>
-              <a:r>
-                <a:rPr lang="en-US" dirty="0"/>
-                <a:t> </a:t>
-              </a:r>
-            </a:p>
-          </p:txBody>
-        </p:sp>
-        <p:sp>
-          <p:nvSpPr>
-            <p:cNvPr id="8" name="Rectangle 7">
-              <a:extLst>
-                <a:ext uri="{FF2B5EF4-FFF2-40B4-BE49-F238E27FC236}">
-                  <a16:creationId xmlns:a16="http://schemas.microsoft.com/office/drawing/2014/main" id="{16D982B3-E803-8629-732D-758F5C72B950}"/>
-                </a:ext>
-              </a:extLst>
-            </p:cNvPr>
-            <p:cNvSpPr/>
-            <p:nvPr/>
-          </p:nvSpPr>
-          <p:spPr>
-            <a:xfrm>
-              <a:off x="1528549" y="2883567"/>
-              <a:ext cx="3411940" cy="578273"/>
-            </a:xfrm>
-            <a:prstGeom prst="rect">
-              <a:avLst/>
-            </a:prstGeom>
-            <a:noFill/>
-          </p:spPr>
-          <p:style>
-            <a:lnRef idx="2">
-              <a:schemeClr val="accent1">
-                <a:shade val="15000"/>
-              </a:schemeClr>
-            </a:lnRef>
-            <a:fillRef idx="1">
-              <a:schemeClr val="accent1"/>
-            </a:fillRef>
-            <a:effectRef idx="0">
-              <a:schemeClr val="accent1"/>
-            </a:effectRef>
-            <a:fontRef idx="minor">
-              <a:schemeClr val="lt1"/>
-            </a:fontRef>
-          </p:style>
-          <p:txBody>
-            <a:bodyPr rtlCol="0" anchor="ctr"/>
-            <a:lstStyle/>
-            <a:p>
-              <a:pPr algn="ctr"/>
-              <a:r>
-                <a:rPr lang="en-US" dirty="0">
-                  <a:solidFill>
-                    <a:schemeClr val="tx1"/>
-                  </a:solidFill>
-                </a:rPr>
-                <a:t>N in Boston Inner Core = 320 </a:t>
-              </a:r>
-            </a:p>
-          </p:txBody>
-        </p:sp>
-        <p:sp>
-          <p:nvSpPr>
-            <p:cNvPr id="9" name="Rectangle 8">
-              <a:extLst>
-                <a:ext uri="{FF2B5EF4-FFF2-40B4-BE49-F238E27FC236}">
-                  <a16:creationId xmlns:a16="http://schemas.microsoft.com/office/drawing/2014/main" id="{FBD9E85D-B692-3145-19B8-7107819692FF}"/>
-                </a:ext>
-              </a:extLst>
-            </p:cNvPr>
-            <p:cNvSpPr/>
-            <p:nvPr/>
-          </p:nvSpPr>
-          <p:spPr>
-            <a:xfrm>
-              <a:off x="1528549" y="3698689"/>
-              <a:ext cx="3411940" cy="578273"/>
-            </a:xfrm>
-            <a:prstGeom prst="rect">
-              <a:avLst/>
-            </a:prstGeom>
-            <a:noFill/>
-          </p:spPr>
-          <p:style>
-            <a:lnRef idx="2">
-              <a:schemeClr val="accent1">
-                <a:shade val="15000"/>
-              </a:schemeClr>
-            </a:lnRef>
-            <a:fillRef idx="1">
-              <a:schemeClr val="accent1"/>
-            </a:fillRef>
-            <a:effectRef idx="0">
-              <a:schemeClr val="accent1"/>
-            </a:effectRef>
-            <a:fontRef idx="minor">
-              <a:schemeClr val="lt1"/>
-            </a:fontRef>
-          </p:style>
-          <p:txBody>
-            <a:bodyPr rtlCol="0" anchor="ctr"/>
-            <a:lstStyle/>
-            <a:p>
-              <a:pPr algn="ctr"/>
-              <a:r>
-                <a:rPr lang="en-US" dirty="0">
-                  <a:solidFill>
-                    <a:schemeClr val="tx1"/>
-                  </a:solidFill>
-                </a:rPr>
-                <a:t>N has “climate” in text = 284 </a:t>
-              </a:r>
-            </a:p>
-          </p:txBody>
-        </p:sp>
-        <p:sp>
-          <p:nvSpPr>
-            <p:cNvPr id="10" name="Rectangle 9">
-              <a:extLst>
-                <a:ext uri="{FF2B5EF4-FFF2-40B4-BE49-F238E27FC236}">
-                  <a16:creationId xmlns:a16="http://schemas.microsoft.com/office/drawing/2014/main" id="{AEC0370F-3B6E-29FE-D9D1-18A84FD5A4B1}"/>
-                </a:ext>
-              </a:extLst>
-            </p:cNvPr>
-            <p:cNvSpPr/>
-            <p:nvPr/>
-          </p:nvSpPr>
-          <p:spPr>
-            <a:xfrm>
-              <a:off x="1528547" y="4488790"/>
-              <a:ext cx="3411940" cy="578273"/>
-            </a:xfrm>
-            <a:prstGeom prst="rect">
-              <a:avLst/>
-            </a:prstGeom>
-            <a:noFill/>
-          </p:spPr>
-          <p:style>
-            <a:lnRef idx="2">
-              <a:schemeClr val="accent1">
-                <a:shade val="15000"/>
-              </a:schemeClr>
-            </a:lnRef>
-            <a:fillRef idx="1">
-              <a:schemeClr val="accent1"/>
-            </a:fillRef>
-            <a:effectRef idx="0">
-              <a:schemeClr val="accent1"/>
-            </a:effectRef>
-            <a:fontRef idx="minor">
-              <a:schemeClr val="lt1"/>
-            </a:fontRef>
-          </p:style>
-          <p:txBody>
-            <a:bodyPr rtlCol="0" anchor="ctr"/>
-            <a:lstStyle/>
-            <a:p>
-              <a:pPr algn="ctr"/>
-              <a:r>
-                <a:rPr lang="en-US" dirty="0">
-                  <a:solidFill>
-                    <a:schemeClr val="tx1"/>
-                  </a:solidFill>
-                </a:rPr>
-                <a:t>N has “community” in text = 273 </a:t>
-              </a:r>
-            </a:p>
-          </p:txBody>
-        </p:sp>
-        <p:sp>
-          <p:nvSpPr>
-            <p:cNvPr id="12" name="Rectangle 11">
-              <a:extLst>
-                <a:ext uri="{FF2B5EF4-FFF2-40B4-BE49-F238E27FC236}">
-                  <a16:creationId xmlns:a16="http://schemas.microsoft.com/office/drawing/2014/main" id="{75D3E5D0-8962-4908-012F-CED05A44B29B}"/>
-                </a:ext>
-              </a:extLst>
-            </p:cNvPr>
-            <p:cNvSpPr/>
-            <p:nvPr/>
-          </p:nvSpPr>
-          <p:spPr>
-            <a:xfrm>
-              <a:off x="1528547" y="5262684"/>
-              <a:ext cx="3411940" cy="578273"/>
-            </a:xfrm>
-            <a:prstGeom prst="rect">
-              <a:avLst/>
-            </a:prstGeom>
-            <a:noFill/>
-          </p:spPr>
-          <p:style>
-            <a:lnRef idx="2">
-              <a:schemeClr val="accent1">
-                <a:shade val="15000"/>
-              </a:schemeClr>
-            </a:lnRef>
-            <a:fillRef idx="1">
-              <a:schemeClr val="accent1"/>
-            </a:fillRef>
-            <a:effectRef idx="0">
-              <a:schemeClr val="accent1"/>
-            </a:effectRef>
-            <a:fontRef idx="minor">
-              <a:schemeClr val="lt1"/>
-            </a:fontRef>
-          </p:style>
-          <p:txBody>
-            <a:bodyPr rtlCol="0" anchor="ctr"/>
-            <a:lstStyle/>
-            <a:p>
-              <a:pPr algn="ctr"/>
-              <a:r>
-                <a:rPr lang="en-US" dirty="0">
-                  <a:solidFill>
-                    <a:schemeClr val="tx1"/>
-                  </a:solidFill>
-                </a:rPr>
-                <a:t>N pass manual checks = 111 </a:t>
-              </a:r>
-            </a:p>
-          </p:txBody>
-        </p:sp>
-        <p:sp>
-          <p:nvSpPr>
-            <p:cNvPr id="13" name="Right Brace 12">
-              <a:extLst>
-                <a:ext uri="{FF2B5EF4-FFF2-40B4-BE49-F238E27FC236}">
-                  <a16:creationId xmlns:a16="http://schemas.microsoft.com/office/drawing/2014/main" id="{60FA181B-7222-D8E2-DC73-512E60CA0840}"/>
-                </a:ext>
-              </a:extLst>
-            </p:cNvPr>
-            <p:cNvSpPr/>
-            <p:nvPr/>
-          </p:nvSpPr>
-          <p:spPr>
-            <a:xfrm>
-              <a:off x="5201791" y="1304111"/>
-              <a:ext cx="368492" cy="3762952"/>
-            </a:xfrm>
-            <a:prstGeom prst="rightBrace">
-              <a:avLst/>
-            </a:prstGeom>
-          </p:spPr>
-          <p:style>
-            <a:lnRef idx="2">
-              <a:schemeClr val="accent1"/>
-            </a:lnRef>
-            <a:fillRef idx="0">
-              <a:schemeClr val="accent1"/>
-            </a:fillRef>
-            <a:effectRef idx="1">
-              <a:schemeClr val="accent1"/>
-            </a:effectRef>
-            <a:fontRef idx="minor">
-              <a:schemeClr val="tx1"/>
-            </a:fontRef>
-          </p:style>
-          <p:txBody>
-            <a:bodyPr rtlCol="0" anchor="ctr"/>
-            <a:lstStyle/>
-            <a:p>
-              <a:pPr algn="ctr"/>
-              <a:endParaRPr lang="en-US"/>
-            </a:p>
-          </p:txBody>
-        </p:sp>
-        <p:sp>
-          <p:nvSpPr>
-            <p:cNvPr id="14" name="TextBox 13">
-              <a:extLst>
-                <a:ext uri="{FF2B5EF4-FFF2-40B4-BE49-F238E27FC236}">
-                  <a16:creationId xmlns:a16="http://schemas.microsoft.com/office/drawing/2014/main" id="{92E38310-6741-5A47-855D-C623BBD97524}"/>
-                </a:ext>
-              </a:extLst>
-            </p:cNvPr>
-            <p:cNvSpPr txBox="1"/>
-            <p:nvPr/>
-          </p:nvSpPr>
-          <p:spPr>
-            <a:xfrm>
-              <a:off x="5700495" y="2775359"/>
-              <a:ext cx="1842447" cy="923330"/>
-            </a:xfrm>
-            <a:prstGeom prst="rect">
-              <a:avLst/>
-            </a:prstGeom>
-            <a:noFill/>
-          </p:spPr>
-          <p:txBody>
-            <a:bodyPr wrap="square" rtlCol="0">
-              <a:spAutoFit/>
-            </a:bodyPr>
-            <a:lstStyle/>
-            <a:p>
-              <a:r>
-                <a:rPr lang="en-US" i="1" dirty="0"/>
-                <a:t>Checked with automated text parsing</a:t>
+                <a:t>N manual = 27</a:t>
               </a:r>
             </a:p>
           </p:txBody>
         </p:sp>
       </p:grpSp>
+      <p:cxnSp>
+        <p:nvCxnSpPr>
+          <p:cNvPr id="16" name="Elbow Connector 15">
+            <a:extLst>
+              <a:ext uri="{FF2B5EF4-FFF2-40B4-BE49-F238E27FC236}">
+                <a16:creationId xmlns:a16="http://schemas.microsoft.com/office/drawing/2014/main" id="{84B59F81-1FD5-253F-A6B0-E8AEC81CD476}"/>
+              </a:ext>
+            </a:extLst>
+          </p:cNvPr>
+          <p:cNvCxnSpPr>
+            <a:stCxn id="3" idx="2"/>
+            <a:endCxn id="5" idx="0"/>
+          </p:cNvCxnSpPr>
+          <p:nvPr/>
+        </p:nvCxnSpPr>
+        <p:spPr>
+          <a:xfrm rot="16200000" flipH="1">
+            <a:off x="2373093" y="788779"/>
+            <a:ext cx="558744" cy="1518919"/>
+          </a:xfrm>
+          <a:prstGeom prst="bentConnector3">
+            <a:avLst/>
+          </a:prstGeom>
+          <a:ln>
+            <a:tailEnd type="triangle"/>
+          </a:ln>
+        </p:spPr>
+        <p:style>
+          <a:lnRef idx="2">
+            <a:schemeClr val="accent1"/>
+          </a:lnRef>
+          <a:fillRef idx="0">
+            <a:schemeClr val="accent1"/>
+          </a:fillRef>
+          <a:effectRef idx="1">
+            <a:schemeClr val="accent1"/>
+          </a:effectRef>
+          <a:fontRef idx="minor">
+            <a:schemeClr val="tx1"/>
+          </a:fontRef>
+        </p:style>
+      </p:cxnSp>
+      <p:cxnSp>
+        <p:nvCxnSpPr>
+          <p:cNvPr id="18" name="Elbow Connector 17">
+            <a:extLst>
+              <a:ext uri="{FF2B5EF4-FFF2-40B4-BE49-F238E27FC236}">
+                <a16:creationId xmlns:a16="http://schemas.microsoft.com/office/drawing/2014/main" id="{09188D43-62B9-E84C-72E0-EFC73776A529}"/>
+              </a:ext>
+            </a:extLst>
+          </p:cNvPr>
+          <p:cNvCxnSpPr>
+            <a:stCxn id="2" idx="2"/>
+            <a:endCxn id="5" idx="0"/>
+          </p:cNvCxnSpPr>
+          <p:nvPr/>
+        </p:nvCxnSpPr>
+        <p:spPr>
+          <a:xfrm rot="5400000">
+            <a:off x="4144193" y="536599"/>
+            <a:ext cx="558744" cy="2023280"/>
+          </a:xfrm>
+          <a:prstGeom prst="bentConnector3">
+            <a:avLst/>
+          </a:prstGeom>
+          <a:ln>
+            <a:tailEnd type="triangle"/>
+          </a:ln>
+        </p:spPr>
+        <p:style>
+          <a:lnRef idx="2">
+            <a:schemeClr val="accent1"/>
+          </a:lnRef>
+          <a:fillRef idx="0">
+            <a:schemeClr val="accent1"/>
+          </a:fillRef>
+          <a:effectRef idx="1">
+            <a:schemeClr val="accent1"/>
+          </a:effectRef>
+          <a:fontRef idx="minor">
+            <a:schemeClr val="tx1"/>
+          </a:fontRef>
+        </p:style>
+      </p:cxnSp>
+      <p:cxnSp>
+        <p:nvCxnSpPr>
+          <p:cNvPr id="20" name="Straight Arrow Connector 19">
+            <a:extLst>
+              <a:ext uri="{FF2B5EF4-FFF2-40B4-BE49-F238E27FC236}">
+                <a16:creationId xmlns:a16="http://schemas.microsoft.com/office/drawing/2014/main" id="{4BE63062-2A42-2FA8-EFE5-E6783575D5E2}"/>
+              </a:ext>
+            </a:extLst>
+          </p:cNvPr>
+          <p:cNvCxnSpPr>
+            <a:stCxn id="5" idx="2"/>
+            <a:endCxn id="6" idx="0"/>
+          </p:cNvCxnSpPr>
+          <p:nvPr/>
+        </p:nvCxnSpPr>
+        <p:spPr>
+          <a:xfrm flipH="1">
+            <a:off x="3411923" y="2405884"/>
+            <a:ext cx="2" cy="212809"/>
+          </a:xfrm>
+          <a:prstGeom prst="straightConnector1">
+            <a:avLst/>
+          </a:prstGeom>
+          <a:ln>
+            <a:tailEnd type="triangle"/>
+          </a:ln>
+        </p:spPr>
+        <p:style>
+          <a:lnRef idx="2">
+            <a:schemeClr val="accent1"/>
+          </a:lnRef>
+          <a:fillRef idx="0">
+            <a:schemeClr val="accent1"/>
+          </a:fillRef>
+          <a:effectRef idx="1">
+            <a:schemeClr val="accent1"/>
+          </a:effectRef>
+          <a:fontRef idx="minor">
+            <a:schemeClr val="tx1"/>
+          </a:fontRef>
+        </p:style>
+      </p:cxnSp>
+      <p:cxnSp>
+        <p:nvCxnSpPr>
+          <p:cNvPr id="22" name="Straight Arrow Connector 21">
+            <a:extLst>
+              <a:ext uri="{FF2B5EF4-FFF2-40B4-BE49-F238E27FC236}">
+                <a16:creationId xmlns:a16="http://schemas.microsoft.com/office/drawing/2014/main" id="{017F0049-5170-DD57-A6A4-042CD27C59BE}"/>
+              </a:ext>
+            </a:extLst>
+          </p:cNvPr>
+          <p:cNvCxnSpPr>
+            <a:stCxn id="6" idx="2"/>
+            <a:endCxn id="8" idx="0"/>
+          </p:cNvCxnSpPr>
+          <p:nvPr/>
+        </p:nvCxnSpPr>
+        <p:spPr>
+          <a:xfrm>
+            <a:off x="3411923" y="3196966"/>
+            <a:ext cx="1" cy="210101"/>
+          </a:xfrm>
+          <a:prstGeom prst="straightConnector1">
+            <a:avLst/>
+          </a:prstGeom>
+          <a:ln>
+            <a:tailEnd type="triangle"/>
+          </a:ln>
+        </p:spPr>
+        <p:style>
+          <a:lnRef idx="2">
+            <a:schemeClr val="accent1"/>
+          </a:lnRef>
+          <a:fillRef idx="0">
+            <a:schemeClr val="accent1"/>
+          </a:fillRef>
+          <a:effectRef idx="1">
+            <a:schemeClr val="accent1"/>
+          </a:effectRef>
+          <a:fontRef idx="minor">
+            <a:schemeClr val="tx1"/>
+          </a:fontRef>
+        </p:style>
+      </p:cxnSp>
+      <p:cxnSp>
+        <p:nvCxnSpPr>
+          <p:cNvPr id="24" name="Straight Arrow Connector 23">
+            <a:extLst>
+              <a:ext uri="{FF2B5EF4-FFF2-40B4-BE49-F238E27FC236}">
+                <a16:creationId xmlns:a16="http://schemas.microsoft.com/office/drawing/2014/main" id="{0AE35596-8609-8E7F-BD1E-A22FFD8B059C}"/>
+              </a:ext>
+            </a:extLst>
+          </p:cNvPr>
+          <p:cNvCxnSpPr>
+            <a:stCxn id="8" idx="2"/>
+            <a:endCxn id="9" idx="0"/>
+          </p:cNvCxnSpPr>
+          <p:nvPr/>
+        </p:nvCxnSpPr>
+        <p:spPr>
+          <a:xfrm>
+            <a:off x="3411924" y="3985340"/>
+            <a:ext cx="0" cy="236849"/>
+          </a:xfrm>
+          <a:prstGeom prst="straightConnector1">
+            <a:avLst/>
+          </a:prstGeom>
+          <a:ln>
+            <a:tailEnd type="triangle"/>
+          </a:ln>
+        </p:spPr>
+        <p:style>
+          <a:lnRef idx="2">
+            <a:schemeClr val="accent1"/>
+          </a:lnRef>
+          <a:fillRef idx="0">
+            <a:schemeClr val="accent1"/>
+          </a:fillRef>
+          <a:effectRef idx="1">
+            <a:schemeClr val="accent1"/>
+          </a:effectRef>
+          <a:fontRef idx="minor">
+            <a:schemeClr val="tx1"/>
+          </a:fontRef>
+        </p:style>
+      </p:cxnSp>
+      <p:cxnSp>
+        <p:nvCxnSpPr>
+          <p:cNvPr id="26" name="Straight Arrow Connector 25">
+            <a:extLst>
+              <a:ext uri="{FF2B5EF4-FFF2-40B4-BE49-F238E27FC236}">
+                <a16:creationId xmlns:a16="http://schemas.microsoft.com/office/drawing/2014/main" id="{1AC5C17C-C2FD-566A-FFE2-D1DB01C0D7D0}"/>
+              </a:ext>
+            </a:extLst>
+          </p:cNvPr>
+          <p:cNvCxnSpPr>
+            <a:stCxn id="9" idx="2"/>
+            <a:endCxn id="10" idx="0"/>
+          </p:cNvCxnSpPr>
+          <p:nvPr/>
+        </p:nvCxnSpPr>
+        <p:spPr>
+          <a:xfrm flipH="1">
+            <a:off x="3411922" y="4800462"/>
+            <a:ext cx="2" cy="211828"/>
+          </a:xfrm>
+          <a:prstGeom prst="straightConnector1">
+            <a:avLst/>
+          </a:prstGeom>
+          <a:ln>
+            <a:tailEnd type="triangle"/>
+          </a:ln>
+        </p:spPr>
+        <p:style>
+          <a:lnRef idx="2">
+            <a:schemeClr val="accent1"/>
+          </a:lnRef>
+          <a:fillRef idx="0">
+            <a:schemeClr val="accent1"/>
+          </a:fillRef>
+          <a:effectRef idx="1">
+            <a:schemeClr val="accent1"/>
+          </a:effectRef>
+          <a:fontRef idx="minor">
+            <a:schemeClr val="tx1"/>
+          </a:fontRef>
+        </p:style>
+      </p:cxnSp>
+      <p:cxnSp>
+        <p:nvCxnSpPr>
+          <p:cNvPr id="28" name="Straight Arrow Connector 27">
+            <a:extLst>
+              <a:ext uri="{FF2B5EF4-FFF2-40B4-BE49-F238E27FC236}">
+                <a16:creationId xmlns:a16="http://schemas.microsoft.com/office/drawing/2014/main" id="{9B79F8E2-8192-4343-1848-84D728B9582E}"/>
+              </a:ext>
+            </a:extLst>
+          </p:cNvPr>
+          <p:cNvCxnSpPr>
+            <a:stCxn id="10" idx="2"/>
+            <a:endCxn id="12" idx="0"/>
+          </p:cNvCxnSpPr>
+          <p:nvPr/>
+        </p:nvCxnSpPr>
+        <p:spPr>
+          <a:xfrm>
+            <a:off x="3411922" y="5590563"/>
+            <a:ext cx="0" cy="195621"/>
+          </a:xfrm>
+          <a:prstGeom prst="straightConnector1">
+            <a:avLst/>
+          </a:prstGeom>
+          <a:ln>
+            <a:tailEnd type="triangle"/>
+          </a:ln>
+        </p:spPr>
+        <p:style>
+          <a:lnRef idx="2">
+            <a:schemeClr val="accent1"/>
+          </a:lnRef>
+          <a:fillRef idx="0">
+            <a:schemeClr val="accent1"/>
+          </a:fillRef>
+          <a:effectRef idx="1">
+            <a:schemeClr val="accent1"/>
+          </a:effectRef>
+          <a:fontRef idx="minor">
+            <a:schemeClr val="tx1"/>
+          </a:fontRef>
+        </p:style>
+      </p:cxnSp>
     </p:spTree>
     <p:extLst>
       <p:ext uri="{BB962C8B-B14F-4D97-AF65-F5344CB8AC3E}">

--- a/flowchart.pptx
+++ b/flowchart.pptx
@@ -260,7 +260,7 @@
           <a:p>
             <a:fld id="{A5F08B19-B713-B844-A98D-953EBEF88FDF}" type="datetimeFigureOut">
               <a:rPr lang="en-US" smtClean="0"/>
-              <a:t>12/19/24</a:t>
+              <a:t>2/20/25</a:t>
             </a:fld>
             <a:endParaRPr lang="en-US"/>
           </a:p>
@@ -458,7 +458,7 @@
           <a:p>
             <a:fld id="{A5F08B19-B713-B844-A98D-953EBEF88FDF}" type="datetimeFigureOut">
               <a:rPr lang="en-US" smtClean="0"/>
-              <a:t>12/19/24</a:t>
+              <a:t>2/20/25</a:t>
             </a:fld>
             <a:endParaRPr lang="en-US"/>
           </a:p>
@@ -666,7 +666,7 @@
           <a:p>
             <a:fld id="{A5F08B19-B713-B844-A98D-953EBEF88FDF}" type="datetimeFigureOut">
               <a:rPr lang="en-US" smtClean="0"/>
-              <a:t>12/19/24</a:t>
+              <a:t>2/20/25</a:t>
             </a:fld>
             <a:endParaRPr lang="en-US"/>
           </a:p>
@@ -864,7 +864,7 @@
           <a:p>
             <a:fld id="{A5F08B19-B713-B844-A98D-953EBEF88FDF}" type="datetimeFigureOut">
               <a:rPr lang="en-US" smtClean="0"/>
-              <a:t>12/19/24</a:t>
+              <a:t>2/20/25</a:t>
             </a:fld>
             <a:endParaRPr lang="en-US"/>
           </a:p>
@@ -1139,7 +1139,7 @@
           <a:p>
             <a:fld id="{A5F08B19-B713-B844-A98D-953EBEF88FDF}" type="datetimeFigureOut">
               <a:rPr lang="en-US" smtClean="0"/>
-              <a:t>12/19/24</a:t>
+              <a:t>2/20/25</a:t>
             </a:fld>
             <a:endParaRPr lang="en-US"/>
           </a:p>
@@ -1404,7 +1404,7 @@
           <a:p>
             <a:fld id="{A5F08B19-B713-B844-A98D-953EBEF88FDF}" type="datetimeFigureOut">
               <a:rPr lang="en-US" smtClean="0"/>
-              <a:t>12/19/24</a:t>
+              <a:t>2/20/25</a:t>
             </a:fld>
             <a:endParaRPr lang="en-US"/>
           </a:p>
@@ -1816,7 +1816,7 @@
           <a:p>
             <a:fld id="{A5F08B19-B713-B844-A98D-953EBEF88FDF}" type="datetimeFigureOut">
               <a:rPr lang="en-US" smtClean="0"/>
-              <a:t>12/19/24</a:t>
+              <a:t>2/20/25</a:t>
             </a:fld>
             <a:endParaRPr lang="en-US"/>
           </a:p>
@@ -1957,7 +1957,7 @@
           <a:p>
             <a:fld id="{A5F08B19-B713-B844-A98D-953EBEF88FDF}" type="datetimeFigureOut">
               <a:rPr lang="en-US" smtClean="0"/>
-              <a:t>12/19/24</a:t>
+              <a:t>2/20/25</a:t>
             </a:fld>
             <a:endParaRPr lang="en-US"/>
           </a:p>
@@ -2070,7 +2070,7 @@
           <a:p>
             <a:fld id="{A5F08B19-B713-B844-A98D-953EBEF88FDF}" type="datetimeFigureOut">
               <a:rPr lang="en-US" smtClean="0"/>
-              <a:t>12/19/24</a:t>
+              <a:t>2/20/25</a:t>
             </a:fld>
             <a:endParaRPr lang="en-US"/>
           </a:p>
@@ -2381,7 +2381,7 @@
           <a:p>
             <a:fld id="{A5F08B19-B713-B844-A98D-953EBEF88FDF}" type="datetimeFigureOut">
               <a:rPr lang="en-US" smtClean="0"/>
-              <a:t>12/19/24</a:t>
+              <a:t>2/20/25</a:t>
             </a:fld>
             <a:endParaRPr lang="en-US"/>
           </a:p>
@@ -2669,7 +2669,7 @@
           <a:p>
             <a:fld id="{A5F08B19-B713-B844-A98D-953EBEF88FDF}" type="datetimeFigureOut">
               <a:rPr lang="en-US" smtClean="0"/>
-              <a:t>12/19/24</a:t>
+              <a:t>2/20/25</a:t>
             </a:fld>
             <a:endParaRPr lang="en-US"/>
           </a:p>
@@ -2910,7 +2910,7 @@
           <a:p>
             <a:fld id="{A5F08B19-B713-B844-A98D-953EBEF88FDF}" type="datetimeFigureOut">
               <a:rPr lang="en-US" smtClean="0"/>
-              <a:t>12/19/24</a:t>
+              <a:t>2/20/25</a:t>
             </a:fld>
             <a:endParaRPr lang="en-US"/>
           </a:p>
@@ -3550,7 +3550,7 @@
                       <a:schemeClr val="tx1"/>
                     </a:solidFill>
                   </a:rPr>
-                  <a:t>N not duplicated = 1,233</a:t>
+                  <a:t>N not duplicated = 1,237</a:t>
                 </a:r>
               </a:p>
             </p:txBody>
@@ -3604,7 +3604,7 @@
                       <a:schemeClr val="tx1"/>
                     </a:solidFill>
                   </a:rPr>
-                  <a:t>N in Massachusetts = 470 </a:t>
+                  <a:t>N in Massachusetts = 474 </a:t>
                 </a:r>
               </a:p>
             </p:txBody>
@@ -3693,7 +3693,7 @@
                       <a:schemeClr val="tx1"/>
                     </a:solidFill>
                   </a:rPr>
-                  <a:t>N in Boston Inner Core = 320 </a:t>
+                  <a:t>N in Boston Inner Core = 322 </a:t>
                 </a:r>
               </a:p>
             </p:txBody>
@@ -3747,7 +3747,7 @@
                       <a:schemeClr val="tx1"/>
                     </a:solidFill>
                   </a:rPr>
-                  <a:t>N has “climate” in text = 284 </a:t>
+                  <a:t>N has “climate” in text = 286 </a:t>
                 </a:r>
               </a:p>
             </p:txBody>
@@ -3801,7 +3801,7 @@
                       <a:schemeClr val="tx1"/>
                     </a:solidFill>
                   </a:rPr>
-                  <a:t>N has “community” in text = 273 </a:t>
+                  <a:t>N has “community” in text = 275 </a:t>
                 </a:r>
               </a:p>
             </p:txBody>
@@ -3855,7 +3855,7 @@
                       <a:schemeClr val="tx1"/>
                     </a:solidFill>
                   </a:rPr>
-                  <a:t>N pass manual checks = 111 </a:t>
+                  <a:t>N pass manual checks = 113 </a:t>
                 </a:r>
               </a:p>
             </p:txBody>
@@ -3989,7 +3989,7 @@
                     <a:schemeClr val="tx1"/>
                   </a:solidFill>
                 </a:rPr>
-                <a:t>N manual = 27</a:t>
+                <a:t>N manual = 33</a:t>
               </a:r>
             </a:p>
           </p:txBody>
@@ -4289,6 +4289,60 @@
           </a:fontRef>
         </p:style>
       </p:cxnSp>
+      <p:sp>
+        <p:nvSpPr>
+          <p:cNvPr id="11" name="TextBox 10">
+            <a:extLst>
+              <a:ext uri="{FF2B5EF4-FFF2-40B4-BE49-F238E27FC236}">
+                <a16:creationId xmlns:a16="http://schemas.microsoft.com/office/drawing/2014/main" id="{BD827CB8-F2AB-0A1D-9CD8-90553FB4F192}"/>
+              </a:ext>
+            </a:extLst>
+          </p:cNvPr>
+          <p:cNvSpPr txBox="1"/>
+          <p:nvPr/>
+        </p:nvSpPr>
+        <p:spPr>
+          <a:xfrm>
+            <a:off x="8702566" y="690594"/>
+            <a:ext cx="2238703" cy="1477328"/>
+          </a:xfrm>
+          <a:prstGeom prst="rect">
+            <a:avLst/>
+          </a:prstGeom>
+          <a:noFill/>
+        </p:spPr>
+        <p:txBody>
+          <a:bodyPr wrap="square" rtlCol="0">
+            <a:spAutoFit/>
+          </a:bodyPr>
+          <a:lstStyle/>
+          <a:p>
+            <a:r>
+              <a:rPr lang="en-US" dirty="0"/>
+              <a:t>33 = 27 from </a:t>
+            </a:r>
+            <a:r>
+              <a:rPr lang="en-US" dirty="0" err="1"/>
+              <a:t>bev</a:t>
+            </a:r>
+            <a:r>
+              <a:rPr lang="en-US" dirty="0"/>
+              <a:t>  + 5 from manual spot checks from </a:t>
+            </a:r>
+            <a:r>
+              <a:rPr lang="en-US" dirty="0" err="1"/>
+              <a:t>chad</a:t>
+            </a:r>
+            <a:endParaRPr lang="en-US" dirty="0"/>
+          </a:p>
+          <a:p>
+            <a:r>
+              <a:rPr lang="en-US" dirty="0"/>
+              <a:t>1636 = found by the automated parser</a:t>
+            </a:r>
+          </a:p>
+        </p:txBody>
+      </p:sp>
     </p:spTree>
     <p:extLst>
       <p:ext uri="{BB962C8B-B14F-4D97-AF65-F5344CB8AC3E}">

--- a/flowchart.pptx
+++ b/flowchart.pptx
@@ -260,7 +260,7 @@
           <a:p>
             <a:fld id="{A5F08B19-B713-B844-A98D-953EBEF88FDF}" type="datetimeFigureOut">
               <a:rPr lang="en-US" smtClean="0"/>
-              <a:t>2/20/25</a:t>
+              <a:t>2/27/25</a:t>
             </a:fld>
             <a:endParaRPr lang="en-US"/>
           </a:p>
@@ -458,7 +458,7 @@
           <a:p>
             <a:fld id="{A5F08B19-B713-B844-A98D-953EBEF88FDF}" type="datetimeFigureOut">
               <a:rPr lang="en-US" smtClean="0"/>
-              <a:t>2/20/25</a:t>
+              <a:t>2/27/25</a:t>
             </a:fld>
             <a:endParaRPr lang="en-US"/>
           </a:p>
@@ -666,7 +666,7 @@
           <a:p>
             <a:fld id="{A5F08B19-B713-B844-A98D-953EBEF88FDF}" type="datetimeFigureOut">
               <a:rPr lang="en-US" smtClean="0"/>
-              <a:t>2/20/25</a:t>
+              <a:t>2/27/25</a:t>
             </a:fld>
             <a:endParaRPr lang="en-US"/>
           </a:p>
@@ -864,7 +864,7 @@
           <a:p>
             <a:fld id="{A5F08B19-B713-B844-A98D-953EBEF88FDF}" type="datetimeFigureOut">
               <a:rPr lang="en-US" smtClean="0"/>
-              <a:t>2/20/25</a:t>
+              <a:t>2/27/25</a:t>
             </a:fld>
             <a:endParaRPr lang="en-US"/>
           </a:p>
@@ -1139,7 +1139,7 @@
           <a:p>
             <a:fld id="{A5F08B19-B713-B844-A98D-953EBEF88FDF}" type="datetimeFigureOut">
               <a:rPr lang="en-US" smtClean="0"/>
-              <a:t>2/20/25</a:t>
+              <a:t>2/27/25</a:t>
             </a:fld>
             <a:endParaRPr lang="en-US"/>
           </a:p>
@@ -1404,7 +1404,7 @@
           <a:p>
             <a:fld id="{A5F08B19-B713-B844-A98D-953EBEF88FDF}" type="datetimeFigureOut">
               <a:rPr lang="en-US" smtClean="0"/>
-              <a:t>2/20/25</a:t>
+              <a:t>2/27/25</a:t>
             </a:fld>
             <a:endParaRPr lang="en-US"/>
           </a:p>
@@ -1816,7 +1816,7 @@
           <a:p>
             <a:fld id="{A5F08B19-B713-B844-A98D-953EBEF88FDF}" type="datetimeFigureOut">
               <a:rPr lang="en-US" smtClean="0"/>
-              <a:t>2/20/25</a:t>
+              <a:t>2/27/25</a:t>
             </a:fld>
             <a:endParaRPr lang="en-US"/>
           </a:p>
@@ -1957,7 +1957,7 @@
           <a:p>
             <a:fld id="{A5F08B19-B713-B844-A98D-953EBEF88FDF}" type="datetimeFigureOut">
               <a:rPr lang="en-US" smtClean="0"/>
-              <a:t>2/20/25</a:t>
+              <a:t>2/27/25</a:t>
             </a:fld>
             <a:endParaRPr lang="en-US"/>
           </a:p>
@@ -2070,7 +2070,7 @@
           <a:p>
             <a:fld id="{A5F08B19-B713-B844-A98D-953EBEF88FDF}" type="datetimeFigureOut">
               <a:rPr lang="en-US" smtClean="0"/>
-              <a:t>2/20/25</a:t>
+              <a:t>2/27/25</a:t>
             </a:fld>
             <a:endParaRPr lang="en-US"/>
           </a:p>
@@ -2381,7 +2381,7 @@
           <a:p>
             <a:fld id="{A5F08B19-B713-B844-A98D-953EBEF88FDF}" type="datetimeFigureOut">
               <a:rPr lang="en-US" smtClean="0"/>
-              <a:t>2/20/25</a:t>
+              <a:t>2/27/25</a:t>
             </a:fld>
             <a:endParaRPr lang="en-US"/>
           </a:p>
@@ -2669,7 +2669,7 @@
           <a:p>
             <a:fld id="{A5F08B19-B713-B844-A98D-953EBEF88FDF}" type="datetimeFigureOut">
               <a:rPr lang="en-US" smtClean="0"/>
-              <a:t>2/20/25</a:t>
+              <a:t>2/27/25</a:t>
             </a:fld>
             <a:endParaRPr lang="en-US"/>
           </a:p>
@@ -2910,7 +2910,7 @@
           <a:p>
             <a:fld id="{A5F08B19-B713-B844-A98D-953EBEF88FDF}" type="datetimeFigureOut">
               <a:rPr lang="en-US" smtClean="0"/>
-              <a:t>2/20/25</a:t>
+              <a:t>2/27/25</a:t>
             </a:fld>
             <a:endParaRPr lang="en-US"/>
           </a:p>
@@ -3407,12 +3407,66 @@
           <a:chExt cx="0" cy="0"/>
         </a:xfrm>
       </p:grpSpPr>
+      <p:sp>
+        <p:nvSpPr>
+          <p:cNvPr id="11" name="TextBox 10">
+            <a:extLst>
+              <a:ext uri="{FF2B5EF4-FFF2-40B4-BE49-F238E27FC236}">
+                <a16:creationId xmlns:a16="http://schemas.microsoft.com/office/drawing/2014/main" id="{BD827CB8-F2AB-0A1D-9CD8-90553FB4F192}"/>
+              </a:ext>
+            </a:extLst>
+          </p:cNvPr>
+          <p:cNvSpPr txBox="1"/>
+          <p:nvPr/>
+        </p:nvSpPr>
+        <p:spPr>
+          <a:xfrm>
+            <a:off x="8702566" y="690594"/>
+            <a:ext cx="2238703" cy="1477328"/>
+          </a:xfrm>
+          <a:prstGeom prst="rect">
+            <a:avLst/>
+          </a:prstGeom>
+          <a:noFill/>
+        </p:spPr>
+        <p:txBody>
+          <a:bodyPr wrap="square" rtlCol="0">
+            <a:spAutoFit/>
+          </a:bodyPr>
+          <a:lstStyle/>
+          <a:p>
+            <a:r>
+              <a:rPr lang="en-US" dirty="0"/>
+              <a:t>33 = 27 from </a:t>
+            </a:r>
+            <a:r>
+              <a:rPr lang="en-US" dirty="0" err="1"/>
+              <a:t>bev</a:t>
+            </a:r>
+            <a:r>
+              <a:rPr lang="en-US" dirty="0"/>
+              <a:t>  + 5 from manual spot checks from </a:t>
+            </a:r>
+            <a:r>
+              <a:rPr lang="en-US" dirty="0" err="1"/>
+              <a:t>chad</a:t>
+            </a:r>
+            <a:endParaRPr lang="en-US" dirty="0"/>
+          </a:p>
+          <a:p>
+            <a:r>
+              <a:rPr lang="en-US" dirty="0"/>
+              <a:t>1646 = found by the automated parser</a:t>
+            </a:r>
+          </a:p>
+        </p:txBody>
+      </p:sp>
       <p:grpSp>
         <p:nvGrpSpPr>
-          <p:cNvPr id="4" name="Group 3">
-            <a:extLst>
-              <a:ext uri="{FF2B5EF4-FFF2-40B4-BE49-F238E27FC236}">
-                <a16:creationId xmlns:a16="http://schemas.microsoft.com/office/drawing/2014/main" id="{ED5F9E67-53C3-1B1A-1C13-1354B9A970F1}"/>
+          <p:cNvPr id="53" name="Group 52">
+            <a:extLst>
+              <a:ext uri="{FF2B5EF4-FFF2-40B4-BE49-F238E27FC236}">
+                <a16:creationId xmlns:a16="http://schemas.microsoft.com/office/drawing/2014/main" id="{CD5942DB-2FD3-C912-0361-EAF132557B1B}"/>
               </a:ext>
             </a:extLst>
           </p:cNvPr>
@@ -3421,18 +3475,362 @@
         </p:nvGrpSpPr>
         <p:grpSpPr>
           <a:xfrm>
-            <a:off x="374072" y="690594"/>
-            <a:ext cx="7346275" cy="5673863"/>
-            <a:chOff x="374072" y="690594"/>
-            <a:chExt cx="7346275" cy="5673863"/>
+            <a:off x="616669" y="485321"/>
+            <a:ext cx="7153839" cy="5474137"/>
+            <a:chOff x="616669" y="485321"/>
+            <a:chExt cx="7153839" cy="5474137"/>
           </a:xfrm>
         </p:grpSpPr>
+        <p:cxnSp>
+          <p:nvCxnSpPr>
+            <p:cNvPr id="16" name="Elbow Connector 15">
+              <a:extLst>
+                <a:ext uri="{FF2B5EF4-FFF2-40B4-BE49-F238E27FC236}">
+                  <a16:creationId xmlns:a16="http://schemas.microsoft.com/office/drawing/2014/main" id="{84B59F81-1FD5-253F-A6B0-E8AEC81CD476}"/>
+                </a:ext>
+              </a:extLst>
+            </p:cNvPr>
+            <p:cNvCxnSpPr>
+              <a:cxnSpLocks/>
+              <a:stCxn id="3" idx="2"/>
+              <a:endCxn id="5" idx="0"/>
+            </p:cNvCxnSpPr>
+            <p:nvPr/>
+          </p:nvCxnSpPr>
+          <p:spPr>
+            <a:xfrm rot="16200000" flipH="1">
+              <a:off x="2362044" y="329860"/>
+              <a:ext cx="558745" cy="2026212"/>
+            </a:xfrm>
+            <a:prstGeom prst="bentConnector3">
+              <a:avLst/>
+            </a:prstGeom>
+            <a:ln>
+              <a:tailEnd type="triangle"/>
+            </a:ln>
+          </p:spPr>
+          <p:style>
+            <a:lnRef idx="2">
+              <a:schemeClr val="accent1"/>
+            </a:lnRef>
+            <a:fillRef idx="0">
+              <a:schemeClr val="accent1"/>
+            </a:fillRef>
+            <a:effectRef idx="1">
+              <a:schemeClr val="accent1"/>
+            </a:effectRef>
+            <a:fontRef idx="minor">
+              <a:schemeClr val="tx1"/>
+            </a:fontRef>
+          </p:style>
+        </p:cxnSp>
+        <p:cxnSp>
+          <p:nvCxnSpPr>
+            <p:cNvPr id="18" name="Elbow Connector 17">
+              <a:extLst>
+                <a:ext uri="{FF2B5EF4-FFF2-40B4-BE49-F238E27FC236}">
+                  <a16:creationId xmlns:a16="http://schemas.microsoft.com/office/drawing/2014/main" id="{09188D43-62B9-E84C-72E0-EFC73776A529}"/>
+                </a:ext>
+              </a:extLst>
+            </p:cNvPr>
+            <p:cNvCxnSpPr>
+              <a:cxnSpLocks/>
+              <a:stCxn id="2" idx="2"/>
+              <a:endCxn id="5" idx="0"/>
+            </p:cNvCxnSpPr>
+            <p:nvPr/>
+          </p:nvCxnSpPr>
+          <p:spPr>
+            <a:xfrm rot="5400000">
+              <a:off x="4636213" y="81904"/>
+              <a:ext cx="558745" cy="2522125"/>
+            </a:xfrm>
+            <a:prstGeom prst="bentConnector3">
+              <a:avLst/>
+            </a:prstGeom>
+            <a:ln>
+              <a:tailEnd type="triangle"/>
+            </a:ln>
+          </p:spPr>
+          <p:style>
+            <a:lnRef idx="2">
+              <a:schemeClr val="accent1"/>
+            </a:lnRef>
+            <a:fillRef idx="0">
+              <a:schemeClr val="accent1"/>
+            </a:fillRef>
+            <a:effectRef idx="1">
+              <a:schemeClr val="accent1"/>
+            </a:effectRef>
+            <a:fontRef idx="minor">
+              <a:schemeClr val="tx1"/>
+            </a:fontRef>
+          </p:style>
+        </p:cxnSp>
+        <p:cxnSp>
+          <p:nvCxnSpPr>
+            <p:cNvPr id="20" name="Straight Arrow Connector 19">
+              <a:extLst>
+                <a:ext uri="{FF2B5EF4-FFF2-40B4-BE49-F238E27FC236}">
+                  <a16:creationId xmlns:a16="http://schemas.microsoft.com/office/drawing/2014/main" id="{4BE63062-2A42-2FA8-EFE5-E6783575D5E2}"/>
+                </a:ext>
+              </a:extLst>
+            </p:cNvPr>
+            <p:cNvCxnSpPr>
+              <a:cxnSpLocks/>
+              <a:stCxn id="5" idx="2"/>
+              <a:endCxn id="38" idx="0"/>
+            </p:cNvCxnSpPr>
+            <p:nvPr/>
+          </p:nvCxnSpPr>
+          <p:spPr>
+            <a:xfrm flipH="1">
+              <a:off x="3654519" y="2000885"/>
+              <a:ext cx="3" cy="167230"/>
+            </a:xfrm>
+            <a:prstGeom prst="straightConnector1">
+              <a:avLst/>
+            </a:prstGeom>
+            <a:ln>
+              <a:tailEnd type="triangle"/>
+            </a:ln>
+          </p:spPr>
+          <p:style>
+            <a:lnRef idx="2">
+              <a:schemeClr val="accent1"/>
+            </a:lnRef>
+            <a:fillRef idx="0">
+              <a:schemeClr val="accent1"/>
+            </a:fillRef>
+            <a:effectRef idx="1">
+              <a:schemeClr val="accent1"/>
+            </a:effectRef>
+            <a:fontRef idx="minor">
+              <a:schemeClr val="tx1"/>
+            </a:fontRef>
+          </p:style>
+        </p:cxnSp>
+        <p:cxnSp>
+          <p:nvCxnSpPr>
+            <p:cNvPr id="22" name="Straight Arrow Connector 21">
+              <a:extLst>
+                <a:ext uri="{FF2B5EF4-FFF2-40B4-BE49-F238E27FC236}">
+                  <a16:creationId xmlns:a16="http://schemas.microsoft.com/office/drawing/2014/main" id="{017F0049-5170-DD57-A6A4-042CD27C59BE}"/>
+                </a:ext>
+              </a:extLst>
+            </p:cNvPr>
+            <p:cNvCxnSpPr>
+              <a:cxnSpLocks/>
+              <a:stCxn id="6" idx="2"/>
+              <a:endCxn id="8" idx="0"/>
+            </p:cNvCxnSpPr>
+            <p:nvPr/>
+          </p:nvCxnSpPr>
+          <p:spPr>
+            <a:xfrm>
+              <a:off x="3654518" y="3180056"/>
+              <a:ext cx="3" cy="189273"/>
+            </a:xfrm>
+            <a:prstGeom prst="straightConnector1">
+              <a:avLst/>
+            </a:prstGeom>
+            <a:ln>
+              <a:tailEnd type="triangle"/>
+            </a:ln>
+          </p:spPr>
+          <p:style>
+            <a:lnRef idx="2">
+              <a:schemeClr val="accent1"/>
+            </a:lnRef>
+            <a:fillRef idx="0">
+              <a:schemeClr val="accent1"/>
+            </a:fillRef>
+            <a:effectRef idx="1">
+              <a:schemeClr val="accent1"/>
+            </a:effectRef>
+            <a:fontRef idx="minor">
+              <a:schemeClr val="tx1"/>
+            </a:fontRef>
+          </p:style>
+        </p:cxnSp>
+        <p:cxnSp>
+          <p:nvCxnSpPr>
+            <p:cNvPr id="24" name="Straight Arrow Connector 23">
+              <a:extLst>
+                <a:ext uri="{FF2B5EF4-FFF2-40B4-BE49-F238E27FC236}">
+                  <a16:creationId xmlns:a16="http://schemas.microsoft.com/office/drawing/2014/main" id="{0AE35596-8609-8E7F-BD1E-A22FFD8B059C}"/>
+                </a:ext>
+              </a:extLst>
+            </p:cNvPr>
+            <p:cNvCxnSpPr>
+              <a:cxnSpLocks/>
+              <a:stCxn id="8" idx="2"/>
+              <a:endCxn id="9" idx="0"/>
+            </p:cNvCxnSpPr>
+            <p:nvPr/>
+          </p:nvCxnSpPr>
+          <p:spPr>
+            <a:xfrm>
+              <a:off x="3654521" y="3747875"/>
+              <a:ext cx="0" cy="269042"/>
+            </a:xfrm>
+            <a:prstGeom prst="straightConnector1">
+              <a:avLst/>
+            </a:prstGeom>
+            <a:ln>
+              <a:tailEnd type="triangle"/>
+            </a:ln>
+          </p:spPr>
+          <p:style>
+            <a:lnRef idx="2">
+              <a:schemeClr val="accent1"/>
+            </a:lnRef>
+            <a:fillRef idx="0">
+              <a:schemeClr val="accent1"/>
+            </a:fillRef>
+            <a:effectRef idx="1">
+              <a:schemeClr val="accent1"/>
+            </a:effectRef>
+            <a:fontRef idx="minor">
+              <a:schemeClr val="tx1"/>
+            </a:fontRef>
+          </p:style>
+        </p:cxnSp>
+        <p:cxnSp>
+          <p:nvCxnSpPr>
+            <p:cNvPr id="26" name="Straight Arrow Connector 25">
+              <a:extLst>
+                <a:ext uri="{FF2B5EF4-FFF2-40B4-BE49-F238E27FC236}">
+                  <a16:creationId xmlns:a16="http://schemas.microsoft.com/office/drawing/2014/main" id="{1AC5C17C-C2FD-566A-FFE2-D1DB01C0D7D0}"/>
+                </a:ext>
+              </a:extLst>
+            </p:cNvPr>
+            <p:cNvCxnSpPr>
+              <a:cxnSpLocks/>
+              <a:stCxn id="9" idx="2"/>
+              <a:endCxn id="10" idx="0"/>
+            </p:cNvCxnSpPr>
+            <p:nvPr/>
+          </p:nvCxnSpPr>
+          <p:spPr>
+            <a:xfrm flipH="1">
+              <a:off x="3654519" y="4395463"/>
+              <a:ext cx="2" cy="411555"/>
+            </a:xfrm>
+            <a:prstGeom prst="straightConnector1">
+              <a:avLst/>
+            </a:prstGeom>
+            <a:ln>
+              <a:tailEnd type="triangle"/>
+            </a:ln>
+          </p:spPr>
+          <p:style>
+            <a:lnRef idx="2">
+              <a:schemeClr val="accent1"/>
+            </a:lnRef>
+            <a:fillRef idx="0">
+              <a:schemeClr val="accent1"/>
+            </a:fillRef>
+            <a:effectRef idx="1">
+              <a:schemeClr val="accent1"/>
+            </a:effectRef>
+            <a:fontRef idx="minor">
+              <a:schemeClr val="tx1"/>
+            </a:fontRef>
+          </p:style>
+        </p:cxnSp>
+        <p:cxnSp>
+          <p:nvCxnSpPr>
+            <p:cNvPr id="28" name="Straight Arrow Connector 27">
+              <a:extLst>
+                <a:ext uri="{FF2B5EF4-FFF2-40B4-BE49-F238E27FC236}">
+                  <a16:creationId xmlns:a16="http://schemas.microsoft.com/office/drawing/2014/main" id="{9B79F8E2-8192-4343-1848-84D728B9582E}"/>
+                </a:ext>
+              </a:extLst>
+            </p:cNvPr>
+            <p:cNvCxnSpPr>
+              <a:cxnSpLocks/>
+              <a:stCxn id="10" idx="2"/>
+              <a:endCxn id="12" idx="0"/>
+            </p:cNvCxnSpPr>
+            <p:nvPr/>
+          </p:nvCxnSpPr>
+          <p:spPr>
+            <a:xfrm>
+              <a:off x="3654519" y="5185564"/>
+              <a:ext cx="0" cy="395348"/>
+            </a:xfrm>
+            <a:prstGeom prst="straightConnector1">
+              <a:avLst/>
+            </a:prstGeom>
+            <a:ln>
+              <a:tailEnd type="triangle"/>
+            </a:ln>
+          </p:spPr>
+          <p:style>
+            <a:lnRef idx="2">
+              <a:schemeClr val="accent1"/>
+            </a:lnRef>
+            <a:fillRef idx="0">
+              <a:schemeClr val="accent1"/>
+            </a:fillRef>
+            <a:effectRef idx="1">
+              <a:schemeClr val="accent1"/>
+            </a:effectRef>
+            <a:fontRef idx="minor">
+              <a:schemeClr val="tx1"/>
+            </a:fontRef>
+          </p:style>
+        </p:cxnSp>
+        <p:cxnSp>
+          <p:nvCxnSpPr>
+            <p:cNvPr id="23" name="Elbow Connector 22">
+              <a:extLst>
+                <a:ext uri="{FF2B5EF4-FFF2-40B4-BE49-F238E27FC236}">
+                  <a16:creationId xmlns:a16="http://schemas.microsoft.com/office/drawing/2014/main" id="{ECBDB331-3C1B-6F45-82FA-C44E53ABD58A}"/>
+                </a:ext>
+              </a:extLst>
+            </p:cNvPr>
+            <p:cNvCxnSpPr>
+              <a:cxnSpLocks/>
+              <a:stCxn id="21" idx="2"/>
+              <a:endCxn id="5" idx="0"/>
+            </p:cNvCxnSpPr>
+            <p:nvPr/>
+          </p:nvCxnSpPr>
+          <p:spPr>
+            <a:xfrm rot="5400000">
+              <a:off x="3412864" y="1307930"/>
+              <a:ext cx="556068" cy="72751"/>
+            </a:xfrm>
+            <a:prstGeom prst="bentConnector3">
+              <a:avLst/>
+            </a:prstGeom>
+            <a:ln>
+              <a:tailEnd type="triangle"/>
+            </a:ln>
+          </p:spPr>
+          <p:style>
+            <a:lnRef idx="2">
+              <a:schemeClr val="accent1"/>
+            </a:lnRef>
+            <a:fillRef idx="0">
+              <a:schemeClr val="accent1"/>
+            </a:fillRef>
+            <a:effectRef idx="1">
+              <a:schemeClr val="accent1"/>
+            </a:effectRef>
+            <a:fontRef idx="minor">
+              <a:schemeClr val="tx1"/>
+            </a:fontRef>
+          </p:style>
+        </p:cxnSp>
         <p:grpSp>
           <p:nvGrpSpPr>
-            <p:cNvPr id="15" name="Group 14">
+            <p:cNvPr id="44" name="Group 43">
               <a:extLst>
                 <a:ext uri="{FF2B5EF4-FFF2-40B4-BE49-F238E27FC236}">
-                  <a16:creationId xmlns:a16="http://schemas.microsoft.com/office/drawing/2014/main" id="{BD3241F5-733F-6261-8FA3-71FAC1B61CFC}"/>
+                  <a16:creationId xmlns:a16="http://schemas.microsoft.com/office/drawing/2014/main" id="{648DA8C8-9A28-F5FA-7B95-CE898384FA82}"/>
                 </a:ext>
               </a:extLst>
             </p:cNvPr>
@@ -3441,18 +3839,18 @@
           </p:nvGrpSpPr>
           <p:grpSpPr>
             <a:xfrm>
-              <a:off x="1705952" y="690594"/>
-              <a:ext cx="6014395" cy="5673863"/>
-              <a:chOff x="1528547" y="167094"/>
-              <a:chExt cx="6014395" cy="5673863"/>
+              <a:off x="616669" y="485321"/>
+              <a:ext cx="7153839" cy="5474137"/>
+              <a:chOff x="448717" y="690593"/>
+              <a:chExt cx="7153839" cy="5474137"/>
             </a:xfrm>
           </p:grpSpPr>
           <p:sp>
             <p:nvSpPr>
-              <p:cNvPr id="2" name="Rectangle 1">
+              <p:cNvPr id="21" name="Rectangle 20">
                 <a:extLst>
                   <a:ext uri="{FF2B5EF4-FFF2-40B4-BE49-F238E27FC236}">
-                    <a16:creationId xmlns:a16="http://schemas.microsoft.com/office/drawing/2014/main" id="{CE1297A3-588A-D78F-BDA5-17F30EABD5CE}"/>
+                    <a16:creationId xmlns:a16="http://schemas.microsoft.com/office/drawing/2014/main" id="{6F60FA40-DC3B-A313-9CB0-1DDCE908B259}"/>
                   </a:ext>
                 </a:extLst>
               </p:cNvPr>
@@ -3461,8 +3859,8 @@
             </p:nvSpPr>
             <p:spPr>
               <a:xfrm>
-                <a:off x="3551830" y="167094"/>
-                <a:ext cx="3411940" cy="578273"/>
+                <a:off x="2547680" y="693270"/>
+                <a:ext cx="2023281" cy="578273"/>
               </a:xfrm>
               <a:prstGeom prst="rect">
                 <a:avLst/>
@@ -3496,853 +3894,732 @@
                       <a:schemeClr val="tx1"/>
                     </a:solidFill>
                   </a:rPr>
-                  <a:t>N automated = 1,636</a:t>
+                  <a:t>N state MVP </a:t>
                 </a:r>
-              </a:p>
-            </p:txBody>
-          </p:sp>
-          <p:sp>
-            <p:nvSpPr>
-              <p:cNvPr id="5" name="Rectangle 4">
-                <a:extLst>
-                  <a:ext uri="{FF2B5EF4-FFF2-40B4-BE49-F238E27FC236}">
-                    <a16:creationId xmlns:a16="http://schemas.microsoft.com/office/drawing/2014/main" id="{F9ED10F8-4A02-A8D0-2B74-1011BD57BDE8}"/>
-                  </a:ext>
-                </a:extLst>
-              </p:cNvPr>
-              <p:cNvSpPr/>
-              <p:nvPr/>
-            </p:nvSpPr>
-            <p:spPr>
-              <a:xfrm>
-                <a:off x="1528549" y="1304111"/>
-                <a:ext cx="3411941" cy="578273"/>
-              </a:xfrm>
-              <a:prstGeom prst="rect">
-                <a:avLst/>
-              </a:prstGeom>
-              <a:noFill/>
-            </p:spPr>
-            <p:style>
-              <a:lnRef idx="2">
-                <a:schemeClr val="accent1">
-                  <a:shade val="15000"/>
-                </a:schemeClr>
-              </a:lnRef>
-              <a:fillRef idx="1">
-                <a:schemeClr val="accent1"/>
-              </a:fillRef>
-              <a:effectRef idx="0">
-                <a:schemeClr val="accent1"/>
-              </a:effectRef>
-              <a:fontRef idx="minor">
-                <a:schemeClr val="lt1"/>
-              </a:fontRef>
-            </p:style>
-            <p:txBody>
-              <a:bodyPr rtlCol="0" anchor="ctr"/>
-              <a:lstStyle/>
-              <a:p>
-                <a:pPr algn="ctr"/>
                 <a:r>
-                  <a:rPr lang="en-US" dirty="0">
+                  <a:rPr lang="en-US">
                     <a:solidFill>
                       <a:schemeClr val="tx1"/>
                     </a:solidFill>
                   </a:rPr>
-                  <a:t>N not duplicated = 1,237</a:t>
+                  <a:t>= 29</a:t>
                 </a:r>
+                <a:endParaRPr lang="en-US" dirty="0">
+                  <a:solidFill>
+                    <a:schemeClr val="tx1"/>
+                  </a:solidFill>
+                </a:endParaRPr>
               </a:p>
             </p:txBody>
           </p:sp>
-          <p:sp>
-            <p:nvSpPr>
-              <p:cNvPr id="6" name="Rectangle 5">
+          <p:grpSp>
+            <p:nvGrpSpPr>
+              <p:cNvPr id="39" name="Group 38">
                 <a:extLst>
                   <a:ext uri="{FF2B5EF4-FFF2-40B4-BE49-F238E27FC236}">
-                    <a16:creationId xmlns:a16="http://schemas.microsoft.com/office/drawing/2014/main" id="{B24726C6-BE83-CB8B-6DE3-66F412631580}"/>
+                    <a16:creationId xmlns:a16="http://schemas.microsoft.com/office/drawing/2014/main" id="{32E57668-AB90-ED32-217D-5BC98E209B96}"/>
                   </a:ext>
                 </a:extLst>
               </p:cNvPr>
-              <p:cNvSpPr/>
+              <p:cNvGrpSpPr/>
               <p:nvPr/>
-            </p:nvSpPr>
-            <p:spPr>
+            </p:nvGrpSpPr>
+            <p:grpSpPr>
               <a:xfrm>
-                <a:off x="1528547" y="2095193"/>
-                <a:ext cx="3411942" cy="578273"/>
+                <a:off x="448717" y="690593"/>
+                <a:ext cx="7153839" cy="5474137"/>
+                <a:chOff x="430056" y="693951"/>
+                <a:chExt cx="7153839" cy="5474137"/>
               </a:xfrm>
-              <a:prstGeom prst="rect">
-                <a:avLst/>
-              </a:prstGeom>
-              <a:noFill/>
-            </p:spPr>
-            <p:style>
-              <a:lnRef idx="2">
-                <a:schemeClr val="accent1">
-                  <a:shade val="15000"/>
-                </a:schemeClr>
-              </a:lnRef>
-              <a:fillRef idx="1">
-                <a:schemeClr val="accent1"/>
-              </a:fillRef>
-              <a:effectRef idx="0">
-                <a:schemeClr val="accent1"/>
-              </a:effectRef>
-              <a:fontRef idx="minor">
-                <a:schemeClr val="lt1"/>
-              </a:fontRef>
-            </p:style>
-            <p:txBody>
-              <a:bodyPr rtlCol="0" anchor="ctr"/>
-              <a:lstStyle/>
-              <a:p>
-                <a:pPr algn="ctr"/>
-                <a:r>
-                  <a:rPr lang="en-US" dirty="0">
-                    <a:solidFill>
+            </p:grpSpPr>
+            <p:grpSp>
+              <p:nvGrpSpPr>
+                <p:cNvPr id="4" name="Group 3">
+                  <a:extLst>
+                    <a:ext uri="{FF2B5EF4-FFF2-40B4-BE49-F238E27FC236}">
+                      <a16:creationId xmlns:a16="http://schemas.microsoft.com/office/drawing/2014/main" id="{ED5F9E67-53C3-1B1A-1C13-1354B9A970F1}"/>
+                    </a:ext>
+                  </a:extLst>
+                </p:cNvPr>
+                <p:cNvGrpSpPr/>
+                <p:nvPr/>
+              </p:nvGrpSpPr>
+              <p:grpSpPr>
+                <a:xfrm>
+                  <a:off x="430056" y="693951"/>
+                  <a:ext cx="7153839" cy="5474137"/>
+                  <a:chOff x="374072" y="690594"/>
+                  <a:chExt cx="7153839" cy="5474137"/>
+                </a:xfrm>
+              </p:grpSpPr>
+              <p:grpSp>
+                <p:nvGrpSpPr>
+                  <p:cNvPr id="15" name="Group 14">
+                    <a:extLst>
+                      <a:ext uri="{FF2B5EF4-FFF2-40B4-BE49-F238E27FC236}">
+                        <a16:creationId xmlns:a16="http://schemas.microsoft.com/office/drawing/2014/main" id="{BD3241F5-733F-6261-8FA3-71FAC1B61CFC}"/>
+                      </a:ext>
+                    </a:extLst>
+                  </p:cNvPr>
+                  <p:cNvGrpSpPr/>
+                  <p:nvPr/>
+                </p:nvGrpSpPr>
+                <p:grpSpPr>
+                  <a:xfrm>
+                    <a:off x="1705950" y="690594"/>
+                    <a:ext cx="5821961" cy="5474137"/>
+                    <a:chOff x="1528545" y="167094"/>
+                    <a:chExt cx="5821961" cy="5474137"/>
+                  </a:xfrm>
+                </p:grpSpPr>
+                <p:sp>
+                  <p:nvSpPr>
+                    <p:cNvPr id="2" name="Rectangle 1">
+                      <a:extLst>
+                        <a:ext uri="{FF2B5EF4-FFF2-40B4-BE49-F238E27FC236}">
+                          <a16:creationId xmlns:a16="http://schemas.microsoft.com/office/drawing/2014/main" id="{CE1297A3-588A-D78F-BDA5-17F30EABD5CE}"/>
+                        </a:ext>
+                      </a:extLst>
+                    </p:cNvPr>
+                    <p:cNvSpPr/>
+                    <p:nvPr/>
+                  </p:nvSpPr>
+                  <p:spPr>
+                    <a:xfrm>
+                      <a:off x="4546702" y="167094"/>
+                      <a:ext cx="2419885" cy="578273"/>
+                    </a:xfrm>
+                    <a:prstGeom prst="rect">
+                      <a:avLst/>
+                    </a:prstGeom>
+                    <a:noFill/>
+                  </p:spPr>
+                  <p:style>
+                    <a:lnRef idx="2">
+                      <a:schemeClr val="accent1">
+                        <a:shade val="15000"/>
+                      </a:schemeClr>
+                    </a:lnRef>
+                    <a:fillRef idx="1">
+                      <a:schemeClr val="accent1"/>
+                    </a:fillRef>
+                    <a:effectRef idx="0">
+                      <a:schemeClr val="accent1"/>
+                    </a:effectRef>
+                    <a:fontRef idx="minor">
+                      <a:schemeClr val="lt1"/>
+                    </a:fontRef>
+                  </p:style>
+                  <p:txBody>
+                    <a:bodyPr rtlCol="0" anchor="ctr"/>
+                    <a:lstStyle/>
+                    <a:p>
+                      <a:pPr algn="ctr"/>
+                      <a:r>
+                        <a:rPr lang="en-US" dirty="0">
+                          <a:solidFill>
+                            <a:schemeClr val="tx1"/>
+                          </a:solidFill>
+                        </a:rPr>
+                        <a:t>N automated = 1,646</a:t>
+                      </a:r>
+                    </a:p>
+                  </p:txBody>
+                </p:sp>
+                <p:sp>
+                  <p:nvSpPr>
+                    <p:cNvPr id="5" name="Rectangle 4">
+                      <a:extLst>
+                        <a:ext uri="{FF2B5EF4-FFF2-40B4-BE49-F238E27FC236}">
+                          <a16:creationId xmlns:a16="http://schemas.microsoft.com/office/drawing/2014/main" id="{F9ED10F8-4A02-A8D0-2B74-1011BD57BDE8}"/>
+                        </a:ext>
+                      </a:extLst>
+                    </p:cNvPr>
+                    <p:cNvSpPr/>
+                    <p:nvPr/>
+                  </p:nvSpPr>
+                  <p:spPr>
+                    <a:xfrm>
+                      <a:off x="1528549" y="1304112"/>
+                      <a:ext cx="3411941" cy="378546"/>
+                    </a:xfrm>
+                    <a:prstGeom prst="rect">
+                      <a:avLst/>
+                    </a:prstGeom>
+                    <a:noFill/>
+                  </p:spPr>
+                  <p:style>
+                    <a:lnRef idx="2">
+                      <a:schemeClr val="accent1">
+                        <a:shade val="15000"/>
+                      </a:schemeClr>
+                    </a:lnRef>
+                    <a:fillRef idx="1">
+                      <a:schemeClr val="accent1"/>
+                    </a:fillRef>
+                    <a:effectRef idx="0">
+                      <a:schemeClr val="accent1"/>
+                    </a:effectRef>
+                    <a:fontRef idx="minor">
+                      <a:schemeClr val="lt1"/>
+                    </a:fontRef>
+                  </p:style>
+                  <p:txBody>
+                    <a:bodyPr rtlCol="0" anchor="ctr"/>
+                    <a:lstStyle/>
+                    <a:p>
+                      <a:pPr algn="ctr"/>
+                      <a:r>
+                        <a:rPr lang="en-US" dirty="0">
+                          <a:solidFill>
+                            <a:schemeClr val="tx1"/>
+                          </a:solidFill>
+                        </a:rPr>
+                        <a:t>N total = 1,709</a:t>
+                      </a:r>
+                    </a:p>
+                  </p:txBody>
+                </p:sp>
+                <p:sp>
+                  <p:nvSpPr>
+                    <p:cNvPr id="6" name="Rectangle 5">
+                      <a:extLst>
+                        <a:ext uri="{FF2B5EF4-FFF2-40B4-BE49-F238E27FC236}">
+                          <a16:creationId xmlns:a16="http://schemas.microsoft.com/office/drawing/2014/main" id="{B24726C6-BE83-CB8B-6DE3-66F412631580}"/>
+                        </a:ext>
+                      </a:extLst>
+                    </p:cNvPr>
+                    <p:cNvSpPr/>
+                    <p:nvPr/>
+                  </p:nvSpPr>
+                  <p:spPr>
+                    <a:xfrm>
+                      <a:off x="1528545" y="2483283"/>
+                      <a:ext cx="3411942" cy="378546"/>
+                    </a:xfrm>
+                    <a:prstGeom prst="rect">
+                      <a:avLst/>
+                    </a:prstGeom>
+                    <a:noFill/>
+                  </p:spPr>
+                  <p:style>
+                    <a:lnRef idx="2">
+                      <a:schemeClr val="accent1">
+                        <a:shade val="15000"/>
+                      </a:schemeClr>
+                    </a:lnRef>
+                    <a:fillRef idx="1">
+                      <a:schemeClr val="accent1"/>
+                    </a:fillRef>
+                    <a:effectRef idx="0">
+                      <a:schemeClr val="accent1"/>
+                    </a:effectRef>
+                    <a:fontRef idx="minor">
+                      <a:schemeClr val="lt1"/>
+                    </a:fontRef>
+                  </p:style>
+                  <p:txBody>
+                    <a:bodyPr rtlCol="0" anchor="ctr"/>
+                    <a:lstStyle/>
+                    <a:p>
+                      <a:pPr algn="ctr"/>
+                      <a:r>
+                        <a:rPr lang="en-US" dirty="0">
+                          <a:solidFill>
+                            <a:schemeClr val="tx1"/>
+                          </a:solidFill>
+                        </a:rPr>
+                        <a:t>N in Massachusetts = 525 </a:t>
+                      </a:r>
+                    </a:p>
+                  </p:txBody>
+                </p:sp>
+                <p:sp>
+                  <p:nvSpPr>
+                    <p:cNvPr id="7" name="TextBox 6">
+                      <a:extLst>
+                        <a:ext uri="{FF2B5EF4-FFF2-40B4-BE49-F238E27FC236}">
+                          <a16:creationId xmlns:a16="http://schemas.microsoft.com/office/drawing/2014/main" id="{A9FEE83D-5072-915B-E9E8-AAE3E817B9E7}"/>
+                        </a:ext>
+                      </a:extLst>
+                    </p:cNvPr>
+                    <p:cNvSpPr txBox="1"/>
+                    <p:nvPr/>
+                  </p:nvSpPr>
+                  <p:spPr>
+                    <a:xfrm>
+                      <a:off x="4315522" y="1942165"/>
+                      <a:ext cx="1884556" cy="369332"/>
+                    </a:xfrm>
+                    <a:prstGeom prst="rect">
+                      <a:avLst/>
+                    </a:prstGeom>
+                    <a:noFill/>
+                  </p:spPr>
+                  <p:txBody>
+                    <a:bodyPr wrap="square" rtlCol="0">
+                      <a:spAutoFit/>
+                    </a:bodyPr>
+                    <a:lstStyle/>
+                    <a:p>
+                      <a:r>
+                        <a:rPr lang="en-US" dirty="0"/>
+                        <a:t> </a:t>
+                      </a:r>
+                    </a:p>
+                  </p:txBody>
+                </p:sp>
+                <p:sp>
+                  <p:nvSpPr>
+                    <p:cNvPr id="8" name="Rectangle 7">
+                      <a:extLst>
+                        <a:ext uri="{FF2B5EF4-FFF2-40B4-BE49-F238E27FC236}">
+                          <a16:creationId xmlns:a16="http://schemas.microsoft.com/office/drawing/2014/main" id="{16D982B3-E803-8629-732D-758F5C72B950}"/>
+                        </a:ext>
+                      </a:extLst>
+                    </p:cNvPr>
+                    <p:cNvSpPr/>
+                    <p:nvPr/>
+                  </p:nvSpPr>
+                  <p:spPr>
+                    <a:xfrm>
+                      <a:off x="1528549" y="3051102"/>
+                      <a:ext cx="3411940" cy="378546"/>
+                    </a:xfrm>
+                    <a:prstGeom prst="rect">
+                      <a:avLst/>
+                    </a:prstGeom>
+                    <a:noFill/>
+                  </p:spPr>
+                  <p:style>
+                    <a:lnRef idx="2">
+                      <a:schemeClr val="accent1">
+                        <a:shade val="15000"/>
+                      </a:schemeClr>
+                    </a:lnRef>
+                    <a:fillRef idx="1">
+                      <a:schemeClr val="accent1"/>
+                    </a:fillRef>
+                    <a:effectRef idx="0">
+                      <a:schemeClr val="accent1"/>
+                    </a:effectRef>
+                    <a:fontRef idx="minor">
+                      <a:schemeClr val="lt1"/>
+                    </a:fontRef>
+                  </p:style>
+                  <p:txBody>
+                    <a:bodyPr rtlCol="0" anchor="ctr"/>
+                    <a:lstStyle/>
+                    <a:p>
+                      <a:pPr algn="ctr"/>
+                      <a:r>
+                        <a:rPr lang="en-US" dirty="0">
+                          <a:solidFill>
+                            <a:schemeClr val="tx1"/>
+                          </a:solidFill>
+                        </a:rPr>
+                        <a:t>N in Boston Inner Core = 356 </a:t>
+                      </a:r>
+                    </a:p>
+                  </p:txBody>
+                </p:sp>
+                <p:sp>
+                  <p:nvSpPr>
+                    <p:cNvPr id="9" name="Rectangle 8">
+                      <a:extLst>
+                        <a:ext uri="{FF2B5EF4-FFF2-40B4-BE49-F238E27FC236}">
+                          <a16:creationId xmlns:a16="http://schemas.microsoft.com/office/drawing/2014/main" id="{FBD9E85D-B692-3145-19B8-7107819692FF}"/>
+                        </a:ext>
+                      </a:extLst>
+                    </p:cNvPr>
+                    <p:cNvSpPr/>
+                    <p:nvPr/>
+                  </p:nvSpPr>
+                  <p:spPr>
+                    <a:xfrm>
+                      <a:off x="1528549" y="3698690"/>
+                      <a:ext cx="3411940" cy="378546"/>
+                    </a:xfrm>
+                    <a:prstGeom prst="rect">
+                      <a:avLst/>
+                    </a:prstGeom>
+                    <a:noFill/>
+                  </p:spPr>
+                  <p:style>
+                    <a:lnRef idx="2">
+                      <a:schemeClr val="accent1">
+                        <a:shade val="15000"/>
+                      </a:schemeClr>
+                    </a:lnRef>
+                    <a:fillRef idx="1">
+                      <a:schemeClr val="accent1"/>
+                    </a:fillRef>
+                    <a:effectRef idx="0">
+                      <a:schemeClr val="accent1"/>
+                    </a:effectRef>
+                    <a:fontRef idx="minor">
+                      <a:schemeClr val="lt1"/>
+                    </a:fontRef>
+                  </p:style>
+                  <p:txBody>
+                    <a:bodyPr rtlCol="0" anchor="ctr"/>
+                    <a:lstStyle/>
+                    <a:p>
+                      <a:pPr algn="ctr"/>
+                      <a:r>
+                        <a:rPr lang="en-US" dirty="0">
+                          <a:solidFill>
+                            <a:schemeClr val="tx1"/>
+                          </a:solidFill>
+                        </a:rPr>
+                        <a:t>N has “climate” in text = 315 </a:t>
+                      </a:r>
+                    </a:p>
+                  </p:txBody>
+                </p:sp>
+                <p:sp>
+                  <p:nvSpPr>
+                    <p:cNvPr id="10" name="Rectangle 9">
+                      <a:extLst>
+                        <a:ext uri="{FF2B5EF4-FFF2-40B4-BE49-F238E27FC236}">
+                          <a16:creationId xmlns:a16="http://schemas.microsoft.com/office/drawing/2014/main" id="{AEC0370F-3B6E-29FE-D9D1-18A84FD5A4B1}"/>
+                        </a:ext>
+                      </a:extLst>
+                    </p:cNvPr>
+                    <p:cNvSpPr/>
+                    <p:nvPr/>
+                  </p:nvSpPr>
+                  <p:spPr>
+                    <a:xfrm>
+                      <a:off x="1528547" y="4488791"/>
+                      <a:ext cx="3411940" cy="378546"/>
+                    </a:xfrm>
+                    <a:prstGeom prst="rect">
+                      <a:avLst/>
+                    </a:prstGeom>
+                    <a:noFill/>
+                  </p:spPr>
+                  <p:style>
+                    <a:lnRef idx="2">
+                      <a:schemeClr val="accent1">
+                        <a:shade val="15000"/>
+                      </a:schemeClr>
+                    </a:lnRef>
+                    <a:fillRef idx="1">
+                      <a:schemeClr val="accent1"/>
+                    </a:fillRef>
+                    <a:effectRef idx="0">
+                      <a:schemeClr val="accent1"/>
+                    </a:effectRef>
+                    <a:fontRef idx="minor">
+                      <a:schemeClr val="lt1"/>
+                    </a:fontRef>
+                  </p:style>
+                  <p:txBody>
+                    <a:bodyPr rtlCol="0" anchor="ctr"/>
+                    <a:lstStyle/>
+                    <a:p>
+                      <a:pPr algn="ctr"/>
+                      <a:r>
+                        <a:rPr lang="en-US" dirty="0">
+                          <a:solidFill>
+                            <a:schemeClr val="tx1"/>
+                          </a:solidFill>
+                        </a:rPr>
+                        <a:t>N has “community” in text = 304 </a:t>
+                      </a:r>
+                    </a:p>
+                  </p:txBody>
+                </p:sp>
+                <p:sp>
+                  <p:nvSpPr>
+                    <p:cNvPr id="12" name="Rectangle 11">
+                      <a:extLst>
+                        <a:ext uri="{FF2B5EF4-FFF2-40B4-BE49-F238E27FC236}">
+                          <a16:creationId xmlns:a16="http://schemas.microsoft.com/office/drawing/2014/main" id="{75D3E5D0-8962-4908-012F-CED05A44B29B}"/>
+                        </a:ext>
+                      </a:extLst>
+                    </p:cNvPr>
+                    <p:cNvSpPr/>
+                    <p:nvPr/>
+                  </p:nvSpPr>
+                  <p:spPr>
+                    <a:xfrm>
+                      <a:off x="1528547" y="5262685"/>
+                      <a:ext cx="3411940" cy="378546"/>
+                    </a:xfrm>
+                    <a:prstGeom prst="rect">
+                      <a:avLst/>
+                    </a:prstGeom>
+                    <a:noFill/>
+                  </p:spPr>
+                  <p:style>
+                    <a:lnRef idx="2">
+                      <a:schemeClr val="accent1">
+                        <a:shade val="15000"/>
+                      </a:schemeClr>
+                    </a:lnRef>
+                    <a:fillRef idx="1">
+                      <a:schemeClr val="accent1"/>
+                    </a:fillRef>
+                    <a:effectRef idx="0">
+                      <a:schemeClr val="accent1"/>
+                    </a:effectRef>
+                    <a:fontRef idx="minor">
+                      <a:schemeClr val="lt1"/>
+                    </a:fontRef>
+                  </p:style>
+                  <p:txBody>
+                    <a:bodyPr rtlCol="0" anchor="ctr"/>
+                    <a:lstStyle/>
+                    <a:p>
+                      <a:pPr algn="ctr"/>
+                      <a:r>
+                        <a:rPr lang="en-US" dirty="0">
+                          <a:solidFill>
+                            <a:schemeClr val="tx1"/>
+                          </a:solidFill>
+                        </a:rPr>
+                        <a:t>N pass manual checks = 148 </a:t>
+                      </a:r>
+                    </a:p>
+                  </p:txBody>
+                </p:sp>
+                <p:sp>
+                  <p:nvSpPr>
+                    <p:cNvPr id="13" name="Right Brace 12">
+                      <a:extLst>
+                        <a:ext uri="{FF2B5EF4-FFF2-40B4-BE49-F238E27FC236}">
+                          <a16:creationId xmlns:a16="http://schemas.microsoft.com/office/drawing/2014/main" id="{60FA181B-7222-D8E2-DC73-512E60CA0840}"/>
+                        </a:ext>
+                      </a:extLst>
+                    </p:cNvPr>
+                    <p:cNvSpPr/>
+                    <p:nvPr/>
+                  </p:nvSpPr>
+                  <p:spPr>
+                    <a:xfrm>
+                      <a:off x="5139664" y="1942165"/>
+                      <a:ext cx="246292" cy="3095379"/>
+                    </a:xfrm>
+                    <a:prstGeom prst="rightBrace">
+                      <a:avLst/>
+                    </a:prstGeom>
+                  </p:spPr>
+                  <p:style>
+                    <a:lnRef idx="2">
+                      <a:schemeClr val="accent1"/>
+                    </a:lnRef>
+                    <a:fillRef idx="0">
+                      <a:schemeClr val="accent1"/>
+                    </a:fillRef>
+                    <a:effectRef idx="1">
+                      <a:schemeClr val="accent1"/>
+                    </a:effectRef>
+                    <a:fontRef idx="minor">
                       <a:schemeClr val="tx1"/>
-                    </a:solidFill>
-                  </a:rPr>
-                  <a:t>N in Massachusetts = 474 </a:t>
-                </a:r>
-              </a:p>
-            </p:txBody>
-          </p:sp>
-          <p:sp>
-            <p:nvSpPr>
-              <p:cNvPr id="7" name="TextBox 6">
-                <a:extLst>
-                  <a:ext uri="{FF2B5EF4-FFF2-40B4-BE49-F238E27FC236}">
-                    <a16:creationId xmlns:a16="http://schemas.microsoft.com/office/drawing/2014/main" id="{A9FEE83D-5072-915B-E9E8-AAE3E817B9E7}"/>
-                  </a:ext>
-                </a:extLst>
-              </p:cNvPr>
-              <p:cNvSpPr txBox="1"/>
-              <p:nvPr/>
-            </p:nvSpPr>
-            <p:spPr>
-              <a:xfrm>
-                <a:off x="4315522" y="1942165"/>
-                <a:ext cx="1884556" cy="369332"/>
-              </a:xfrm>
-              <a:prstGeom prst="rect">
-                <a:avLst/>
-              </a:prstGeom>
-              <a:noFill/>
-            </p:spPr>
-            <p:txBody>
-              <a:bodyPr wrap="square" rtlCol="0">
-                <a:spAutoFit/>
-              </a:bodyPr>
-              <a:lstStyle/>
-              <a:p>
-                <a:r>
-                  <a:rPr lang="en-US" dirty="0"/>
-                  <a:t> </a:t>
-                </a:r>
-              </a:p>
-            </p:txBody>
-          </p:sp>
-          <p:sp>
-            <p:nvSpPr>
-              <p:cNvPr id="8" name="Rectangle 7">
-                <a:extLst>
-                  <a:ext uri="{FF2B5EF4-FFF2-40B4-BE49-F238E27FC236}">
-                    <a16:creationId xmlns:a16="http://schemas.microsoft.com/office/drawing/2014/main" id="{16D982B3-E803-8629-732D-758F5C72B950}"/>
-                  </a:ext>
-                </a:extLst>
-              </p:cNvPr>
-              <p:cNvSpPr/>
-              <p:nvPr/>
-            </p:nvSpPr>
-            <p:spPr>
-              <a:xfrm>
-                <a:off x="1528549" y="2883567"/>
-                <a:ext cx="3411940" cy="578273"/>
-              </a:xfrm>
-              <a:prstGeom prst="rect">
-                <a:avLst/>
-              </a:prstGeom>
-              <a:noFill/>
-            </p:spPr>
-            <p:style>
-              <a:lnRef idx="2">
-                <a:schemeClr val="accent1">
-                  <a:shade val="15000"/>
-                </a:schemeClr>
-              </a:lnRef>
-              <a:fillRef idx="1">
-                <a:schemeClr val="accent1"/>
-              </a:fillRef>
-              <a:effectRef idx="0">
-                <a:schemeClr val="accent1"/>
-              </a:effectRef>
-              <a:fontRef idx="minor">
-                <a:schemeClr val="lt1"/>
-              </a:fontRef>
-            </p:style>
-            <p:txBody>
-              <a:bodyPr rtlCol="0" anchor="ctr"/>
-              <a:lstStyle/>
-              <a:p>
-                <a:pPr algn="ctr"/>
-                <a:r>
-                  <a:rPr lang="en-US" dirty="0">
-                    <a:solidFill>
-                      <a:schemeClr val="tx1"/>
-                    </a:solidFill>
-                  </a:rPr>
-                  <a:t>N in Boston Inner Core = 322 </a:t>
-                </a:r>
-              </a:p>
-            </p:txBody>
-          </p:sp>
-          <p:sp>
-            <p:nvSpPr>
-              <p:cNvPr id="9" name="Rectangle 8">
-                <a:extLst>
-                  <a:ext uri="{FF2B5EF4-FFF2-40B4-BE49-F238E27FC236}">
-                    <a16:creationId xmlns:a16="http://schemas.microsoft.com/office/drawing/2014/main" id="{FBD9E85D-B692-3145-19B8-7107819692FF}"/>
-                  </a:ext>
-                </a:extLst>
-              </p:cNvPr>
-              <p:cNvSpPr/>
-              <p:nvPr/>
-            </p:nvSpPr>
-            <p:spPr>
-              <a:xfrm>
-                <a:off x="1528549" y="3698689"/>
-                <a:ext cx="3411940" cy="578273"/>
-              </a:xfrm>
-              <a:prstGeom prst="rect">
-                <a:avLst/>
-              </a:prstGeom>
-              <a:noFill/>
-            </p:spPr>
-            <p:style>
-              <a:lnRef idx="2">
-                <a:schemeClr val="accent1">
-                  <a:shade val="15000"/>
-                </a:schemeClr>
-              </a:lnRef>
-              <a:fillRef idx="1">
-                <a:schemeClr val="accent1"/>
-              </a:fillRef>
-              <a:effectRef idx="0">
-                <a:schemeClr val="accent1"/>
-              </a:effectRef>
-              <a:fontRef idx="minor">
-                <a:schemeClr val="lt1"/>
-              </a:fontRef>
-            </p:style>
-            <p:txBody>
-              <a:bodyPr rtlCol="0" anchor="ctr"/>
-              <a:lstStyle/>
-              <a:p>
-                <a:pPr algn="ctr"/>
-                <a:r>
-                  <a:rPr lang="en-US" dirty="0">
-                    <a:solidFill>
-                      <a:schemeClr val="tx1"/>
-                    </a:solidFill>
-                  </a:rPr>
-                  <a:t>N has “climate” in text = 286 </a:t>
-                </a:r>
-              </a:p>
-            </p:txBody>
-          </p:sp>
-          <p:sp>
-            <p:nvSpPr>
-              <p:cNvPr id="10" name="Rectangle 9">
-                <a:extLst>
-                  <a:ext uri="{FF2B5EF4-FFF2-40B4-BE49-F238E27FC236}">
-                    <a16:creationId xmlns:a16="http://schemas.microsoft.com/office/drawing/2014/main" id="{AEC0370F-3B6E-29FE-D9D1-18A84FD5A4B1}"/>
-                  </a:ext>
-                </a:extLst>
-              </p:cNvPr>
-              <p:cNvSpPr/>
-              <p:nvPr/>
-            </p:nvSpPr>
-            <p:spPr>
-              <a:xfrm>
-                <a:off x="1528547" y="4488790"/>
-                <a:ext cx="3411940" cy="578273"/>
-              </a:xfrm>
-              <a:prstGeom prst="rect">
-                <a:avLst/>
-              </a:prstGeom>
-              <a:noFill/>
-            </p:spPr>
-            <p:style>
-              <a:lnRef idx="2">
-                <a:schemeClr val="accent1">
-                  <a:shade val="15000"/>
-                </a:schemeClr>
-              </a:lnRef>
-              <a:fillRef idx="1">
-                <a:schemeClr val="accent1"/>
-              </a:fillRef>
-              <a:effectRef idx="0">
-                <a:schemeClr val="accent1"/>
-              </a:effectRef>
-              <a:fontRef idx="minor">
-                <a:schemeClr val="lt1"/>
-              </a:fontRef>
-            </p:style>
-            <p:txBody>
-              <a:bodyPr rtlCol="0" anchor="ctr"/>
-              <a:lstStyle/>
-              <a:p>
-                <a:pPr algn="ctr"/>
-                <a:r>
-                  <a:rPr lang="en-US" dirty="0">
-                    <a:solidFill>
-                      <a:schemeClr val="tx1"/>
-                    </a:solidFill>
-                  </a:rPr>
-                  <a:t>N has “community” in text = 275 </a:t>
-                </a:r>
-              </a:p>
-            </p:txBody>
-          </p:sp>
-          <p:sp>
-            <p:nvSpPr>
-              <p:cNvPr id="12" name="Rectangle 11">
-                <a:extLst>
-                  <a:ext uri="{FF2B5EF4-FFF2-40B4-BE49-F238E27FC236}">
-                    <a16:creationId xmlns:a16="http://schemas.microsoft.com/office/drawing/2014/main" id="{75D3E5D0-8962-4908-012F-CED05A44B29B}"/>
-                  </a:ext>
-                </a:extLst>
-              </p:cNvPr>
-              <p:cNvSpPr/>
-              <p:nvPr/>
-            </p:nvSpPr>
-            <p:spPr>
-              <a:xfrm>
-                <a:off x="1528547" y="5262684"/>
-                <a:ext cx="3411940" cy="578273"/>
-              </a:xfrm>
-              <a:prstGeom prst="rect">
-                <a:avLst/>
-              </a:prstGeom>
-              <a:noFill/>
-            </p:spPr>
-            <p:style>
-              <a:lnRef idx="2">
-                <a:schemeClr val="accent1">
-                  <a:shade val="15000"/>
-                </a:schemeClr>
-              </a:lnRef>
-              <a:fillRef idx="1">
-                <a:schemeClr val="accent1"/>
-              </a:fillRef>
-              <a:effectRef idx="0">
-                <a:schemeClr val="accent1"/>
-              </a:effectRef>
-              <a:fontRef idx="minor">
-                <a:schemeClr val="lt1"/>
-              </a:fontRef>
-            </p:style>
-            <p:txBody>
-              <a:bodyPr rtlCol="0" anchor="ctr"/>
-              <a:lstStyle/>
-              <a:p>
-                <a:pPr algn="ctr"/>
-                <a:r>
-                  <a:rPr lang="en-US" dirty="0">
-                    <a:solidFill>
-                      <a:schemeClr val="tx1"/>
-                    </a:solidFill>
-                  </a:rPr>
-                  <a:t>N pass manual checks = 113 </a:t>
-                </a:r>
-              </a:p>
-            </p:txBody>
-          </p:sp>
-          <p:sp>
-            <p:nvSpPr>
-              <p:cNvPr id="13" name="Right Brace 12">
-                <a:extLst>
-                  <a:ext uri="{FF2B5EF4-FFF2-40B4-BE49-F238E27FC236}">
-                    <a16:creationId xmlns:a16="http://schemas.microsoft.com/office/drawing/2014/main" id="{60FA181B-7222-D8E2-DC73-512E60CA0840}"/>
-                  </a:ext>
-                </a:extLst>
-              </p:cNvPr>
-              <p:cNvSpPr/>
-              <p:nvPr/>
-            </p:nvSpPr>
-            <p:spPr>
-              <a:xfrm>
-                <a:off x="5201791" y="1304111"/>
-                <a:ext cx="368492" cy="3762952"/>
-              </a:xfrm>
-              <a:prstGeom prst="rightBrace">
-                <a:avLst/>
-              </a:prstGeom>
-            </p:spPr>
-            <p:style>
-              <a:lnRef idx="2">
-                <a:schemeClr val="accent1"/>
-              </a:lnRef>
-              <a:fillRef idx="0">
-                <a:schemeClr val="accent1"/>
-              </a:fillRef>
-              <a:effectRef idx="1">
-                <a:schemeClr val="accent1"/>
-              </a:effectRef>
-              <a:fontRef idx="minor">
-                <a:schemeClr val="tx1"/>
-              </a:fontRef>
-            </p:style>
-            <p:txBody>
-              <a:bodyPr rtlCol="0" anchor="ctr"/>
-              <a:lstStyle/>
-              <a:p>
-                <a:pPr algn="ctr"/>
-                <a:endParaRPr lang="en-US"/>
-              </a:p>
-            </p:txBody>
-          </p:sp>
-          <p:sp>
-            <p:nvSpPr>
-              <p:cNvPr id="14" name="TextBox 13">
-                <a:extLst>
-                  <a:ext uri="{FF2B5EF4-FFF2-40B4-BE49-F238E27FC236}">
-                    <a16:creationId xmlns:a16="http://schemas.microsoft.com/office/drawing/2014/main" id="{92E38310-6741-5A47-855D-C623BBD97524}"/>
-                  </a:ext>
-                </a:extLst>
-              </p:cNvPr>
-              <p:cNvSpPr txBox="1"/>
-              <p:nvPr/>
-            </p:nvSpPr>
-            <p:spPr>
-              <a:xfrm>
-                <a:off x="5700495" y="2775359"/>
-                <a:ext cx="1842447" cy="923330"/>
-              </a:xfrm>
-              <a:prstGeom prst="rect">
-                <a:avLst/>
-              </a:prstGeom>
-              <a:noFill/>
-            </p:spPr>
-            <p:txBody>
-              <a:bodyPr wrap="square" rtlCol="0">
-                <a:spAutoFit/>
-              </a:bodyPr>
-              <a:lstStyle/>
-              <a:p>
-                <a:r>
-                  <a:rPr lang="en-US" i="1" dirty="0"/>
-                  <a:t>Checked with automated text parsing</a:t>
-                </a:r>
-              </a:p>
-            </p:txBody>
-          </p:sp>
+                    </a:fontRef>
+                  </p:style>
+                  <p:txBody>
+                    <a:bodyPr rtlCol="0" anchor="ctr"/>
+                    <a:lstStyle/>
+                    <a:p>
+                      <a:pPr algn="ctr"/>
+                      <a:endParaRPr lang="en-US"/>
+                    </a:p>
+                  </p:txBody>
+                </p:sp>
+                <p:sp>
+                  <p:nvSpPr>
+                    <p:cNvPr id="14" name="TextBox 13">
+                      <a:extLst>
+                        <a:ext uri="{FF2B5EF4-FFF2-40B4-BE49-F238E27FC236}">
+                          <a16:creationId xmlns:a16="http://schemas.microsoft.com/office/drawing/2014/main" id="{92E38310-6741-5A47-855D-C623BBD97524}"/>
+                        </a:ext>
+                      </a:extLst>
+                    </p:cNvPr>
+                    <p:cNvSpPr txBox="1"/>
+                    <p:nvPr/>
+                  </p:nvSpPr>
+                  <p:spPr>
+                    <a:xfrm>
+                      <a:off x="5508059" y="3051102"/>
+                      <a:ext cx="1842447" cy="923330"/>
+                    </a:xfrm>
+                    <a:prstGeom prst="rect">
+                      <a:avLst/>
+                    </a:prstGeom>
+                    <a:noFill/>
+                  </p:spPr>
+                  <p:txBody>
+                    <a:bodyPr wrap="square" rtlCol="0">
+                      <a:spAutoFit/>
+                    </a:bodyPr>
+                    <a:lstStyle/>
+                    <a:p>
+                      <a:r>
+                        <a:rPr lang="en-US" i="1" dirty="0"/>
+                        <a:t>Checked with automated text parsing</a:t>
+                      </a:r>
+                    </a:p>
+                  </p:txBody>
+                </p:sp>
+              </p:grpSp>
+              <p:sp>
+                <p:nvSpPr>
+                  <p:cNvPr id="3" name="Rectangle 2">
+                    <a:extLst>
+                      <a:ext uri="{FF2B5EF4-FFF2-40B4-BE49-F238E27FC236}">
+                        <a16:creationId xmlns:a16="http://schemas.microsoft.com/office/drawing/2014/main" id="{1790A42F-05FF-2657-02DD-486A5A6C8E7C}"/>
+                      </a:ext>
+                    </a:extLst>
+                  </p:cNvPr>
+                  <p:cNvSpPr/>
+                  <p:nvPr/>
+                </p:nvSpPr>
+                <p:spPr>
+                  <a:xfrm>
+                    <a:off x="374072" y="690594"/>
+                    <a:ext cx="2023281" cy="578273"/>
+                  </a:xfrm>
+                  <a:prstGeom prst="rect">
+                    <a:avLst/>
+                  </a:prstGeom>
+                  <a:noFill/>
+                </p:spPr>
+                <p:style>
+                  <a:lnRef idx="2">
+                    <a:schemeClr val="accent1">
+                      <a:shade val="15000"/>
+                    </a:schemeClr>
+                  </a:lnRef>
+                  <a:fillRef idx="1">
+                    <a:schemeClr val="accent1"/>
+                  </a:fillRef>
+                  <a:effectRef idx="0">
+                    <a:schemeClr val="accent1"/>
+                  </a:effectRef>
+                  <a:fontRef idx="minor">
+                    <a:schemeClr val="lt1"/>
+                  </a:fontRef>
+                </p:style>
+                <p:txBody>
+                  <a:bodyPr rtlCol="0" anchor="ctr"/>
+                  <a:lstStyle/>
+                  <a:p>
+                    <a:pPr algn="ctr"/>
+                    <a:r>
+                      <a:rPr lang="en-US" dirty="0">
+                        <a:solidFill>
+                          <a:schemeClr val="tx1"/>
+                        </a:solidFill>
+                      </a:rPr>
+                      <a:t>N manual = 33</a:t>
+                    </a:r>
+                  </a:p>
+                </p:txBody>
+              </p:sp>
+            </p:grpSp>
+            <p:sp>
+              <p:nvSpPr>
+                <p:cNvPr id="38" name="Rectangle 37">
+                  <a:extLst>
+                    <a:ext uri="{FF2B5EF4-FFF2-40B4-BE49-F238E27FC236}">
+                      <a16:creationId xmlns:a16="http://schemas.microsoft.com/office/drawing/2014/main" id="{2FE4E043-7575-3A76-7567-0D63403242B6}"/>
+                    </a:ext>
+                  </a:extLst>
+                </p:cNvPr>
+                <p:cNvSpPr/>
+                <p:nvPr/>
+              </p:nvSpPr>
+              <p:spPr>
+                <a:xfrm>
+                  <a:off x="1761935" y="2376745"/>
+                  <a:ext cx="3411941" cy="378546"/>
+                </a:xfrm>
+                <a:prstGeom prst="rect">
+                  <a:avLst/>
+                </a:prstGeom>
+                <a:noFill/>
+              </p:spPr>
+              <p:style>
+                <a:lnRef idx="2">
+                  <a:schemeClr val="accent1">
+                    <a:shade val="15000"/>
+                  </a:schemeClr>
+                </a:lnRef>
+                <a:fillRef idx="1">
+                  <a:schemeClr val="accent1"/>
+                </a:fillRef>
+                <a:effectRef idx="0">
+                  <a:schemeClr val="accent1"/>
+                </a:effectRef>
+                <a:fontRef idx="minor">
+                  <a:schemeClr val="lt1"/>
+                </a:fontRef>
+              </p:style>
+              <p:txBody>
+                <a:bodyPr rtlCol="0" anchor="ctr"/>
+                <a:lstStyle/>
+                <a:p>
+                  <a:pPr algn="ctr"/>
+                  <a:r>
+                    <a:rPr lang="en-US" dirty="0">
+                      <a:solidFill>
+                        <a:schemeClr val="tx1"/>
+                      </a:solidFill>
+                    </a:rPr>
+                    <a:t>N not duplicated = 1,282</a:t>
+                  </a:r>
+                </a:p>
+              </p:txBody>
+            </p:sp>
+          </p:grpSp>
         </p:grpSp>
-        <p:sp>
-          <p:nvSpPr>
-            <p:cNvPr id="3" name="Rectangle 2">
+        <p:cxnSp>
+          <p:nvCxnSpPr>
+            <p:cNvPr id="50" name="Straight Arrow Connector 49">
               <a:extLst>
                 <a:ext uri="{FF2B5EF4-FFF2-40B4-BE49-F238E27FC236}">
-                  <a16:creationId xmlns:a16="http://schemas.microsoft.com/office/drawing/2014/main" id="{1790A42F-05FF-2657-02DD-486A5A6C8E7C}"/>
+                  <a16:creationId xmlns:a16="http://schemas.microsoft.com/office/drawing/2014/main" id="{D84BE7C9-9D2E-ADDE-400E-807E0C0AD751}"/>
                 </a:ext>
               </a:extLst>
             </p:cNvPr>
-            <p:cNvSpPr/>
+            <p:cNvCxnSpPr>
+              <a:cxnSpLocks/>
+              <a:stCxn id="38" idx="2"/>
+              <a:endCxn id="6" idx="0"/>
+            </p:cNvCxnSpPr>
             <p:nvPr/>
-          </p:nvSpPr>
+          </p:nvCxnSpPr>
           <p:spPr>
-            <a:xfrm>
-              <a:off x="374072" y="690594"/>
-              <a:ext cx="3037867" cy="578273"/>
+            <a:xfrm flipH="1">
+              <a:off x="3654518" y="2546661"/>
+              <a:ext cx="1" cy="254849"/>
             </a:xfrm>
-            <a:prstGeom prst="rect">
+            <a:prstGeom prst="straightConnector1">
               <a:avLst/>
             </a:prstGeom>
-            <a:noFill/>
+            <a:ln>
+              <a:tailEnd type="triangle"/>
+            </a:ln>
           </p:spPr>
           <p:style>
             <a:lnRef idx="2">
-              <a:schemeClr val="accent1">
-                <a:shade val="15000"/>
-              </a:schemeClr>
+              <a:schemeClr val="accent1"/>
             </a:lnRef>
-            <a:fillRef idx="1">
+            <a:fillRef idx="0">
               <a:schemeClr val="accent1"/>
             </a:fillRef>
-            <a:effectRef idx="0">
+            <a:effectRef idx="1">
               <a:schemeClr val="accent1"/>
             </a:effectRef>
             <a:fontRef idx="minor">
-              <a:schemeClr val="lt1"/>
+              <a:schemeClr val="tx1"/>
             </a:fontRef>
           </p:style>
-          <p:txBody>
-            <a:bodyPr rtlCol="0" anchor="ctr"/>
-            <a:lstStyle/>
-            <a:p>
-              <a:pPr algn="ctr"/>
-              <a:r>
-                <a:rPr lang="en-US" dirty="0">
-                  <a:solidFill>
-                    <a:schemeClr val="tx1"/>
-                  </a:solidFill>
-                </a:rPr>
-                <a:t>N manual = 33</a:t>
-              </a:r>
-            </a:p>
-          </p:txBody>
-        </p:sp>
+        </p:cxnSp>
       </p:grpSp>
-      <p:cxnSp>
-        <p:nvCxnSpPr>
-          <p:cNvPr id="16" name="Elbow Connector 15">
-            <a:extLst>
-              <a:ext uri="{FF2B5EF4-FFF2-40B4-BE49-F238E27FC236}">
-                <a16:creationId xmlns:a16="http://schemas.microsoft.com/office/drawing/2014/main" id="{84B59F81-1FD5-253F-A6B0-E8AEC81CD476}"/>
-              </a:ext>
-            </a:extLst>
-          </p:cNvPr>
-          <p:cNvCxnSpPr>
-            <a:stCxn id="3" idx="2"/>
-            <a:endCxn id="5" idx="0"/>
-          </p:cNvCxnSpPr>
-          <p:nvPr/>
-        </p:nvCxnSpPr>
-        <p:spPr>
-          <a:xfrm rot="16200000" flipH="1">
-            <a:off x="2373093" y="788779"/>
-            <a:ext cx="558744" cy="1518919"/>
-          </a:xfrm>
-          <a:prstGeom prst="bentConnector3">
-            <a:avLst/>
-          </a:prstGeom>
-          <a:ln>
-            <a:tailEnd type="triangle"/>
-          </a:ln>
-        </p:spPr>
-        <p:style>
-          <a:lnRef idx="2">
-            <a:schemeClr val="accent1"/>
-          </a:lnRef>
-          <a:fillRef idx="0">
-            <a:schemeClr val="accent1"/>
-          </a:fillRef>
-          <a:effectRef idx="1">
-            <a:schemeClr val="accent1"/>
-          </a:effectRef>
-          <a:fontRef idx="minor">
-            <a:schemeClr val="tx1"/>
-          </a:fontRef>
-        </p:style>
-      </p:cxnSp>
-      <p:cxnSp>
-        <p:nvCxnSpPr>
-          <p:cNvPr id="18" name="Elbow Connector 17">
-            <a:extLst>
-              <a:ext uri="{FF2B5EF4-FFF2-40B4-BE49-F238E27FC236}">
-                <a16:creationId xmlns:a16="http://schemas.microsoft.com/office/drawing/2014/main" id="{09188D43-62B9-E84C-72E0-EFC73776A529}"/>
-              </a:ext>
-            </a:extLst>
-          </p:cNvPr>
-          <p:cNvCxnSpPr>
-            <a:stCxn id="2" idx="2"/>
-            <a:endCxn id="5" idx="0"/>
-          </p:cNvCxnSpPr>
-          <p:nvPr/>
-        </p:nvCxnSpPr>
-        <p:spPr>
-          <a:xfrm rot="5400000">
-            <a:off x="4144193" y="536599"/>
-            <a:ext cx="558744" cy="2023280"/>
-          </a:xfrm>
-          <a:prstGeom prst="bentConnector3">
-            <a:avLst/>
-          </a:prstGeom>
-          <a:ln>
-            <a:tailEnd type="triangle"/>
-          </a:ln>
-        </p:spPr>
-        <p:style>
-          <a:lnRef idx="2">
-            <a:schemeClr val="accent1"/>
-          </a:lnRef>
-          <a:fillRef idx="0">
-            <a:schemeClr val="accent1"/>
-          </a:fillRef>
-          <a:effectRef idx="1">
-            <a:schemeClr val="accent1"/>
-          </a:effectRef>
-          <a:fontRef idx="minor">
-            <a:schemeClr val="tx1"/>
-          </a:fontRef>
-        </p:style>
-      </p:cxnSp>
-      <p:cxnSp>
-        <p:nvCxnSpPr>
-          <p:cNvPr id="20" name="Straight Arrow Connector 19">
-            <a:extLst>
-              <a:ext uri="{FF2B5EF4-FFF2-40B4-BE49-F238E27FC236}">
-                <a16:creationId xmlns:a16="http://schemas.microsoft.com/office/drawing/2014/main" id="{4BE63062-2A42-2FA8-EFE5-E6783575D5E2}"/>
-              </a:ext>
-            </a:extLst>
-          </p:cNvPr>
-          <p:cNvCxnSpPr>
-            <a:stCxn id="5" idx="2"/>
-            <a:endCxn id="6" idx="0"/>
-          </p:cNvCxnSpPr>
-          <p:nvPr/>
-        </p:nvCxnSpPr>
-        <p:spPr>
-          <a:xfrm flipH="1">
-            <a:off x="3411923" y="2405884"/>
-            <a:ext cx="2" cy="212809"/>
-          </a:xfrm>
-          <a:prstGeom prst="straightConnector1">
-            <a:avLst/>
-          </a:prstGeom>
-          <a:ln>
-            <a:tailEnd type="triangle"/>
-          </a:ln>
-        </p:spPr>
-        <p:style>
-          <a:lnRef idx="2">
-            <a:schemeClr val="accent1"/>
-          </a:lnRef>
-          <a:fillRef idx="0">
-            <a:schemeClr val="accent1"/>
-          </a:fillRef>
-          <a:effectRef idx="1">
-            <a:schemeClr val="accent1"/>
-          </a:effectRef>
-          <a:fontRef idx="minor">
-            <a:schemeClr val="tx1"/>
-          </a:fontRef>
-        </p:style>
-      </p:cxnSp>
-      <p:cxnSp>
-        <p:nvCxnSpPr>
-          <p:cNvPr id="22" name="Straight Arrow Connector 21">
-            <a:extLst>
-              <a:ext uri="{FF2B5EF4-FFF2-40B4-BE49-F238E27FC236}">
-                <a16:creationId xmlns:a16="http://schemas.microsoft.com/office/drawing/2014/main" id="{017F0049-5170-DD57-A6A4-042CD27C59BE}"/>
-              </a:ext>
-            </a:extLst>
-          </p:cNvPr>
-          <p:cNvCxnSpPr>
-            <a:stCxn id="6" idx="2"/>
-            <a:endCxn id="8" idx="0"/>
-          </p:cNvCxnSpPr>
-          <p:nvPr/>
-        </p:nvCxnSpPr>
-        <p:spPr>
-          <a:xfrm>
-            <a:off x="3411923" y="3196966"/>
-            <a:ext cx="1" cy="210101"/>
-          </a:xfrm>
-          <a:prstGeom prst="straightConnector1">
-            <a:avLst/>
-          </a:prstGeom>
-          <a:ln>
-            <a:tailEnd type="triangle"/>
-          </a:ln>
-        </p:spPr>
-        <p:style>
-          <a:lnRef idx="2">
-            <a:schemeClr val="accent1"/>
-          </a:lnRef>
-          <a:fillRef idx="0">
-            <a:schemeClr val="accent1"/>
-          </a:fillRef>
-          <a:effectRef idx="1">
-            <a:schemeClr val="accent1"/>
-          </a:effectRef>
-          <a:fontRef idx="minor">
-            <a:schemeClr val="tx1"/>
-          </a:fontRef>
-        </p:style>
-      </p:cxnSp>
-      <p:cxnSp>
-        <p:nvCxnSpPr>
-          <p:cNvPr id="24" name="Straight Arrow Connector 23">
-            <a:extLst>
-              <a:ext uri="{FF2B5EF4-FFF2-40B4-BE49-F238E27FC236}">
-                <a16:creationId xmlns:a16="http://schemas.microsoft.com/office/drawing/2014/main" id="{0AE35596-8609-8E7F-BD1E-A22FFD8B059C}"/>
-              </a:ext>
-            </a:extLst>
-          </p:cNvPr>
-          <p:cNvCxnSpPr>
-            <a:stCxn id="8" idx="2"/>
-            <a:endCxn id="9" idx="0"/>
-          </p:cNvCxnSpPr>
-          <p:nvPr/>
-        </p:nvCxnSpPr>
-        <p:spPr>
-          <a:xfrm>
-            <a:off x="3411924" y="3985340"/>
-            <a:ext cx="0" cy="236849"/>
-          </a:xfrm>
-          <a:prstGeom prst="straightConnector1">
-            <a:avLst/>
-          </a:prstGeom>
-          <a:ln>
-            <a:tailEnd type="triangle"/>
-          </a:ln>
-        </p:spPr>
-        <p:style>
-          <a:lnRef idx="2">
-            <a:schemeClr val="accent1"/>
-          </a:lnRef>
-          <a:fillRef idx="0">
-            <a:schemeClr val="accent1"/>
-          </a:fillRef>
-          <a:effectRef idx="1">
-            <a:schemeClr val="accent1"/>
-          </a:effectRef>
-          <a:fontRef idx="minor">
-            <a:schemeClr val="tx1"/>
-          </a:fontRef>
-        </p:style>
-      </p:cxnSp>
-      <p:cxnSp>
-        <p:nvCxnSpPr>
-          <p:cNvPr id="26" name="Straight Arrow Connector 25">
-            <a:extLst>
-              <a:ext uri="{FF2B5EF4-FFF2-40B4-BE49-F238E27FC236}">
-                <a16:creationId xmlns:a16="http://schemas.microsoft.com/office/drawing/2014/main" id="{1AC5C17C-C2FD-566A-FFE2-D1DB01C0D7D0}"/>
-              </a:ext>
-            </a:extLst>
-          </p:cNvPr>
-          <p:cNvCxnSpPr>
-            <a:stCxn id="9" idx="2"/>
-            <a:endCxn id="10" idx="0"/>
-          </p:cNvCxnSpPr>
-          <p:nvPr/>
-        </p:nvCxnSpPr>
-        <p:spPr>
-          <a:xfrm flipH="1">
-            <a:off x="3411922" y="4800462"/>
-            <a:ext cx="2" cy="211828"/>
-          </a:xfrm>
-          <a:prstGeom prst="straightConnector1">
-            <a:avLst/>
-          </a:prstGeom>
-          <a:ln>
-            <a:tailEnd type="triangle"/>
-          </a:ln>
-        </p:spPr>
-        <p:style>
-          <a:lnRef idx="2">
-            <a:schemeClr val="accent1"/>
-          </a:lnRef>
-          <a:fillRef idx="0">
-            <a:schemeClr val="accent1"/>
-          </a:fillRef>
-          <a:effectRef idx="1">
-            <a:schemeClr val="accent1"/>
-          </a:effectRef>
-          <a:fontRef idx="minor">
-            <a:schemeClr val="tx1"/>
-          </a:fontRef>
-        </p:style>
-      </p:cxnSp>
-      <p:cxnSp>
-        <p:nvCxnSpPr>
-          <p:cNvPr id="28" name="Straight Arrow Connector 27">
-            <a:extLst>
-              <a:ext uri="{FF2B5EF4-FFF2-40B4-BE49-F238E27FC236}">
-                <a16:creationId xmlns:a16="http://schemas.microsoft.com/office/drawing/2014/main" id="{9B79F8E2-8192-4343-1848-84D728B9582E}"/>
-              </a:ext>
-            </a:extLst>
-          </p:cNvPr>
-          <p:cNvCxnSpPr>
-            <a:stCxn id="10" idx="2"/>
-            <a:endCxn id="12" idx="0"/>
-          </p:cNvCxnSpPr>
-          <p:nvPr/>
-        </p:nvCxnSpPr>
-        <p:spPr>
-          <a:xfrm>
-            <a:off x="3411922" y="5590563"/>
-            <a:ext cx="0" cy="195621"/>
-          </a:xfrm>
-          <a:prstGeom prst="straightConnector1">
-            <a:avLst/>
-          </a:prstGeom>
-          <a:ln>
-            <a:tailEnd type="triangle"/>
-          </a:ln>
-        </p:spPr>
-        <p:style>
-          <a:lnRef idx="2">
-            <a:schemeClr val="accent1"/>
-          </a:lnRef>
-          <a:fillRef idx="0">
-            <a:schemeClr val="accent1"/>
-          </a:fillRef>
-          <a:effectRef idx="1">
-            <a:schemeClr val="accent1"/>
-          </a:effectRef>
-          <a:fontRef idx="minor">
-            <a:schemeClr val="tx1"/>
-          </a:fontRef>
-        </p:style>
-      </p:cxnSp>
-      <p:sp>
-        <p:nvSpPr>
-          <p:cNvPr id="11" name="TextBox 10">
-            <a:extLst>
-              <a:ext uri="{FF2B5EF4-FFF2-40B4-BE49-F238E27FC236}">
-                <a16:creationId xmlns:a16="http://schemas.microsoft.com/office/drawing/2014/main" id="{BD827CB8-F2AB-0A1D-9CD8-90553FB4F192}"/>
-              </a:ext>
-            </a:extLst>
-          </p:cNvPr>
-          <p:cNvSpPr txBox="1"/>
-          <p:nvPr/>
-        </p:nvSpPr>
-        <p:spPr>
-          <a:xfrm>
-            <a:off x="8702566" y="690594"/>
-            <a:ext cx="2238703" cy="1477328"/>
-          </a:xfrm>
-          <a:prstGeom prst="rect">
-            <a:avLst/>
-          </a:prstGeom>
-          <a:noFill/>
-        </p:spPr>
-        <p:txBody>
-          <a:bodyPr wrap="square" rtlCol="0">
-            <a:spAutoFit/>
-          </a:bodyPr>
-          <a:lstStyle/>
-          <a:p>
-            <a:r>
-              <a:rPr lang="en-US" dirty="0"/>
-              <a:t>33 = 27 from </a:t>
-            </a:r>
-            <a:r>
-              <a:rPr lang="en-US" dirty="0" err="1"/>
-              <a:t>bev</a:t>
-            </a:r>
-            <a:r>
-              <a:rPr lang="en-US" dirty="0"/>
-              <a:t>  + 5 from manual spot checks from </a:t>
-            </a:r>
-            <a:r>
-              <a:rPr lang="en-US" dirty="0" err="1"/>
-              <a:t>chad</a:t>
-            </a:r>
-            <a:endParaRPr lang="en-US" dirty="0"/>
-          </a:p>
-          <a:p>
-            <a:r>
-              <a:rPr lang="en-US" dirty="0"/>
-              <a:t>1636 = found by the automated parser</a:t>
-            </a:r>
-          </a:p>
-        </p:txBody>
-      </p:sp>
     </p:spTree>
     <p:extLst>
       <p:ext uri="{BB962C8B-B14F-4D97-AF65-F5344CB8AC3E}">

--- a/flowchart.pptx
+++ b/flowchart.pptx
@@ -5,8 +5,7 @@
     <p:sldMasterId id="2147483648" r:id="rId1"/>
   </p:sldMasterIdLst>
   <p:sldIdLst>
-    <p:sldId id="256" r:id="rId2"/>
-    <p:sldId id="257" r:id="rId3"/>
+    <p:sldId id="257" r:id="rId2"/>
   </p:sldIdLst>
   <p:sldSz cx="12192000" cy="6858000"/>
   <p:notesSz cx="6858000" cy="9144000"/>
@@ -260,7 +259,7 @@
           <a:p>
             <a:fld id="{A5F08B19-B713-B844-A98D-953EBEF88FDF}" type="datetimeFigureOut">
               <a:rPr lang="en-US" smtClean="0"/>
-              <a:t>2/27/25</a:t>
+              <a:t>3/11/25</a:t>
             </a:fld>
             <a:endParaRPr lang="en-US"/>
           </a:p>
@@ -458,7 +457,7 @@
           <a:p>
             <a:fld id="{A5F08B19-B713-B844-A98D-953EBEF88FDF}" type="datetimeFigureOut">
               <a:rPr lang="en-US" smtClean="0"/>
-              <a:t>2/27/25</a:t>
+              <a:t>3/11/25</a:t>
             </a:fld>
             <a:endParaRPr lang="en-US"/>
           </a:p>
@@ -666,7 +665,7 @@
           <a:p>
             <a:fld id="{A5F08B19-B713-B844-A98D-953EBEF88FDF}" type="datetimeFigureOut">
               <a:rPr lang="en-US" smtClean="0"/>
-              <a:t>2/27/25</a:t>
+              <a:t>3/11/25</a:t>
             </a:fld>
             <a:endParaRPr lang="en-US"/>
           </a:p>
@@ -864,7 +863,7 @@
           <a:p>
             <a:fld id="{A5F08B19-B713-B844-A98D-953EBEF88FDF}" type="datetimeFigureOut">
               <a:rPr lang="en-US" smtClean="0"/>
-              <a:t>2/27/25</a:t>
+              <a:t>3/11/25</a:t>
             </a:fld>
             <a:endParaRPr lang="en-US"/>
           </a:p>
@@ -1139,7 +1138,7 @@
           <a:p>
             <a:fld id="{A5F08B19-B713-B844-A98D-953EBEF88FDF}" type="datetimeFigureOut">
               <a:rPr lang="en-US" smtClean="0"/>
-              <a:t>2/27/25</a:t>
+              <a:t>3/11/25</a:t>
             </a:fld>
             <a:endParaRPr lang="en-US"/>
           </a:p>
@@ -1404,7 +1403,7 @@
           <a:p>
             <a:fld id="{A5F08B19-B713-B844-A98D-953EBEF88FDF}" type="datetimeFigureOut">
               <a:rPr lang="en-US" smtClean="0"/>
-              <a:t>2/27/25</a:t>
+              <a:t>3/11/25</a:t>
             </a:fld>
             <a:endParaRPr lang="en-US"/>
           </a:p>
@@ -1816,7 +1815,7 @@
           <a:p>
             <a:fld id="{A5F08B19-B713-B844-A98D-953EBEF88FDF}" type="datetimeFigureOut">
               <a:rPr lang="en-US" smtClean="0"/>
-              <a:t>2/27/25</a:t>
+              <a:t>3/11/25</a:t>
             </a:fld>
             <a:endParaRPr lang="en-US"/>
           </a:p>
@@ -1957,7 +1956,7 @@
           <a:p>
             <a:fld id="{A5F08B19-B713-B844-A98D-953EBEF88FDF}" type="datetimeFigureOut">
               <a:rPr lang="en-US" smtClean="0"/>
-              <a:t>2/27/25</a:t>
+              <a:t>3/11/25</a:t>
             </a:fld>
             <a:endParaRPr lang="en-US"/>
           </a:p>
@@ -2070,7 +2069,7 @@
           <a:p>
             <a:fld id="{A5F08B19-B713-B844-A98D-953EBEF88FDF}" type="datetimeFigureOut">
               <a:rPr lang="en-US" smtClean="0"/>
-              <a:t>2/27/25</a:t>
+              <a:t>3/11/25</a:t>
             </a:fld>
             <a:endParaRPr lang="en-US"/>
           </a:p>
@@ -2381,7 +2380,7 @@
           <a:p>
             <a:fld id="{A5F08B19-B713-B844-A98D-953EBEF88FDF}" type="datetimeFigureOut">
               <a:rPr lang="en-US" smtClean="0"/>
-              <a:t>2/27/25</a:t>
+              <a:t>3/11/25</a:t>
             </a:fld>
             <a:endParaRPr lang="en-US"/>
           </a:p>
@@ -2669,7 +2668,7 @@
           <a:p>
             <a:fld id="{A5F08B19-B713-B844-A98D-953EBEF88FDF}" type="datetimeFigureOut">
               <a:rPr lang="en-US" smtClean="0"/>
-              <a:t>2/27/25</a:t>
+              <a:t>3/11/25</a:t>
             </a:fld>
             <a:endParaRPr lang="en-US"/>
           </a:p>
@@ -2910,7 +2909,7 @@
           <a:p>
             <a:fld id="{A5F08B19-B713-B844-A98D-953EBEF88FDF}" type="datetimeFigureOut">
               <a:rPr lang="en-US" smtClean="0"/>
-              <a:t>2/27/25</a:t>
+              <a:t>3/11/25</a:t>
             </a:fld>
             <a:endParaRPr lang="en-US"/>
           </a:p>
@@ -3311,86 +3310,6 @@
 </file>
 
 <file path=ppt/slides/slide1.xml><?xml version="1.0" encoding="utf-8"?>
-<p:sld xmlns:a="http://schemas.openxmlformats.org/drawingml/2006/main" xmlns:r="http://schemas.openxmlformats.org/officeDocument/2006/relationships" xmlns:p="http://schemas.openxmlformats.org/presentationml/2006/main">
-  <p:cSld>
-    <p:spTree>
-      <p:nvGrpSpPr>
-        <p:cNvPr id="1" name=""/>
-        <p:cNvGrpSpPr/>
-        <p:nvPr/>
-      </p:nvGrpSpPr>
-      <p:grpSpPr>
-        <a:xfrm>
-          <a:off x="0" y="0"/>
-          <a:ext cx="0" cy="0"/>
-          <a:chOff x="0" y="0"/>
-          <a:chExt cx="0" cy="0"/>
-        </a:xfrm>
-      </p:grpSpPr>
-      <p:sp>
-        <p:nvSpPr>
-          <p:cNvPr id="2" name="Title 1">
-            <a:extLst>
-              <a:ext uri="{FF2B5EF4-FFF2-40B4-BE49-F238E27FC236}">
-                <a16:creationId xmlns:a16="http://schemas.microsoft.com/office/drawing/2014/main" id="{965BCB10-8764-450E-55D8-9E1591CDA3B9}"/>
-              </a:ext>
-            </a:extLst>
-          </p:cNvPr>
-          <p:cNvSpPr>
-            <a:spLocks noGrp="1"/>
-          </p:cNvSpPr>
-          <p:nvPr>
-            <p:ph type="ctrTitle"/>
-          </p:nvPr>
-        </p:nvSpPr>
-        <p:spPr/>
-        <p:txBody>
-          <a:bodyPr/>
-          <a:lstStyle/>
-          <a:p>
-            <a:endParaRPr lang="en-US"/>
-          </a:p>
-        </p:txBody>
-      </p:sp>
-      <p:sp>
-        <p:nvSpPr>
-          <p:cNvPr id="3" name="Subtitle 2">
-            <a:extLst>
-              <a:ext uri="{FF2B5EF4-FFF2-40B4-BE49-F238E27FC236}">
-                <a16:creationId xmlns:a16="http://schemas.microsoft.com/office/drawing/2014/main" id="{A91A4B29-642E-6B21-622A-D4CC3519BD64}"/>
-              </a:ext>
-            </a:extLst>
-          </p:cNvPr>
-          <p:cNvSpPr>
-            <a:spLocks noGrp="1"/>
-          </p:cNvSpPr>
-          <p:nvPr>
-            <p:ph type="subTitle" idx="1"/>
-          </p:nvPr>
-        </p:nvSpPr>
-        <p:spPr/>
-        <p:txBody>
-          <a:bodyPr/>
-          <a:lstStyle/>
-          <a:p>
-            <a:endParaRPr lang="en-US"/>
-          </a:p>
-        </p:txBody>
-      </p:sp>
-    </p:spTree>
-    <p:extLst>
-      <p:ext uri="{BB962C8B-B14F-4D97-AF65-F5344CB8AC3E}">
-        <p14:creationId xmlns:p14="http://schemas.microsoft.com/office/powerpoint/2010/main" val="2538255686"/>
-      </p:ext>
-    </p:extLst>
-  </p:cSld>
-  <p:clrMapOvr>
-    <a:masterClrMapping/>
-  </p:clrMapOvr>
-</p:sld>
-</file>
-
-<file path=ppt/slides/slide2.xml><?xml version="1.0" encoding="utf-8"?>
 <p:sld xmlns:a="http://schemas.openxmlformats.org/drawingml/2006/main" xmlns:r="http://schemas.openxmlformats.org/officeDocument/2006/relationships" xmlns:p="http://schemas.openxmlformats.org/presentationml/2006/main">
   <p:cSld>
     <p:spTree>
@@ -4075,7 +3994,7 @@
                             <a:schemeClr val="tx1"/>
                           </a:solidFill>
                         </a:rPr>
-                        <a:t>N total = 1,709</a:t>
+                        <a:t>N total = 1,708</a:t>
                       </a:r>
                     </a:p>
                   </p:txBody>

--- a/flowchart.pptx
+++ b/flowchart.pptx
@@ -259,7 +259,7 @@
           <a:p>
             <a:fld id="{A5F08B19-B713-B844-A98D-953EBEF88FDF}" type="datetimeFigureOut">
               <a:rPr lang="en-US" smtClean="0"/>
-              <a:t>3/11/25</a:t>
+              <a:t>12/9/25</a:t>
             </a:fld>
             <a:endParaRPr lang="en-US"/>
           </a:p>
@@ -457,7 +457,7 @@
           <a:p>
             <a:fld id="{A5F08B19-B713-B844-A98D-953EBEF88FDF}" type="datetimeFigureOut">
               <a:rPr lang="en-US" smtClean="0"/>
-              <a:t>3/11/25</a:t>
+              <a:t>12/9/25</a:t>
             </a:fld>
             <a:endParaRPr lang="en-US"/>
           </a:p>
@@ -665,7 +665,7 @@
           <a:p>
             <a:fld id="{A5F08B19-B713-B844-A98D-953EBEF88FDF}" type="datetimeFigureOut">
               <a:rPr lang="en-US" smtClean="0"/>
-              <a:t>3/11/25</a:t>
+              <a:t>12/9/25</a:t>
             </a:fld>
             <a:endParaRPr lang="en-US"/>
           </a:p>
@@ -863,7 +863,7 @@
           <a:p>
             <a:fld id="{A5F08B19-B713-B844-A98D-953EBEF88FDF}" type="datetimeFigureOut">
               <a:rPr lang="en-US" smtClean="0"/>
-              <a:t>3/11/25</a:t>
+              <a:t>12/9/25</a:t>
             </a:fld>
             <a:endParaRPr lang="en-US"/>
           </a:p>
@@ -1138,7 +1138,7 @@
           <a:p>
             <a:fld id="{A5F08B19-B713-B844-A98D-953EBEF88FDF}" type="datetimeFigureOut">
               <a:rPr lang="en-US" smtClean="0"/>
-              <a:t>3/11/25</a:t>
+              <a:t>12/9/25</a:t>
             </a:fld>
             <a:endParaRPr lang="en-US"/>
           </a:p>
@@ -1403,7 +1403,7 @@
           <a:p>
             <a:fld id="{A5F08B19-B713-B844-A98D-953EBEF88FDF}" type="datetimeFigureOut">
               <a:rPr lang="en-US" smtClean="0"/>
-              <a:t>3/11/25</a:t>
+              <a:t>12/9/25</a:t>
             </a:fld>
             <a:endParaRPr lang="en-US"/>
           </a:p>
@@ -1815,7 +1815,7 @@
           <a:p>
             <a:fld id="{A5F08B19-B713-B844-A98D-953EBEF88FDF}" type="datetimeFigureOut">
               <a:rPr lang="en-US" smtClean="0"/>
-              <a:t>3/11/25</a:t>
+              <a:t>12/9/25</a:t>
             </a:fld>
             <a:endParaRPr lang="en-US"/>
           </a:p>
@@ -1956,7 +1956,7 @@
           <a:p>
             <a:fld id="{A5F08B19-B713-B844-A98D-953EBEF88FDF}" type="datetimeFigureOut">
               <a:rPr lang="en-US" smtClean="0"/>
-              <a:t>3/11/25</a:t>
+              <a:t>12/9/25</a:t>
             </a:fld>
             <a:endParaRPr lang="en-US"/>
           </a:p>
@@ -2069,7 +2069,7 @@
           <a:p>
             <a:fld id="{A5F08B19-B713-B844-A98D-953EBEF88FDF}" type="datetimeFigureOut">
               <a:rPr lang="en-US" smtClean="0"/>
-              <a:t>3/11/25</a:t>
+              <a:t>12/9/25</a:t>
             </a:fld>
             <a:endParaRPr lang="en-US"/>
           </a:p>
@@ -2380,7 +2380,7 @@
           <a:p>
             <a:fld id="{A5F08B19-B713-B844-A98D-953EBEF88FDF}" type="datetimeFigureOut">
               <a:rPr lang="en-US" smtClean="0"/>
-              <a:t>3/11/25</a:t>
+              <a:t>12/9/25</a:t>
             </a:fld>
             <a:endParaRPr lang="en-US"/>
           </a:p>
@@ -2668,7 +2668,7 @@
           <a:p>
             <a:fld id="{A5F08B19-B713-B844-A98D-953EBEF88FDF}" type="datetimeFigureOut">
               <a:rPr lang="en-US" smtClean="0"/>
-              <a:t>3/11/25</a:t>
+              <a:t>12/9/25</a:t>
             </a:fld>
             <a:endParaRPr lang="en-US"/>
           </a:p>
@@ -2909,7 +2909,7 @@
           <a:p>
             <a:fld id="{A5F08B19-B713-B844-A98D-953EBEF88FDF}" type="datetimeFigureOut">
               <a:rPr lang="en-US" smtClean="0"/>
-              <a:t>3/11/25</a:t>
+              <a:t>12/9/25</a:t>
             </a:fld>
             <a:endParaRPr lang="en-US"/>
           </a:p>
@@ -3813,21 +3813,8 @@
                       <a:schemeClr val="tx1"/>
                     </a:solidFill>
                   </a:rPr>
-                  <a:t>N state MVP </a:t>
+                  <a:t>N state MVP = 22</a:t>
                 </a:r>
-                <a:r>
-                  <a:rPr lang="en-US">
-                    <a:solidFill>
-                      <a:schemeClr val="tx1"/>
-                    </a:solidFill>
-                  </a:rPr>
-                  <a:t>= 29</a:t>
-                </a:r>
-                <a:endParaRPr lang="en-US" dirty="0">
-                  <a:solidFill>
-                    <a:schemeClr val="tx1"/>
-                  </a:solidFill>
-                </a:endParaRPr>
               </a:p>
             </p:txBody>
           </p:sp>

--- a/flowchart.pptx
+++ b/flowchart.pptx
@@ -3927,7 +3927,7 @@
                             <a:schemeClr val="tx1"/>
                           </a:solidFill>
                         </a:rPr>
-                        <a:t>N automated = 1,646</a:t>
+                        <a:t>N automated = 1,250</a:t>
                       </a:r>
                     </a:p>
                   </p:txBody>
@@ -3981,7 +3981,7 @@
                             <a:schemeClr val="tx1"/>
                           </a:solidFill>
                         </a:rPr>
-                        <a:t>N total = 1,708</a:t>
+                        <a:t>N total = 1,294</a:t>
                       </a:r>
                     </a:p>
                   </p:txBody>
@@ -4035,7 +4035,7 @@
                             <a:schemeClr val="tx1"/>
                           </a:solidFill>
                         </a:rPr>
-                        <a:t>N in Massachusetts = 525 </a:t>
+                        <a:t>N in Massachusetts = 444 </a:t>
                       </a:r>
                     </a:p>
                   </p:txBody>
@@ -4124,7 +4124,7 @@
                             <a:schemeClr val="tx1"/>
                           </a:solidFill>
                         </a:rPr>
-                        <a:t>N in Boston Inner Core = 356 </a:t>
+                        <a:t>N in Boston Inner Core = 316 </a:t>
                       </a:r>
                     </a:p>
                   </p:txBody>
@@ -4178,7 +4178,7 @@
                             <a:schemeClr val="tx1"/>
                           </a:solidFill>
                         </a:rPr>
-                        <a:t>N has “climate” in text = 315 </a:t>
+                        <a:t>N has “climate” in text = 278</a:t>
                       </a:r>
                     </a:p>
                   </p:txBody>
@@ -4232,7 +4232,7 @@
                             <a:schemeClr val="tx1"/>
                           </a:solidFill>
                         </a:rPr>
-                        <a:t>N has “community” in text = 304 </a:t>
+                        <a:t>N has “community” in text = 269 </a:t>
                       </a:r>
                     </a:p>
                   </p:txBody>
@@ -4286,7 +4286,7 @@
                             <a:schemeClr val="tx1"/>
                           </a:solidFill>
                         </a:rPr>
-                        <a:t>N pass manual checks = 148 </a:t>
+                        <a:t>N pass manual checks = 114</a:t>
                       </a:r>
                     </a:p>
                   </p:txBody>
@@ -4420,7 +4420,7 @@
                           <a:schemeClr val="tx1"/>
                         </a:solidFill>
                       </a:rPr>
-                      <a:t>N manual = 33</a:t>
+                      <a:t>N manual = 22</a:t>
                     </a:r>
                   </a:p>
                 </p:txBody>
@@ -4475,7 +4475,7 @@
                         <a:schemeClr val="tx1"/>
                       </a:solidFill>
                     </a:rPr>
-                    <a:t>N not duplicated = 1,282</a:t>
+                    <a:t>N not duplicated = 955</a:t>
                   </a:r>
                 </a:p>
               </p:txBody>

--- a/flowchart.pptx
+++ b/flowchart.pptx
@@ -6,6 +6,7 @@
   </p:sldMasterIdLst>
   <p:sldIdLst>
     <p:sldId id="257" r:id="rId2"/>
+    <p:sldId id="258" r:id="rId3"/>
   </p:sldIdLst>
   <p:sldSz cx="12192000" cy="6858000"/>
   <p:notesSz cx="6858000" cy="9144000"/>
@@ -259,7 +260,7 @@
           <a:p>
             <a:fld id="{A5F08B19-B713-B844-A98D-953EBEF88FDF}" type="datetimeFigureOut">
               <a:rPr lang="en-US" smtClean="0"/>
-              <a:t>12/9/25</a:t>
+              <a:t>1/14/26</a:t>
             </a:fld>
             <a:endParaRPr lang="en-US"/>
           </a:p>
@@ -457,7 +458,7 @@
           <a:p>
             <a:fld id="{A5F08B19-B713-B844-A98D-953EBEF88FDF}" type="datetimeFigureOut">
               <a:rPr lang="en-US" smtClean="0"/>
-              <a:t>12/9/25</a:t>
+              <a:t>1/14/26</a:t>
             </a:fld>
             <a:endParaRPr lang="en-US"/>
           </a:p>
@@ -665,7 +666,7 @@
           <a:p>
             <a:fld id="{A5F08B19-B713-B844-A98D-953EBEF88FDF}" type="datetimeFigureOut">
               <a:rPr lang="en-US" smtClean="0"/>
-              <a:t>12/9/25</a:t>
+              <a:t>1/14/26</a:t>
             </a:fld>
             <a:endParaRPr lang="en-US"/>
           </a:p>
@@ -863,7 +864,7 @@
           <a:p>
             <a:fld id="{A5F08B19-B713-B844-A98D-953EBEF88FDF}" type="datetimeFigureOut">
               <a:rPr lang="en-US" smtClean="0"/>
-              <a:t>12/9/25</a:t>
+              <a:t>1/14/26</a:t>
             </a:fld>
             <a:endParaRPr lang="en-US"/>
           </a:p>
@@ -1138,7 +1139,7 @@
           <a:p>
             <a:fld id="{A5F08B19-B713-B844-A98D-953EBEF88FDF}" type="datetimeFigureOut">
               <a:rPr lang="en-US" smtClean="0"/>
-              <a:t>12/9/25</a:t>
+              <a:t>1/14/26</a:t>
             </a:fld>
             <a:endParaRPr lang="en-US"/>
           </a:p>
@@ -1403,7 +1404,7 @@
           <a:p>
             <a:fld id="{A5F08B19-B713-B844-A98D-953EBEF88FDF}" type="datetimeFigureOut">
               <a:rPr lang="en-US" smtClean="0"/>
-              <a:t>12/9/25</a:t>
+              <a:t>1/14/26</a:t>
             </a:fld>
             <a:endParaRPr lang="en-US"/>
           </a:p>
@@ -1815,7 +1816,7 @@
           <a:p>
             <a:fld id="{A5F08B19-B713-B844-A98D-953EBEF88FDF}" type="datetimeFigureOut">
               <a:rPr lang="en-US" smtClean="0"/>
-              <a:t>12/9/25</a:t>
+              <a:t>1/14/26</a:t>
             </a:fld>
             <a:endParaRPr lang="en-US"/>
           </a:p>
@@ -1956,7 +1957,7 @@
           <a:p>
             <a:fld id="{A5F08B19-B713-B844-A98D-953EBEF88FDF}" type="datetimeFigureOut">
               <a:rPr lang="en-US" smtClean="0"/>
-              <a:t>12/9/25</a:t>
+              <a:t>1/14/26</a:t>
             </a:fld>
             <a:endParaRPr lang="en-US"/>
           </a:p>
@@ -2069,7 +2070,7 @@
           <a:p>
             <a:fld id="{A5F08B19-B713-B844-A98D-953EBEF88FDF}" type="datetimeFigureOut">
               <a:rPr lang="en-US" smtClean="0"/>
-              <a:t>12/9/25</a:t>
+              <a:t>1/14/26</a:t>
             </a:fld>
             <a:endParaRPr lang="en-US"/>
           </a:p>
@@ -2380,7 +2381,7 @@
           <a:p>
             <a:fld id="{A5F08B19-B713-B844-A98D-953EBEF88FDF}" type="datetimeFigureOut">
               <a:rPr lang="en-US" smtClean="0"/>
-              <a:t>12/9/25</a:t>
+              <a:t>1/14/26</a:t>
             </a:fld>
             <a:endParaRPr lang="en-US"/>
           </a:p>
@@ -2668,7 +2669,7 @@
           <a:p>
             <a:fld id="{A5F08B19-B713-B844-A98D-953EBEF88FDF}" type="datetimeFigureOut">
               <a:rPr lang="en-US" smtClean="0"/>
-              <a:t>12/9/25</a:t>
+              <a:t>1/14/26</a:t>
             </a:fld>
             <a:endParaRPr lang="en-US"/>
           </a:p>
@@ -2909,7 +2910,7 @@
           <a:p>
             <a:fld id="{A5F08B19-B713-B844-A98D-953EBEF88FDF}" type="datetimeFigureOut">
               <a:rPr lang="en-US" smtClean="0"/>
-              <a:t>12/9/25</a:t>
+              <a:t>1/14/26</a:t>
             </a:fld>
             <a:endParaRPr lang="en-US"/>
           </a:p>
@@ -4539,6 +4540,1144 @@
 </p:sld>
 </file>
 
+<file path=ppt/slides/slide2.xml><?xml version="1.0" encoding="utf-8"?>
+<p:sld xmlns:a="http://schemas.openxmlformats.org/drawingml/2006/main" xmlns:r="http://schemas.openxmlformats.org/officeDocument/2006/relationships" xmlns:p="http://schemas.openxmlformats.org/presentationml/2006/main">
+  <p:cSld>
+    <p:spTree>
+      <p:nvGrpSpPr>
+        <p:cNvPr id="1" name="">
+          <a:extLst>
+            <a:ext uri="{FF2B5EF4-FFF2-40B4-BE49-F238E27FC236}">
+              <a16:creationId xmlns:a16="http://schemas.microsoft.com/office/drawing/2014/main" id="{8C8E1FE5-9A46-C541-410E-1E9376C74E02}"/>
+            </a:ext>
+          </a:extLst>
+        </p:cNvPr>
+        <p:cNvGrpSpPr/>
+        <p:nvPr/>
+      </p:nvGrpSpPr>
+      <p:grpSpPr>
+        <a:xfrm>
+          <a:off x="0" y="0"/>
+          <a:ext cx="0" cy="0"/>
+          <a:chOff x="0" y="0"/>
+          <a:chExt cx="0" cy="0"/>
+        </a:xfrm>
+      </p:grpSpPr>
+      <p:sp>
+        <p:nvSpPr>
+          <p:cNvPr id="11" name="TextBox 10">
+            <a:extLst>
+              <a:ext uri="{FF2B5EF4-FFF2-40B4-BE49-F238E27FC236}">
+                <a16:creationId xmlns:a16="http://schemas.microsoft.com/office/drawing/2014/main" id="{4520E841-4780-A77F-364B-BC058ECFA5BB}"/>
+              </a:ext>
+            </a:extLst>
+          </p:cNvPr>
+          <p:cNvSpPr txBox="1"/>
+          <p:nvPr/>
+        </p:nvSpPr>
+        <p:spPr>
+          <a:xfrm>
+            <a:off x="8702566" y="690594"/>
+            <a:ext cx="2238703" cy="1477328"/>
+          </a:xfrm>
+          <a:prstGeom prst="rect">
+            <a:avLst/>
+          </a:prstGeom>
+          <a:noFill/>
+        </p:spPr>
+        <p:txBody>
+          <a:bodyPr wrap="square" rtlCol="0">
+            <a:spAutoFit/>
+          </a:bodyPr>
+          <a:lstStyle/>
+          <a:p>
+            <a:r>
+              <a:rPr lang="en-US" dirty="0"/>
+              <a:t>33 = 27 from </a:t>
+            </a:r>
+            <a:r>
+              <a:rPr lang="en-US" dirty="0" err="1"/>
+              <a:t>bev</a:t>
+            </a:r>
+            <a:r>
+              <a:rPr lang="en-US" dirty="0"/>
+              <a:t>  + 5 from manual spot checks from </a:t>
+            </a:r>
+            <a:r>
+              <a:rPr lang="en-US" dirty="0" err="1"/>
+              <a:t>chad</a:t>
+            </a:r>
+            <a:endParaRPr lang="en-US" dirty="0"/>
+          </a:p>
+          <a:p>
+            <a:r>
+              <a:rPr lang="en-US" dirty="0"/>
+              <a:t>1646 = found by the automated parser</a:t>
+            </a:r>
+          </a:p>
+        </p:txBody>
+      </p:sp>
+      <p:grpSp>
+        <p:nvGrpSpPr>
+          <p:cNvPr id="53" name="Group 52">
+            <a:extLst>
+              <a:ext uri="{FF2B5EF4-FFF2-40B4-BE49-F238E27FC236}">
+                <a16:creationId xmlns:a16="http://schemas.microsoft.com/office/drawing/2014/main" id="{593F1DA6-2F43-F8FA-479E-3DBCDF33196A}"/>
+              </a:ext>
+            </a:extLst>
+          </p:cNvPr>
+          <p:cNvGrpSpPr/>
+          <p:nvPr/>
+        </p:nvGrpSpPr>
+        <p:grpSpPr>
+          <a:xfrm>
+            <a:off x="873844" y="885371"/>
+            <a:ext cx="7154105" cy="4826549"/>
+            <a:chOff x="616669" y="485321"/>
+            <a:chExt cx="7154105" cy="4826549"/>
+          </a:xfrm>
+        </p:grpSpPr>
+        <p:cxnSp>
+          <p:nvCxnSpPr>
+            <p:cNvPr id="16" name="Elbow Connector 15">
+              <a:extLst>
+                <a:ext uri="{FF2B5EF4-FFF2-40B4-BE49-F238E27FC236}">
+                  <a16:creationId xmlns:a16="http://schemas.microsoft.com/office/drawing/2014/main" id="{0873C9F1-6DD7-014E-4F5B-3FC3E3A0B4A3}"/>
+                </a:ext>
+              </a:extLst>
+            </p:cNvPr>
+            <p:cNvCxnSpPr>
+              <a:cxnSpLocks/>
+              <a:stCxn id="3" idx="2"/>
+              <a:endCxn id="5" idx="0"/>
+            </p:cNvCxnSpPr>
+            <p:nvPr/>
+          </p:nvCxnSpPr>
+          <p:spPr>
+            <a:xfrm rot="16200000" flipH="1">
+              <a:off x="2362044" y="329860"/>
+              <a:ext cx="558745" cy="2026212"/>
+            </a:xfrm>
+            <a:prstGeom prst="bentConnector3">
+              <a:avLst/>
+            </a:prstGeom>
+            <a:ln>
+              <a:tailEnd type="triangle"/>
+            </a:ln>
+          </p:spPr>
+          <p:style>
+            <a:lnRef idx="2">
+              <a:schemeClr val="accent1"/>
+            </a:lnRef>
+            <a:fillRef idx="0">
+              <a:schemeClr val="accent1"/>
+            </a:fillRef>
+            <a:effectRef idx="1">
+              <a:schemeClr val="accent1"/>
+            </a:effectRef>
+            <a:fontRef idx="minor">
+              <a:schemeClr val="tx1"/>
+            </a:fontRef>
+          </p:style>
+        </p:cxnSp>
+        <p:cxnSp>
+          <p:nvCxnSpPr>
+            <p:cNvPr id="18" name="Elbow Connector 17">
+              <a:extLst>
+                <a:ext uri="{FF2B5EF4-FFF2-40B4-BE49-F238E27FC236}">
+                  <a16:creationId xmlns:a16="http://schemas.microsoft.com/office/drawing/2014/main" id="{F28A2F2C-503D-81D8-4A5E-3BC269840EB6}"/>
+                </a:ext>
+              </a:extLst>
+            </p:cNvPr>
+            <p:cNvCxnSpPr>
+              <a:cxnSpLocks/>
+              <a:stCxn id="2" idx="2"/>
+              <a:endCxn id="5" idx="0"/>
+            </p:cNvCxnSpPr>
+            <p:nvPr/>
+          </p:nvCxnSpPr>
+          <p:spPr>
+            <a:xfrm rot="5400000">
+              <a:off x="4636213" y="81904"/>
+              <a:ext cx="558745" cy="2522125"/>
+            </a:xfrm>
+            <a:prstGeom prst="bentConnector3">
+              <a:avLst/>
+            </a:prstGeom>
+            <a:ln>
+              <a:tailEnd type="triangle"/>
+            </a:ln>
+          </p:spPr>
+          <p:style>
+            <a:lnRef idx="2">
+              <a:schemeClr val="accent1"/>
+            </a:lnRef>
+            <a:fillRef idx="0">
+              <a:schemeClr val="accent1"/>
+            </a:fillRef>
+            <a:effectRef idx="1">
+              <a:schemeClr val="accent1"/>
+            </a:effectRef>
+            <a:fontRef idx="minor">
+              <a:schemeClr val="tx1"/>
+            </a:fontRef>
+          </p:style>
+        </p:cxnSp>
+        <p:cxnSp>
+          <p:nvCxnSpPr>
+            <p:cNvPr id="20" name="Straight Arrow Connector 19">
+              <a:extLst>
+                <a:ext uri="{FF2B5EF4-FFF2-40B4-BE49-F238E27FC236}">
+                  <a16:creationId xmlns:a16="http://schemas.microsoft.com/office/drawing/2014/main" id="{B0C94C9B-B450-D67C-C545-804DE13BF9CC}"/>
+                </a:ext>
+              </a:extLst>
+            </p:cNvPr>
+            <p:cNvCxnSpPr>
+              <a:cxnSpLocks/>
+              <a:stCxn id="5" idx="2"/>
+              <a:endCxn id="38" idx="0"/>
+            </p:cNvCxnSpPr>
+            <p:nvPr/>
+          </p:nvCxnSpPr>
+          <p:spPr>
+            <a:xfrm flipH="1">
+              <a:off x="3654519" y="2000885"/>
+              <a:ext cx="3" cy="167230"/>
+            </a:xfrm>
+            <a:prstGeom prst="straightConnector1">
+              <a:avLst/>
+            </a:prstGeom>
+            <a:ln>
+              <a:tailEnd type="triangle"/>
+            </a:ln>
+          </p:spPr>
+          <p:style>
+            <a:lnRef idx="2">
+              <a:schemeClr val="accent1"/>
+            </a:lnRef>
+            <a:fillRef idx="0">
+              <a:schemeClr val="accent1"/>
+            </a:fillRef>
+            <a:effectRef idx="1">
+              <a:schemeClr val="accent1"/>
+            </a:effectRef>
+            <a:fontRef idx="minor">
+              <a:schemeClr val="tx1"/>
+            </a:fontRef>
+          </p:style>
+        </p:cxnSp>
+        <p:cxnSp>
+          <p:nvCxnSpPr>
+            <p:cNvPr id="22" name="Straight Arrow Connector 21">
+              <a:extLst>
+                <a:ext uri="{FF2B5EF4-FFF2-40B4-BE49-F238E27FC236}">
+                  <a16:creationId xmlns:a16="http://schemas.microsoft.com/office/drawing/2014/main" id="{26D9CE49-9A0F-320D-4ACC-8D832FF7BA42}"/>
+                </a:ext>
+              </a:extLst>
+            </p:cNvPr>
+            <p:cNvCxnSpPr>
+              <a:cxnSpLocks/>
+              <a:stCxn id="6" idx="2"/>
+            </p:cNvCxnSpPr>
+            <p:nvPr/>
+          </p:nvCxnSpPr>
+          <p:spPr>
+            <a:xfrm>
+              <a:off x="3654518" y="3180056"/>
+              <a:ext cx="3" cy="189273"/>
+            </a:xfrm>
+            <a:prstGeom prst="straightConnector1">
+              <a:avLst/>
+            </a:prstGeom>
+            <a:ln>
+              <a:tailEnd type="triangle"/>
+            </a:ln>
+          </p:spPr>
+          <p:style>
+            <a:lnRef idx="2">
+              <a:schemeClr val="accent1"/>
+            </a:lnRef>
+            <a:fillRef idx="0">
+              <a:schemeClr val="accent1"/>
+            </a:fillRef>
+            <a:effectRef idx="1">
+              <a:schemeClr val="accent1"/>
+            </a:effectRef>
+            <a:fontRef idx="minor">
+              <a:schemeClr val="tx1"/>
+            </a:fontRef>
+          </p:style>
+        </p:cxnSp>
+        <p:cxnSp>
+          <p:nvCxnSpPr>
+            <p:cNvPr id="26" name="Straight Arrow Connector 25">
+              <a:extLst>
+                <a:ext uri="{FF2B5EF4-FFF2-40B4-BE49-F238E27FC236}">
+                  <a16:creationId xmlns:a16="http://schemas.microsoft.com/office/drawing/2014/main" id="{93D79F92-194E-A01A-4BEF-358841B81BCF}"/>
+                </a:ext>
+              </a:extLst>
+            </p:cNvPr>
+            <p:cNvCxnSpPr>
+              <a:cxnSpLocks/>
+              <a:stCxn id="9" idx="2"/>
+              <a:endCxn id="10" idx="0"/>
+            </p:cNvCxnSpPr>
+            <p:nvPr/>
+          </p:nvCxnSpPr>
+          <p:spPr>
+            <a:xfrm flipH="1">
+              <a:off x="3654515" y="3747875"/>
+              <a:ext cx="2" cy="411555"/>
+            </a:xfrm>
+            <a:prstGeom prst="straightConnector1">
+              <a:avLst/>
+            </a:prstGeom>
+            <a:ln>
+              <a:tailEnd type="triangle"/>
+            </a:ln>
+          </p:spPr>
+          <p:style>
+            <a:lnRef idx="2">
+              <a:schemeClr val="accent1"/>
+            </a:lnRef>
+            <a:fillRef idx="0">
+              <a:schemeClr val="accent1"/>
+            </a:fillRef>
+            <a:effectRef idx="1">
+              <a:schemeClr val="accent1"/>
+            </a:effectRef>
+            <a:fontRef idx="minor">
+              <a:schemeClr val="tx1"/>
+            </a:fontRef>
+          </p:style>
+        </p:cxnSp>
+        <p:cxnSp>
+          <p:nvCxnSpPr>
+            <p:cNvPr id="28" name="Straight Arrow Connector 27">
+              <a:extLst>
+                <a:ext uri="{FF2B5EF4-FFF2-40B4-BE49-F238E27FC236}">
+                  <a16:creationId xmlns:a16="http://schemas.microsoft.com/office/drawing/2014/main" id="{08AC4027-3860-1240-7A22-7C58556CCD99}"/>
+                </a:ext>
+              </a:extLst>
+            </p:cNvPr>
+            <p:cNvCxnSpPr>
+              <a:cxnSpLocks/>
+              <a:stCxn id="10" idx="2"/>
+              <a:endCxn id="12" idx="0"/>
+            </p:cNvCxnSpPr>
+            <p:nvPr/>
+          </p:nvCxnSpPr>
+          <p:spPr>
+            <a:xfrm>
+              <a:off x="3654515" y="4537976"/>
+              <a:ext cx="0" cy="395348"/>
+            </a:xfrm>
+            <a:prstGeom prst="straightConnector1">
+              <a:avLst/>
+            </a:prstGeom>
+            <a:ln>
+              <a:tailEnd type="triangle"/>
+            </a:ln>
+          </p:spPr>
+          <p:style>
+            <a:lnRef idx="2">
+              <a:schemeClr val="accent1"/>
+            </a:lnRef>
+            <a:fillRef idx="0">
+              <a:schemeClr val="accent1"/>
+            </a:fillRef>
+            <a:effectRef idx="1">
+              <a:schemeClr val="accent1"/>
+            </a:effectRef>
+            <a:fontRef idx="minor">
+              <a:schemeClr val="tx1"/>
+            </a:fontRef>
+          </p:style>
+        </p:cxnSp>
+        <p:cxnSp>
+          <p:nvCxnSpPr>
+            <p:cNvPr id="23" name="Elbow Connector 22">
+              <a:extLst>
+                <a:ext uri="{FF2B5EF4-FFF2-40B4-BE49-F238E27FC236}">
+                  <a16:creationId xmlns:a16="http://schemas.microsoft.com/office/drawing/2014/main" id="{C054C64B-073D-586A-D2BE-B175C342318C}"/>
+                </a:ext>
+              </a:extLst>
+            </p:cNvPr>
+            <p:cNvCxnSpPr>
+              <a:cxnSpLocks/>
+              <a:stCxn id="21" idx="2"/>
+              <a:endCxn id="5" idx="0"/>
+            </p:cNvCxnSpPr>
+            <p:nvPr/>
+          </p:nvCxnSpPr>
+          <p:spPr>
+            <a:xfrm rot="5400000">
+              <a:off x="3412864" y="1307930"/>
+              <a:ext cx="556068" cy="72751"/>
+            </a:xfrm>
+            <a:prstGeom prst="bentConnector3">
+              <a:avLst/>
+            </a:prstGeom>
+            <a:ln>
+              <a:tailEnd type="triangle"/>
+            </a:ln>
+          </p:spPr>
+          <p:style>
+            <a:lnRef idx="2">
+              <a:schemeClr val="accent1"/>
+            </a:lnRef>
+            <a:fillRef idx="0">
+              <a:schemeClr val="accent1"/>
+            </a:fillRef>
+            <a:effectRef idx="1">
+              <a:schemeClr val="accent1"/>
+            </a:effectRef>
+            <a:fontRef idx="minor">
+              <a:schemeClr val="tx1"/>
+            </a:fontRef>
+          </p:style>
+        </p:cxnSp>
+        <p:grpSp>
+          <p:nvGrpSpPr>
+            <p:cNvPr id="44" name="Group 43">
+              <a:extLst>
+                <a:ext uri="{FF2B5EF4-FFF2-40B4-BE49-F238E27FC236}">
+                  <a16:creationId xmlns:a16="http://schemas.microsoft.com/office/drawing/2014/main" id="{8E0B51DA-80AB-59CD-3B6F-42353C6DB794}"/>
+                </a:ext>
+              </a:extLst>
+            </p:cNvPr>
+            <p:cNvGrpSpPr/>
+            <p:nvPr/>
+          </p:nvGrpSpPr>
+          <p:grpSpPr>
+            <a:xfrm>
+              <a:off x="616669" y="485321"/>
+              <a:ext cx="7154105" cy="4826549"/>
+              <a:chOff x="448717" y="690593"/>
+              <a:chExt cx="7154105" cy="4826549"/>
+            </a:xfrm>
+          </p:grpSpPr>
+          <p:sp>
+            <p:nvSpPr>
+              <p:cNvPr id="21" name="Rectangle 20">
+                <a:extLst>
+                  <a:ext uri="{FF2B5EF4-FFF2-40B4-BE49-F238E27FC236}">
+                    <a16:creationId xmlns:a16="http://schemas.microsoft.com/office/drawing/2014/main" id="{B3E905FD-0F38-8B20-FE82-0EEBC3ABED34}"/>
+                  </a:ext>
+                </a:extLst>
+              </p:cNvPr>
+              <p:cNvSpPr/>
+              <p:nvPr/>
+            </p:nvSpPr>
+            <p:spPr>
+              <a:xfrm>
+                <a:off x="2547680" y="693270"/>
+                <a:ext cx="2023281" cy="578273"/>
+              </a:xfrm>
+              <a:prstGeom prst="rect">
+                <a:avLst/>
+              </a:prstGeom>
+              <a:noFill/>
+            </p:spPr>
+            <p:style>
+              <a:lnRef idx="2">
+                <a:schemeClr val="accent1">
+                  <a:shade val="15000"/>
+                </a:schemeClr>
+              </a:lnRef>
+              <a:fillRef idx="1">
+                <a:schemeClr val="accent1"/>
+              </a:fillRef>
+              <a:effectRef idx="0">
+                <a:schemeClr val="accent1"/>
+              </a:effectRef>
+              <a:fontRef idx="minor">
+                <a:schemeClr val="lt1"/>
+              </a:fontRef>
+            </p:style>
+            <p:txBody>
+              <a:bodyPr rtlCol="0" anchor="ctr"/>
+              <a:lstStyle/>
+              <a:p>
+                <a:pPr algn="ctr"/>
+                <a:r>
+                  <a:rPr lang="en-US" dirty="0">
+                    <a:solidFill>
+                      <a:schemeClr val="tx1"/>
+                    </a:solidFill>
+                  </a:rPr>
+                  <a:t>N state MVP = 21</a:t>
+                </a:r>
+              </a:p>
+            </p:txBody>
+          </p:sp>
+          <p:grpSp>
+            <p:nvGrpSpPr>
+              <p:cNvPr id="39" name="Group 38">
+                <a:extLst>
+                  <a:ext uri="{FF2B5EF4-FFF2-40B4-BE49-F238E27FC236}">
+                    <a16:creationId xmlns:a16="http://schemas.microsoft.com/office/drawing/2014/main" id="{D695D86F-AD2A-6322-6928-5069632353C0}"/>
+                  </a:ext>
+                </a:extLst>
+              </p:cNvPr>
+              <p:cNvGrpSpPr/>
+              <p:nvPr/>
+            </p:nvGrpSpPr>
+            <p:grpSpPr>
+              <a:xfrm>
+                <a:off x="448717" y="690593"/>
+                <a:ext cx="7154105" cy="4826549"/>
+                <a:chOff x="430056" y="693951"/>
+                <a:chExt cx="7154105" cy="4826549"/>
+              </a:xfrm>
+            </p:grpSpPr>
+            <p:grpSp>
+              <p:nvGrpSpPr>
+                <p:cNvPr id="4" name="Group 3">
+                  <a:extLst>
+                    <a:ext uri="{FF2B5EF4-FFF2-40B4-BE49-F238E27FC236}">
+                      <a16:creationId xmlns:a16="http://schemas.microsoft.com/office/drawing/2014/main" id="{F62E26AB-3670-F47B-44A1-2BC3DF320792}"/>
+                    </a:ext>
+                  </a:extLst>
+                </p:cNvPr>
+                <p:cNvGrpSpPr/>
+                <p:nvPr/>
+              </p:nvGrpSpPr>
+              <p:grpSpPr>
+                <a:xfrm>
+                  <a:off x="430056" y="693951"/>
+                  <a:ext cx="7154105" cy="4826549"/>
+                  <a:chOff x="374072" y="690594"/>
+                  <a:chExt cx="7154105" cy="4826549"/>
+                </a:xfrm>
+              </p:grpSpPr>
+              <p:grpSp>
+                <p:nvGrpSpPr>
+                  <p:cNvPr id="15" name="Group 14">
+                    <a:extLst>
+                      <a:ext uri="{FF2B5EF4-FFF2-40B4-BE49-F238E27FC236}">
+                        <a16:creationId xmlns:a16="http://schemas.microsoft.com/office/drawing/2014/main" id="{ED914B57-C3D1-437D-1697-4FF1DD2C3F21}"/>
+                      </a:ext>
+                    </a:extLst>
+                  </p:cNvPr>
+                  <p:cNvGrpSpPr/>
+                  <p:nvPr/>
+                </p:nvGrpSpPr>
+                <p:grpSpPr>
+                  <a:xfrm>
+                    <a:off x="1705948" y="690594"/>
+                    <a:ext cx="5822229" cy="4826549"/>
+                    <a:chOff x="1528543" y="167094"/>
+                    <a:chExt cx="5822229" cy="4826549"/>
+                  </a:xfrm>
+                </p:grpSpPr>
+                <p:sp>
+                  <p:nvSpPr>
+                    <p:cNvPr id="2" name="Rectangle 1">
+                      <a:extLst>
+                        <a:ext uri="{FF2B5EF4-FFF2-40B4-BE49-F238E27FC236}">
+                          <a16:creationId xmlns:a16="http://schemas.microsoft.com/office/drawing/2014/main" id="{210BB6F0-DFA5-AD84-1E5F-F2F0370FAB17}"/>
+                        </a:ext>
+                      </a:extLst>
+                    </p:cNvPr>
+                    <p:cNvSpPr/>
+                    <p:nvPr/>
+                  </p:nvSpPr>
+                  <p:spPr>
+                    <a:xfrm>
+                      <a:off x="4546702" y="167094"/>
+                      <a:ext cx="2419885" cy="578273"/>
+                    </a:xfrm>
+                    <a:prstGeom prst="rect">
+                      <a:avLst/>
+                    </a:prstGeom>
+                    <a:noFill/>
+                  </p:spPr>
+                  <p:style>
+                    <a:lnRef idx="2">
+                      <a:schemeClr val="accent1">
+                        <a:shade val="15000"/>
+                      </a:schemeClr>
+                    </a:lnRef>
+                    <a:fillRef idx="1">
+                      <a:schemeClr val="accent1"/>
+                    </a:fillRef>
+                    <a:effectRef idx="0">
+                      <a:schemeClr val="accent1"/>
+                    </a:effectRef>
+                    <a:fontRef idx="minor">
+                      <a:schemeClr val="lt1"/>
+                    </a:fontRef>
+                  </p:style>
+                  <p:txBody>
+                    <a:bodyPr rtlCol="0" anchor="ctr"/>
+                    <a:lstStyle/>
+                    <a:p>
+                      <a:pPr algn="ctr"/>
+                      <a:r>
+                        <a:rPr lang="en-US" dirty="0">
+                          <a:solidFill>
+                            <a:schemeClr val="tx1"/>
+                          </a:solidFill>
+                        </a:rPr>
+                        <a:t>N automated = 709</a:t>
+                      </a:r>
+                    </a:p>
+                  </p:txBody>
+                </p:sp>
+                <p:sp>
+                  <p:nvSpPr>
+                    <p:cNvPr id="5" name="Rectangle 4">
+                      <a:extLst>
+                        <a:ext uri="{FF2B5EF4-FFF2-40B4-BE49-F238E27FC236}">
+                          <a16:creationId xmlns:a16="http://schemas.microsoft.com/office/drawing/2014/main" id="{079ABC57-41AF-4718-568B-73081844CADA}"/>
+                        </a:ext>
+                      </a:extLst>
+                    </p:cNvPr>
+                    <p:cNvSpPr/>
+                    <p:nvPr/>
+                  </p:nvSpPr>
+                  <p:spPr>
+                    <a:xfrm>
+                      <a:off x="1528549" y="1304112"/>
+                      <a:ext cx="3411941" cy="378546"/>
+                    </a:xfrm>
+                    <a:prstGeom prst="rect">
+                      <a:avLst/>
+                    </a:prstGeom>
+                    <a:noFill/>
+                  </p:spPr>
+                  <p:style>
+                    <a:lnRef idx="2">
+                      <a:schemeClr val="accent1">
+                        <a:shade val="15000"/>
+                      </a:schemeClr>
+                    </a:lnRef>
+                    <a:fillRef idx="1">
+                      <a:schemeClr val="accent1"/>
+                    </a:fillRef>
+                    <a:effectRef idx="0">
+                      <a:schemeClr val="accent1"/>
+                    </a:effectRef>
+                    <a:fontRef idx="minor">
+                      <a:schemeClr val="lt1"/>
+                    </a:fontRef>
+                  </p:style>
+                  <p:txBody>
+                    <a:bodyPr rtlCol="0" anchor="ctr"/>
+                    <a:lstStyle/>
+                    <a:p>
+                      <a:pPr algn="ctr"/>
+                      <a:r>
+                        <a:rPr lang="en-US" dirty="0">
+                          <a:solidFill>
+                            <a:schemeClr val="tx1"/>
+                          </a:solidFill>
+                        </a:rPr>
+                        <a:t>N total = 751</a:t>
+                      </a:r>
+                    </a:p>
+                  </p:txBody>
+                </p:sp>
+                <p:sp>
+                  <p:nvSpPr>
+                    <p:cNvPr id="6" name="Rectangle 5">
+                      <a:extLst>
+                        <a:ext uri="{FF2B5EF4-FFF2-40B4-BE49-F238E27FC236}">
+                          <a16:creationId xmlns:a16="http://schemas.microsoft.com/office/drawing/2014/main" id="{B947C81B-B629-60F6-0E19-0AACA89A82CD}"/>
+                        </a:ext>
+                      </a:extLst>
+                    </p:cNvPr>
+                    <p:cNvSpPr/>
+                    <p:nvPr/>
+                  </p:nvSpPr>
+                  <p:spPr>
+                    <a:xfrm>
+                      <a:off x="1528545" y="2483283"/>
+                      <a:ext cx="3411942" cy="378546"/>
+                    </a:xfrm>
+                    <a:prstGeom prst="rect">
+                      <a:avLst/>
+                    </a:prstGeom>
+                    <a:noFill/>
+                  </p:spPr>
+                  <p:style>
+                    <a:lnRef idx="2">
+                      <a:schemeClr val="accent1">
+                        <a:shade val="15000"/>
+                      </a:schemeClr>
+                    </a:lnRef>
+                    <a:fillRef idx="1">
+                      <a:schemeClr val="accent1"/>
+                    </a:fillRef>
+                    <a:effectRef idx="0">
+                      <a:schemeClr val="accent1"/>
+                    </a:effectRef>
+                    <a:fontRef idx="minor">
+                      <a:schemeClr val="lt1"/>
+                    </a:fontRef>
+                  </p:style>
+                  <p:txBody>
+                    <a:bodyPr rtlCol="0" anchor="ctr"/>
+                    <a:lstStyle/>
+                    <a:p>
+                      <a:pPr algn="ctr"/>
+                      <a:r>
+                        <a:rPr lang="en-US" dirty="0">
+                          <a:solidFill>
+                            <a:schemeClr val="tx1"/>
+                          </a:solidFill>
+                        </a:rPr>
+                        <a:t>N in Massachusetts = 356 </a:t>
+                      </a:r>
+                    </a:p>
+                  </p:txBody>
+                </p:sp>
+                <p:sp>
+                  <p:nvSpPr>
+                    <p:cNvPr id="7" name="TextBox 6">
+                      <a:extLst>
+                        <a:ext uri="{FF2B5EF4-FFF2-40B4-BE49-F238E27FC236}">
+                          <a16:creationId xmlns:a16="http://schemas.microsoft.com/office/drawing/2014/main" id="{28D33E20-48B9-C012-1C1A-9420BF62EFE9}"/>
+                        </a:ext>
+                      </a:extLst>
+                    </p:cNvPr>
+                    <p:cNvSpPr txBox="1"/>
+                    <p:nvPr/>
+                  </p:nvSpPr>
+                  <p:spPr>
+                    <a:xfrm>
+                      <a:off x="4315522" y="1942165"/>
+                      <a:ext cx="1884556" cy="369332"/>
+                    </a:xfrm>
+                    <a:prstGeom prst="rect">
+                      <a:avLst/>
+                    </a:prstGeom>
+                    <a:noFill/>
+                  </p:spPr>
+                  <p:txBody>
+                    <a:bodyPr wrap="square" rtlCol="0">
+                      <a:spAutoFit/>
+                    </a:bodyPr>
+                    <a:lstStyle/>
+                    <a:p>
+                      <a:r>
+                        <a:rPr lang="en-US" dirty="0"/>
+                        <a:t> </a:t>
+                      </a:r>
+                    </a:p>
+                  </p:txBody>
+                </p:sp>
+                <p:sp>
+                  <p:nvSpPr>
+                    <p:cNvPr id="9" name="Rectangle 8">
+                      <a:extLst>
+                        <a:ext uri="{FF2B5EF4-FFF2-40B4-BE49-F238E27FC236}">
+                          <a16:creationId xmlns:a16="http://schemas.microsoft.com/office/drawing/2014/main" id="{2A41BB5E-2C22-2123-EAD8-5EAD334EF073}"/>
+                        </a:ext>
+                      </a:extLst>
+                    </p:cNvPr>
+                    <p:cNvSpPr/>
+                    <p:nvPr/>
+                  </p:nvSpPr>
+                  <p:spPr>
+                    <a:xfrm>
+                      <a:off x="1528545" y="3051102"/>
+                      <a:ext cx="3411940" cy="378546"/>
+                    </a:xfrm>
+                    <a:prstGeom prst="rect">
+                      <a:avLst/>
+                    </a:prstGeom>
+                    <a:noFill/>
+                  </p:spPr>
+                  <p:style>
+                    <a:lnRef idx="2">
+                      <a:schemeClr val="accent1">
+                        <a:shade val="15000"/>
+                      </a:schemeClr>
+                    </a:lnRef>
+                    <a:fillRef idx="1">
+                      <a:schemeClr val="accent1"/>
+                    </a:fillRef>
+                    <a:effectRef idx="0">
+                      <a:schemeClr val="accent1"/>
+                    </a:effectRef>
+                    <a:fontRef idx="minor">
+                      <a:schemeClr val="lt1"/>
+                    </a:fontRef>
+                  </p:style>
+                  <p:txBody>
+                    <a:bodyPr rtlCol="0" anchor="ctr"/>
+                    <a:lstStyle/>
+                    <a:p>
+                      <a:pPr algn="ctr"/>
+                      <a:r>
+                        <a:rPr lang="en-US" dirty="0">
+                          <a:solidFill>
+                            <a:schemeClr val="tx1"/>
+                          </a:solidFill>
+                        </a:rPr>
+                        <a:t>N has “climate” in text = 315</a:t>
+                      </a:r>
+                    </a:p>
+                  </p:txBody>
+                </p:sp>
+                <p:sp>
+                  <p:nvSpPr>
+                    <p:cNvPr id="10" name="Rectangle 9">
+                      <a:extLst>
+                        <a:ext uri="{FF2B5EF4-FFF2-40B4-BE49-F238E27FC236}">
+                          <a16:creationId xmlns:a16="http://schemas.microsoft.com/office/drawing/2014/main" id="{895783EC-AC8C-54C5-B0B8-F13CDE0F6CD2}"/>
+                        </a:ext>
+                      </a:extLst>
+                    </p:cNvPr>
+                    <p:cNvSpPr/>
+                    <p:nvPr/>
+                  </p:nvSpPr>
+                  <p:spPr>
+                    <a:xfrm>
+                      <a:off x="1528543" y="3841203"/>
+                      <a:ext cx="3411940" cy="378546"/>
+                    </a:xfrm>
+                    <a:prstGeom prst="rect">
+                      <a:avLst/>
+                    </a:prstGeom>
+                    <a:noFill/>
+                  </p:spPr>
+                  <p:style>
+                    <a:lnRef idx="2">
+                      <a:schemeClr val="accent1">
+                        <a:shade val="15000"/>
+                      </a:schemeClr>
+                    </a:lnRef>
+                    <a:fillRef idx="1">
+                      <a:schemeClr val="accent1"/>
+                    </a:fillRef>
+                    <a:effectRef idx="0">
+                      <a:schemeClr val="accent1"/>
+                    </a:effectRef>
+                    <a:fontRef idx="minor">
+                      <a:schemeClr val="lt1"/>
+                    </a:fontRef>
+                  </p:style>
+                  <p:txBody>
+                    <a:bodyPr rtlCol="0" anchor="ctr"/>
+                    <a:lstStyle/>
+                    <a:p>
+                      <a:pPr algn="ctr"/>
+                      <a:r>
+                        <a:rPr lang="en-US" dirty="0">
+                          <a:solidFill>
+                            <a:schemeClr val="tx1"/>
+                          </a:solidFill>
+                        </a:rPr>
+                        <a:t>N has “community” in text = 304 </a:t>
+                      </a:r>
+                    </a:p>
+                  </p:txBody>
+                </p:sp>
+                <p:sp>
+                  <p:nvSpPr>
+                    <p:cNvPr id="12" name="Rectangle 11">
+                      <a:extLst>
+                        <a:ext uri="{FF2B5EF4-FFF2-40B4-BE49-F238E27FC236}">
+                          <a16:creationId xmlns:a16="http://schemas.microsoft.com/office/drawing/2014/main" id="{9173F201-9790-8D95-343B-46F2846EB4AA}"/>
+                        </a:ext>
+                      </a:extLst>
+                    </p:cNvPr>
+                    <p:cNvSpPr/>
+                    <p:nvPr/>
+                  </p:nvSpPr>
+                  <p:spPr>
+                    <a:xfrm>
+                      <a:off x="1528543" y="4615097"/>
+                      <a:ext cx="3411940" cy="378546"/>
+                    </a:xfrm>
+                    <a:prstGeom prst="rect">
+                      <a:avLst/>
+                    </a:prstGeom>
+                    <a:noFill/>
+                  </p:spPr>
+                  <p:style>
+                    <a:lnRef idx="2">
+                      <a:schemeClr val="accent1">
+                        <a:shade val="15000"/>
+                      </a:schemeClr>
+                    </a:lnRef>
+                    <a:fillRef idx="1">
+                      <a:schemeClr val="accent1"/>
+                    </a:fillRef>
+                    <a:effectRef idx="0">
+                      <a:schemeClr val="accent1"/>
+                    </a:effectRef>
+                    <a:fontRef idx="minor">
+                      <a:schemeClr val="lt1"/>
+                    </a:fontRef>
+                  </p:style>
+                  <p:txBody>
+                    <a:bodyPr rtlCol="0" anchor="ctr"/>
+                    <a:lstStyle/>
+                    <a:p>
+                      <a:pPr algn="ctr"/>
+                      <a:r>
+                        <a:rPr lang="en-US" dirty="0">
+                          <a:solidFill>
+                            <a:schemeClr val="tx1"/>
+                          </a:solidFill>
+                        </a:rPr>
+                        <a:t>N pass manual checks = 123</a:t>
+                      </a:r>
+                    </a:p>
+                  </p:txBody>
+                </p:sp>
+                <p:sp>
+                  <p:nvSpPr>
+                    <p:cNvPr id="13" name="Right Brace 12">
+                      <a:extLst>
+                        <a:ext uri="{FF2B5EF4-FFF2-40B4-BE49-F238E27FC236}">
+                          <a16:creationId xmlns:a16="http://schemas.microsoft.com/office/drawing/2014/main" id="{24AB6D88-6A23-A585-A7C8-42DBAC5C7C27}"/>
+                        </a:ext>
+                      </a:extLst>
+                    </p:cNvPr>
+                    <p:cNvSpPr/>
+                    <p:nvPr/>
+                  </p:nvSpPr>
+                  <p:spPr>
+                    <a:xfrm>
+                      <a:off x="5139664" y="1942166"/>
+                      <a:ext cx="169484" cy="2277584"/>
+                    </a:xfrm>
+                    <a:prstGeom prst="rightBrace">
+                      <a:avLst/>
+                    </a:prstGeom>
+                  </p:spPr>
+                  <p:style>
+                    <a:lnRef idx="2">
+                      <a:schemeClr val="accent1"/>
+                    </a:lnRef>
+                    <a:fillRef idx="0">
+                      <a:schemeClr val="accent1"/>
+                    </a:fillRef>
+                    <a:effectRef idx="1">
+                      <a:schemeClr val="accent1"/>
+                    </a:effectRef>
+                    <a:fontRef idx="minor">
+                      <a:schemeClr val="tx1"/>
+                    </a:fontRef>
+                  </p:style>
+                  <p:txBody>
+                    <a:bodyPr rtlCol="0" anchor="ctr"/>
+                    <a:lstStyle/>
+                    <a:p>
+                      <a:pPr algn="ctr"/>
+                      <a:endParaRPr lang="en-US"/>
+                    </a:p>
+                  </p:txBody>
+                </p:sp>
+                <p:sp>
+                  <p:nvSpPr>
+                    <p:cNvPr id="14" name="TextBox 13">
+                      <a:extLst>
+                        <a:ext uri="{FF2B5EF4-FFF2-40B4-BE49-F238E27FC236}">
+                          <a16:creationId xmlns:a16="http://schemas.microsoft.com/office/drawing/2014/main" id="{9198269F-BF6D-B91D-5130-5BEEFFFADF88}"/>
+                        </a:ext>
+                      </a:extLst>
+                    </p:cNvPr>
+                    <p:cNvSpPr txBox="1"/>
+                    <p:nvPr/>
+                  </p:nvSpPr>
+                  <p:spPr>
+                    <a:xfrm>
+                      <a:off x="5508325" y="2649108"/>
+                      <a:ext cx="1842447" cy="923330"/>
+                    </a:xfrm>
+                    <a:prstGeom prst="rect">
+                      <a:avLst/>
+                    </a:prstGeom>
+                    <a:noFill/>
+                  </p:spPr>
+                  <p:txBody>
+                    <a:bodyPr wrap="square" rtlCol="0">
+                      <a:spAutoFit/>
+                    </a:bodyPr>
+                    <a:lstStyle/>
+                    <a:p>
+                      <a:r>
+                        <a:rPr lang="en-US" i="1" dirty="0"/>
+                        <a:t>Checked with automated text parsing</a:t>
+                      </a:r>
+                    </a:p>
+                  </p:txBody>
+                </p:sp>
+              </p:grpSp>
+              <p:sp>
+                <p:nvSpPr>
+                  <p:cNvPr id="3" name="Rectangle 2">
+                    <a:extLst>
+                      <a:ext uri="{FF2B5EF4-FFF2-40B4-BE49-F238E27FC236}">
+                        <a16:creationId xmlns:a16="http://schemas.microsoft.com/office/drawing/2014/main" id="{D73B396F-FA0D-F7A6-5731-C02B3348E671}"/>
+                      </a:ext>
+                    </a:extLst>
+                  </p:cNvPr>
+                  <p:cNvSpPr/>
+                  <p:nvPr/>
+                </p:nvSpPr>
+                <p:spPr>
+                  <a:xfrm>
+                    <a:off x="374072" y="690594"/>
+                    <a:ext cx="2023281" cy="578273"/>
+                  </a:xfrm>
+                  <a:prstGeom prst="rect">
+                    <a:avLst/>
+                  </a:prstGeom>
+                  <a:noFill/>
+                </p:spPr>
+                <p:style>
+                  <a:lnRef idx="2">
+                    <a:schemeClr val="accent1">
+                      <a:shade val="15000"/>
+                    </a:schemeClr>
+                  </a:lnRef>
+                  <a:fillRef idx="1">
+                    <a:schemeClr val="accent1"/>
+                  </a:fillRef>
+                  <a:effectRef idx="0">
+                    <a:schemeClr val="accent1"/>
+                  </a:effectRef>
+                  <a:fontRef idx="minor">
+                    <a:schemeClr val="lt1"/>
+                  </a:fontRef>
+                </p:style>
+                <p:txBody>
+                  <a:bodyPr rtlCol="0" anchor="ctr"/>
+                  <a:lstStyle/>
+                  <a:p>
+                    <a:pPr algn="ctr"/>
+                    <a:r>
+                      <a:rPr lang="en-US" dirty="0">
+                        <a:solidFill>
+                          <a:schemeClr val="tx1"/>
+                        </a:solidFill>
+                      </a:rPr>
+                      <a:t>N manual = 21</a:t>
+                    </a:r>
+                  </a:p>
+                </p:txBody>
+              </p:sp>
+            </p:grpSp>
+            <p:sp>
+              <p:nvSpPr>
+                <p:cNvPr id="38" name="Rectangle 37">
+                  <a:extLst>
+                    <a:ext uri="{FF2B5EF4-FFF2-40B4-BE49-F238E27FC236}">
+                      <a16:creationId xmlns:a16="http://schemas.microsoft.com/office/drawing/2014/main" id="{861B00D1-C6F8-3832-9B42-8BC272080973}"/>
+                    </a:ext>
+                  </a:extLst>
+                </p:cNvPr>
+                <p:cNvSpPr/>
+                <p:nvPr/>
+              </p:nvSpPr>
+              <p:spPr>
+                <a:xfrm>
+                  <a:off x="1761935" y="2376745"/>
+                  <a:ext cx="3411941" cy="378546"/>
+                </a:xfrm>
+                <a:prstGeom prst="rect">
+                  <a:avLst/>
+                </a:prstGeom>
+                <a:noFill/>
+              </p:spPr>
+              <p:style>
+                <a:lnRef idx="2">
+                  <a:schemeClr val="accent1">
+                    <a:shade val="15000"/>
+                  </a:schemeClr>
+                </a:lnRef>
+                <a:fillRef idx="1">
+                  <a:schemeClr val="accent1"/>
+                </a:fillRef>
+                <a:effectRef idx="0">
+                  <a:schemeClr val="accent1"/>
+                </a:effectRef>
+                <a:fontRef idx="minor">
+                  <a:schemeClr val="lt1"/>
+                </a:fontRef>
+              </p:style>
+              <p:txBody>
+                <a:bodyPr rtlCol="0" anchor="ctr"/>
+                <a:lstStyle/>
+                <a:p>
+                  <a:pPr algn="ctr"/>
+                  <a:r>
+                    <a:rPr lang="en-US" dirty="0">
+                      <a:solidFill>
+                        <a:schemeClr val="tx1"/>
+                      </a:solidFill>
+                    </a:rPr>
+                    <a:t>N not duplicated = 515</a:t>
+                  </a:r>
+                </a:p>
+              </p:txBody>
+            </p:sp>
+          </p:grpSp>
+        </p:grpSp>
+        <p:cxnSp>
+          <p:nvCxnSpPr>
+            <p:cNvPr id="50" name="Straight Arrow Connector 49">
+              <a:extLst>
+                <a:ext uri="{FF2B5EF4-FFF2-40B4-BE49-F238E27FC236}">
+                  <a16:creationId xmlns:a16="http://schemas.microsoft.com/office/drawing/2014/main" id="{9D6D9FBE-23B8-794A-5CF0-6FECFD27B99C}"/>
+                </a:ext>
+              </a:extLst>
+            </p:cNvPr>
+            <p:cNvCxnSpPr>
+              <a:cxnSpLocks/>
+              <a:stCxn id="38" idx="2"/>
+              <a:endCxn id="6" idx="0"/>
+            </p:cNvCxnSpPr>
+            <p:nvPr/>
+          </p:nvCxnSpPr>
+          <p:spPr>
+            <a:xfrm flipH="1">
+              <a:off x="3654518" y="2546661"/>
+              <a:ext cx="1" cy="254849"/>
+            </a:xfrm>
+            <a:prstGeom prst="straightConnector1">
+              <a:avLst/>
+            </a:prstGeom>
+            <a:ln>
+              <a:tailEnd type="triangle"/>
+            </a:ln>
+          </p:spPr>
+          <p:style>
+            <a:lnRef idx="2">
+              <a:schemeClr val="accent1"/>
+            </a:lnRef>
+            <a:fillRef idx="0">
+              <a:schemeClr val="accent1"/>
+            </a:fillRef>
+            <a:effectRef idx="1">
+              <a:schemeClr val="accent1"/>
+            </a:effectRef>
+            <a:fontRef idx="minor">
+              <a:schemeClr val="tx1"/>
+            </a:fontRef>
+          </p:style>
+        </p:cxnSp>
+      </p:grpSp>
+    </p:spTree>
+    <p:extLst>
+      <p:ext uri="{BB962C8B-B14F-4D97-AF65-F5344CB8AC3E}">
+        <p14:creationId xmlns:p14="http://schemas.microsoft.com/office/powerpoint/2010/main" val="3598324965"/>
+      </p:ext>
+    </p:extLst>
+  </p:cSld>
+  <p:clrMapOvr>
+    <a:masterClrMapping/>
+  </p:clrMapOvr>
+</p:sld>
+</file>
+
 <file path=ppt/theme/theme1.xml><?xml version="1.0" encoding="utf-8"?>
 <a:theme xmlns:a="http://schemas.openxmlformats.org/drawingml/2006/main" name="Office Theme">
   <a:themeElements>
